--- a/talks/lupyan_lab_3_8_18.pptx
+++ b/talks/lupyan_lab_3_8_18.pptx
@@ -5,21 +5,29 @@
     <p:sldMasterId id="2147483660" r:id="rId1"/>
   </p:sldMasterIdLst>
   <p:notesMasterIdLst>
-    <p:notesMasterId r:id="rId14"/>
+    <p:notesMasterId r:id="rId22"/>
   </p:notesMasterIdLst>
   <p:sldIdLst>
     <p:sldId id="257" r:id="rId2"/>
     <p:sldId id="276" r:id="rId3"/>
-    <p:sldId id="278" r:id="rId4"/>
-    <p:sldId id="271" r:id="rId5"/>
-    <p:sldId id="275" r:id="rId6"/>
-    <p:sldId id="283" r:id="rId7"/>
-    <p:sldId id="284" r:id="rId8"/>
-    <p:sldId id="279" r:id="rId9"/>
-    <p:sldId id="280" r:id="rId10"/>
-    <p:sldId id="274" r:id="rId11"/>
-    <p:sldId id="281" r:id="rId12"/>
-    <p:sldId id="282" r:id="rId13"/>
+    <p:sldId id="271" r:id="rId4"/>
+    <p:sldId id="285" r:id="rId5"/>
+    <p:sldId id="286" r:id="rId6"/>
+    <p:sldId id="287" r:id="rId7"/>
+    <p:sldId id="283" r:id="rId8"/>
+    <p:sldId id="284" r:id="rId9"/>
+    <p:sldId id="279" r:id="rId10"/>
+    <p:sldId id="280" r:id="rId11"/>
+    <p:sldId id="274" r:id="rId12"/>
+    <p:sldId id="289" r:id="rId13"/>
+    <p:sldId id="288" r:id="rId14"/>
+    <p:sldId id="290" r:id="rId15"/>
+    <p:sldId id="291" r:id="rId16"/>
+    <p:sldId id="292" r:id="rId17"/>
+    <p:sldId id="293" r:id="rId18"/>
+    <p:sldId id="278" r:id="rId19"/>
+    <p:sldId id="281" r:id="rId20"/>
+    <p:sldId id="282" r:id="rId21"/>
   </p:sldIdLst>
   <p:sldSz cx="9144000" cy="6858000" type="screen4x3"/>
   <p:notesSz cx="6858000" cy="9144000"/>
@@ -608,16 +616,8 @@
           <a:lstStyle/>
           <a:p>
             <a:r>
-              <a:rPr lang="en-US" dirty="0" err="1" smtClean="0"/>
-              <a:t>Generalizaiton</a:t>
-            </a:r>
-            <a:r>
               <a:rPr lang="en-US" dirty="0" smtClean="0"/>
-              <a:t> problem</a:t>
-            </a:r>
-            <a:r>
-              <a:rPr lang="en-US" baseline="0" dirty="0" smtClean="0"/>
-              <a:t> </a:t>
+              <a:t>Identify relevant feature</a:t>
             </a:r>
             <a:endParaRPr lang="en-US" dirty="0"/>
           </a:p>
@@ -640,7 +640,7 @@
           <a:p>
             <a:fld id="{338C3D21-22B2-4149-A9C9-4B394D406695}" type="slidenum">
               <a:rPr lang="en-US" smtClean="0"/>
-              <a:t>4</a:t>
+              <a:t>3</a:t>
             </a:fld>
             <a:endParaRPr lang="en-US"/>
           </a:p>
@@ -724,7 +724,7 @@
           <a:p>
             <a:fld id="{338C3D21-22B2-4149-A9C9-4B394D406695}" type="slidenum">
               <a:rPr lang="en-US" smtClean="0"/>
-              <a:t>6</a:t>
+              <a:t>4</a:t>
             </a:fld>
             <a:endParaRPr lang="en-US"/>
           </a:p>
@@ -733,7 +733,7 @@
     </p:spTree>
     <p:extLst>
       <p:ext uri="{BB962C8B-B14F-4D97-AF65-F5344CB8AC3E}">
-        <p14:creationId xmlns:p14="http://schemas.microsoft.com/office/powerpoint/2010/main" val="1026423327"/>
+        <p14:creationId xmlns:p14="http://schemas.microsoft.com/office/powerpoint/2010/main" val="1228193585"/>
       </p:ext>
     </p:extLst>
   </p:cSld>
@@ -787,6 +787,28 @@
           <a:bodyPr/>
           <a:lstStyle/>
           <a:p>
+            <a:r>
+              <a:rPr lang="en-US" dirty="0" smtClean="0"/>
+              <a:t>-&gt; Late talkers</a:t>
+            </a:r>
+            <a:r>
+              <a:rPr lang="en-US" baseline="0" dirty="0" smtClean="0"/>
+              <a:t> know more odd ball words</a:t>
+            </a:r>
+          </a:p>
+          <a:p>
+            <a:r>
+              <a:rPr lang="en-US" baseline="0" dirty="0" smtClean="0"/>
+              <a:t>-&gt; </a:t>
+            </a:r>
+            <a:r>
+              <a:rPr lang="en-US" baseline="0" dirty="0" err="1" smtClean="0"/>
+              <a:t>Pherpas</a:t>
+            </a:r>
+            <a:r>
+              <a:rPr lang="en-US" baseline="0" dirty="0" smtClean="0"/>
+              <a:t> LT have trouble learning new words because of the weird structure of words they already know</a:t>
+            </a:r>
             <a:endParaRPr lang="en-US" dirty="0"/>
           </a:p>
         </p:txBody>
@@ -808,7 +830,451 @@
           <a:p>
             <a:fld id="{338C3D21-22B2-4149-A9C9-4B394D406695}" type="slidenum">
               <a:rPr lang="en-US" smtClean="0"/>
+              <a:t>5</a:t>
+            </a:fld>
+            <a:endParaRPr lang="en-US"/>
+          </a:p>
+        </p:txBody>
+      </p:sp>
+    </p:spTree>
+    <p:extLst>
+      <p:ext uri="{BB962C8B-B14F-4D97-AF65-F5344CB8AC3E}">
+        <p14:creationId xmlns:p14="http://schemas.microsoft.com/office/powerpoint/2010/main" val="2102895539"/>
+      </p:ext>
+    </p:extLst>
+  </p:cSld>
+  <p:clrMapOvr>
+    <a:masterClrMapping/>
+  </p:clrMapOvr>
+</p:notes>
+</file>
+
+<file path=ppt/notesSlides/notesSlide5.xml><?xml version="1.0" encoding="utf-8"?>
+<p:notes xmlns:a="http://schemas.openxmlformats.org/drawingml/2006/main" xmlns:r="http://schemas.openxmlformats.org/officeDocument/2006/relationships" xmlns:p="http://schemas.openxmlformats.org/presentationml/2006/main">
+  <p:cSld>
+    <p:spTree>
+      <p:nvGrpSpPr>
+        <p:cNvPr id="1" name=""/>
+        <p:cNvGrpSpPr/>
+        <p:nvPr/>
+      </p:nvGrpSpPr>
+      <p:grpSpPr>
+        <a:xfrm>
+          <a:off x="0" y="0"/>
+          <a:ext cx="0" cy="0"/>
+          <a:chOff x="0" y="0"/>
+          <a:chExt cx="0" cy="0"/>
+        </a:xfrm>
+      </p:grpSpPr>
+      <p:sp>
+        <p:nvSpPr>
+          <p:cNvPr id="2" name="Slide Image Placeholder 1"/>
+          <p:cNvSpPr>
+            <a:spLocks noGrp="1" noRot="1" noChangeAspect="1"/>
+          </p:cNvSpPr>
+          <p:nvPr>
+            <p:ph type="sldImg"/>
+          </p:nvPr>
+        </p:nvSpPr>
+        <p:spPr/>
+      </p:sp>
+      <p:sp>
+        <p:nvSpPr>
+          <p:cNvPr id="3" name="Notes Placeholder 2"/>
+          <p:cNvSpPr>
+            <a:spLocks noGrp="1"/>
+          </p:cNvSpPr>
+          <p:nvPr>
+            <p:ph type="body" idx="1"/>
+          </p:nvPr>
+        </p:nvSpPr>
+        <p:spPr/>
+        <p:txBody>
+          <a:bodyPr/>
+          <a:lstStyle/>
+          <a:p>
+            <a:endParaRPr lang="en-US" dirty="0"/>
+          </a:p>
+        </p:txBody>
+      </p:sp>
+      <p:sp>
+        <p:nvSpPr>
+          <p:cNvPr id="4" name="Slide Number Placeholder 3"/>
+          <p:cNvSpPr>
+            <a:spLocks noGrp="1"/>
+          </p:cNvSpPr>
+          <p:nvPr>
+            <p:ph type="sldNum" sz="quarter" idx="10"/>
+          </p:nvPr>
+        </p:nvSpPr>
+        <p:spPr/>
+        <p:txBody>
+          <a:bodyPr/>
+          <a:lstStyle/>
+          <a:p>
+            <a:fld id="{338C3D21-22B2-4149-A9C9-4B394D406695}" type="slidenum">
+              <a:rPr lang="en-US" smtClean="0"/>
+              <a:t>6</a:t>
+            </a:fld>
+            <a:endParaRPr lang="en-US"/>
+          </a:p>
+        </p:txBody>
+      </p:sp>
+    </p:spTree>
+    <p:extLst>
+      <p:ext uri="{BB962C8B-B14F-4D97-AF65-F5344CB8AC3E}">
+        <p14:creationId xmlns:p14="http://schemas.microsoft.com/office/powerpoint/2010/main" val="1556900126"/>
+      </p:ext>
+    </p:extLst>
+  </p:cSld>
+  <p:clrMapOvr>
+    <a:masterClrMapping/>
+  </p:clrMapOvr>
+</p:notes>
+</file>
+
+<file path=ppt/notesSlides/notesSlide6.xml><?xml version="1.0" encoding="utf-8"?>
+<p:notes xmlns:a="http://schemas.openxmlformats.org/drawingml/2006/main" xmlns:r="http://schemas.openxmlformats.org/officeDocument/2006/relationships" xmlns:p="http://schemas.openxmlformats.org/presentationml/2006/main">
+  <p:cSld>
+    <p:spTree>
+      <p:nvGrpSpPr>
+        <p:cNvPr id="1" name=""/>
+        <p:cNvGrpSpPr/>
+        <p:nvPr/>
+      </p:nvGrpSpPr>
+      <p:grpSpPr>
+        <a:xfrm>
+          <a:off x="0" y="0"/>
+          <a:ext cx="0" cy="0"/>
+          <a:chOff x="0" y="0"/>
+          <a:chExt cx="0" cy="0"/>
+        </a:xfrm>
+      </p:grpSpPr>
+      <p:sp>
+        <p:nvSpPr>
+          <p:cNvPr id="2" name="Slide Image Placeholder 1"/>
+          <p:cNvSpPr>
+            <a:spLocks noGrp="1" noRot="1" noChangeAspect="1"/>
+          </p:cNvSpPr>
+          <p:nvPr>
+            <p:ph type="sldImg"/>
+          </p:nvPr>
+        </p:nvSpPr>
+        <p:spPr/>
+      </p:sp>
+      <p:sp>
+        <p:nvSpPr>
+          <p:cNvPr id="3" name="Notes Placeholder 2"/>
+          <p:cNvSpPr>
+            <a:spLocks noGrp="1"/>
+          </p:cNvSpPr>
+          <p:nvPr>
+            <p:ph type="body" idx="1"/>
+          </p:nvPr>
+        </p:nvSpPr>
+        <p:spPr/>
+        <p:txBody>
+          <a:bodyPr/>
+          <a:lstStyle/>
+          <a:p>
+            <a:endParaRPr lang="en-US" dirty="0"/>
+          </a:p>
+        </p:txBody>
+      </p:sp>
+      <p:sp>
+        <p:nvSpPr>
+          <p:cNvPr id="4" name="Slide Number Placeholder 3"/>
+          <p:cNvSpPr>
+            <a:spLocks noGrp="1"/>
+          </p:cNvSpPr>
+          <p:nvPr>
+            <p:ph type="sldNum" sz="quarter" idx="10"/>
+          </p:nvPr>
+        </p:nvSpPr>
+        <p:spPr/>
+        <p:txBody>
+          <a:bodyPr/>
+          <a:lstStyle/>
+          <a:p>
+            <a:fld id="{338C3D21-22B2-4149-A9C9-4B394D406695}" type="slidenum">
+              <a:rPr lang="en-US" smtClean="0"/>
+              <a:t>7</a:t>
+            </a:fld>
+            <a:endParaRPr lang="en-US"/>
+          </a:p>
+        </p:txBody>
+      </p:sp>
+    </p:spTree>
+    <p:extLst>
+      <p:ext uri="{BB962C8B-B14F-4D97-AF65-F5344CB8AC3E}">
+        <p14:creationId xmlns:p14="http://schemas.microsoft.com/office/powerpoint/2010/main" val="1026423327"/>
+      </p:ext>
+    </p:extLst>
+  </p:cSld>
+  <p:clrMapOvr>
+    <a:masterClrMapping/>
+  </p:clrMapOvr>
+</p:notes>
+</file>
+
+<file path=ppt/notesSlides/notesSlide7.xml><?xml version="1.0" encoding="utf-8"?>
+<p:notes xmlns:a="http://schemas.openxmlformats.org/drawingml/2006/main" xmlns:r="http://schemas.openxmlformats.org/officeDocument/2006/relationships" xmlns:p="http://schemas.openxmlformats.org/presentationml/2006/main">
+  <p:cSld>
+    <p:spTree>
+      <p:nvGrpSpPr>
+        <p:cNvPr id="1" name=""/>
+        <p:cNvGrpSpPr/>
+        <p:nvPr/>
+      </p:nvGrpSpPr>
+      <p:grpSpPr>
+        <a:xfrm>
+          <a:off x="0" y="0"/>
+          <a:ext cx="0" cy="0"/>
+          <a:chOff x="0" y="0"/>
+          <a:chExt cx="0" cy="0"/>
+        </a:xfrm>
+      </p:grpSpPr>
+      <p:sp>
+        <p:nvSpPr>
+          <p:cNvPr id="2" name="Slide Image Placeholder 1"/>
+          <p:cNvSpPr>
+            <a:spLocks noGrp="1" noRot="1" noChangeAspect="1"/>
+          </p:cNvSpPr>
+          <p:nvPr>
+            <p:ph type="sldImg"/>
+          </p:nvPr>
+        </p:nvSpPr>
+        <p:spPr/>
+      </p:sp>
+      <p:sp>
+        <p:nvSpPr>
+          <p:cNvPr id="3" name="Notes Placeholder 2"/>
+          <p:cNvSpPr>
+            <a:spLocks noGrp="1"/>
+          </p:cNvSpPr>
+          <p:nvPr>
+            <p:ph type="body" idx="1"/>
+          </p:nvPr>
+        </p:nvSpPr>
+        <p:spPr/>
+        <p:txBody>
+          <a:bodyPr/>
+          <a:lstStyle/>
+          <a:p>
+            <a:r>
+              <a:rPr lang="en-US" dirty="0" smtClean="0"/>
+              <a:t>156 children &gt;1 </a:t>
+            </a:r>
+            <a:r>
+              <a:rPr lang="en-US" dirty="0" err="1" smtClean="0"/>
+              <a:t>trancript</a:t>
+            </a:r>
+            <a:r>
+              <a:rPr lang="en-US" dirty="0" smtClean="0"/>
+              <a:t> 1</a:t>
+            </a:r>
+            <a:r>
+              <a:rPr lang="en-US" u="sng" dirty="0" smtClean="0"/>
+              <a:t>8-42</a:t>
+            </a:r>
+            <a:r>
+              <a:rPr lang="en-US" u="sng" baseline="0" dirty="0" smtClean="0"/>
+              <a:t> month age bin</a:t>
+            </a:r>
+            <a:endParaRPr lang="en-US" dirty="0"/>
+          </a:p>
+        </p:txBody>
+      </p:sp>
+      <p:sp>
+        <p:nvSpPr>
+          <p:cNvPr id="4" name="Slide Number Placeholder 3"/>
+          <p:cNvSpPr>
+            <a:spLocks noGrp="1"/>
+          </p:cNvSpPr>
+          <p:nvPr>
+            <p:ph type="sldNum" sz="quarter" idx="10"/>
+          </p:nvPr>
+        </p:nvSpPr>
+        <p:spPr/>
+        <p:txBody>
+          <a:bodyPr/>
+          <a:lstStyle/>
+          <a:p>
+            <a:fld id="{338C3D21-22B2-4149-A9C9-4B394D406695}" type="slidenum">
+              <a:rPr lang="en-US" smtClean="0"/>
+              <a:t>11</a:t>
+            </a:fld>
+            <a:endParaRPr lang="en-US"/>
+          </a:p>
+        </p:txBody>
+      </p:sp>
+    </p:spTree>
+    <p:extLst>
+      <p:ext uri="{BB962C8B-B14F-4D97-AF65-F5344CB8AC3E}">
+        <p14:creationId xmlns:p14="http://schemas.microsoft.com/office/powerpoint/2010/main" val="235381495"/>
+      </p:ext>
+    </p:extLst>
+  </p:cSld>
+  <p:clrMapOvr>
+    <a:masterClrMapping/>
+  </p:clrMapOvr>
+</p:notes>
+</file>
+
+<file path=ppt/notesSlides/notesSlide8.xml><?xml version="1.0" encoding="utf-8"?>
+<p:notes xmlns:a="http://schemas.openxmlformats.org/drawingml/2006/main" xmlns:r="http://schemas.openxmlformats.org/officeDocument/2006/relationships" xmlns:p="http://schemas.openxmlformats.org/presentationml/2006/main">
+  <p:cSld>
+    <p:spTree>
+      <p:nvGrpSpPr>
+        <p:cNvPr id="1" name=""/>
+        <p:cNvGrpSpPr/>
+        <p:nvPr/>
+      </p:nvGrpSpPr>
+      <p:grpSpPr>
+        <a:xfrm>
+          <a:off x="0" y="0"/>
+          <a:ext cx="0" cy="0"/>
+          <a:chOff x="0" y="0"/>
+          <a:chExt cx="0" cy="0"/>
+        </a:xfrm>
+      </p:grpSpPr>
+      <p:sp>
+        <p:nvSpPr>
+          <p:cNvPr id="2" name="Slide Image Placeholder 1"/>
+          <p:cNvSpPr>
+            <a:spLocks noGrp="1" noRot="1" noChangeAspect="1"/>
+          </p:cNvSpPr>
+          <p:nvPr>
+            <p:ph type="sldImg"/>
+          </p:nvPr>
+        </p:nvSpPr>
+        <p:spPr/>
+      </p:sp>
+      <p:sp>
+        <p:nvSpPr>
+          <p:cNvPr id="3" name="Notes Placeholder 2"/>
+          <p:cNvSpPr>
+            <a:spLocks noGrp="1"/>
+          </p:cNvSpPr>
+          <p:nvPr>
+            <p:ph type="body" idx="1"/>
+          </p:nvPr>
+        </p:nvSpPr>
+        <p:spPr/>
+        <p:txBody>
+          <a:bodyPr/>
+          <a:lstStyle/>
+          <a:p>
+            <a:r>
+              <a:rPr lang="en-US" dirty="0" smtClean="0"/>
+              <a:t>0 -160</a:t>
+            </a:r>
+            <a:endParaRPr lang="en-US" dirty="0"/>
+          </a:p>
+        </p:txBody>
+      </p:sp>
+      <p:sp>
+        <p:nvSpPr>
+          <p:cNvPr id="4" name="Slide Number Placeholder 3"/>
+          <p:cNvSpPr>
+            <a:spLocks noGrp="1"/>
+          </p:cNvSpPr>
+          <p:nvPr>
+            <p:ph type="sldNum" sz="quarter" idx="10"/>
+          </p:nvPr>
+        </p:nvSpPr>
+        <p:spPr/>
+        <p:txBody>
+          <a:bodyPr/>
+          <a:lstStyle/>
+          <a:p>
+            <a:fld id="{338C3D21-22B2-4149-A9C9-4B394D406695}" type="slidenum">
+              <a:rPr lang="en-US" smtClean="0"/>
               <a:t>12</a:t>
+            </a:fld>
+            <a:endParaRPr lang="en-US"/>
+          </a:p>
+        </p:txBody>
+      </p:sp>
+    </p:spTree>
+    <p:extLst>
+      <p:ext uri="{BB962C8B-B14F-4D97-AF65-F5344CB8AC3E}">
+        <p14:creationId xmlns:p14="http://schemas.microsoft.com/office/powerpoint/2010/main" val="835591909"/>
+      </p:ext>
+    </p:extLst>
+  </p:cSld>
+  <p:clrMapOvr>
+    <a:masterClrMapping/>
+  </p:clrMapOvr>
+</p:notes>
+</file>
+
+<file path=ppt/notesSlides/notesSlide9.xml><?xml version="1.0" encoding="utf-8"?>
+<p:notes xmlns:a="http://schemas.openxmlformats.org/drawingml/2006/main" xmlns:r="http://schemas.openxmlformats.org/officeDocument/2006/relationships" xmlns:p="http://schemas.openxmlformats.org/presentationml/2006/main">
+  <p:cSld>
+    <p:spTree>
+      <p:nvGrpSpPr>
+        <p:cNvPr id="1" name=""/>
+        <p:cNvGrpSpPr/>
+        <p:nvPr/>
+      </p:nvGrpSpPr>
+      <p:grpSpPr>
+        <a:xfrm>
+          <a:off x="0" y="0"/>
+          <a:ext cx="0" cy="0"/>
+          <a:chOff x="0" y="0"/>
+          <a:chExt cx="0" cy="0"/>
+        </a:xfrm>
+      </p:grpSpPr>
+      <p:sp>
+        <p:nvSpPr>
+          <p:cNvPr id="2" name="Slide Image Placeholder 1"/>
+          <p:cNvSpPr>
+            <a:spLocks noGrp="1" noRot="1" noChangeAspect="1"/>
+          </p:cNvSpPr>
+          <p:nvPr>
+            <p:ph type="sldImg"/>
+          </p:nvPr>
+        </p:nvSpPr>
+        <p:spPr/>
+      </p:sp>
+      <p:sp>
+        <p:nvSpPr>
+          <p:cNvPr id="3" name="Notes Placeholder 2"/>
+          <p:cNvSpPr>
+            <a:spLocks noGrp="1"/>
+          </p:cNvSpPr>
+          <p:nvPr>
+            <p:ph type="body" idx="1"/>
+          </p:nvPr>
+        </p:nvSpPr>
+        <p:spPr/>
+        <p:txBody>
+          <a:bodyPr/>
+          <a:lstStyle/>
+          <a:p>
+            <a:endParaRPr lang="en-US" dirty="0"/>
+          </a:p>
+        </p:txBody>
+      </p:sp>
+      <p:sp>
+        <p:nvSpPr>
+          <p:cNvPr id="4" name="Slide Number Placeholder 3"/>
+          <p:cNvSpPr>
+            <a:spLocks noGrp="1"/>
+          </p:cNvSpPr>
+          <p:nvPr>
+            <p:ph type="sldNum" sz="quarter" idx="10"/>
+          </p:nvPr>
+        </p:nvSpPr>
+        <p:spPr/>
+        <p:txBody>
+          <a:bodyPr/>
+          <a:lstStyle/>
+          <a:p>
+            <a:fld id="{338C3D21-22B2-4149-A9C9-4B394D406695}" type="slidenum">
+              <a:rPr lang="en-US" smtClean="0"/>
+              <a:t>20</a:t>
             </a:fld>
             <a:endParaRPr lang="en-US"/>
           </a:p>
@@ -3757,20 +4223,12 @@
           </a:lstStyle>
           <a:p>
             <a:r>
-              <a:rPr lang="en-US" dirty="0" err="1" smtClean="0">
-                <a:latin typeface="Avenir Book" charset="0"/>
-                <a:ea typeface="Avenir Book" charset="0"/>
-                <a:cs typeface="Avenir Book" charset="0"/>
-              </a:rPr>
-              <a:t>Do“seed</a:t>
-            </a:r>
-            <a:r>
               <a:rPr lang="en-US" dirty="0" smtClean="0">
                 <a:latin typeface="Avenir Book" charset="0"/>
                 <a:ea typeface="Avenir Book" charset="0"/>
                 <a:cs typeface="Avenir Book" charset="0"/>
               </a:rPr>
-              <a:t> words” boost vocabulary growth?</a:t>
+              <a:t>Do “seed words” boost vocabulary growth?</a:t>
             </a:r>
             <a:endParaRPr lang="en-US" dirty="0">
               <a:latin typeface="Avenir Book" charset="0"/>
@@ -4057,7 +4515,100 @@
       </p:grpSpPr>
       <p:sp>
         <p:nvSpPr>
-          <p:cNvPr id="2" name="Title 1"/>
+          <p:cNvPr id="3" name="Content Placeholder 2"/>
+          <p:cNvSpPr>
+            <a:spLocks noGrp="1"/>
+          </p:cNvSpPr>
+          <p:nvPr>
+            <p:ph idx="1"/>
+          </p:nvPr>
+        </p:nvSpPr>
+        <p:spPr>
+          <a:xfrm>
+            <a:off x="660735" y="1825625"/>
+            <a:ext cx="7886700" cy="4351338"/>
+          </a:xfrm>
+        </p:spPr>
+        <p:txBody>
+          <a:bodyPr/>
+          <a:lstStyle/>
+          <a:p>
+            <a:pPr marL="0" indent="0">
+              <a:buNone/>
+            </a:pPr>
+            <a:r>
+              <a:rPr lang="en-US" dirty="0">
+                <a:latin typeface="Avenir Book" charset="0"/>
+                <a:ea typeface="Avenir Book" charset="0"/>
+                <a:cs typeface="Avenir Book" charset="0"/>
+              </a:rPr>
+              <a:t>Goal: Identify set of words with low and high inductive potential  (non-seed vs. seed</a:t>
+            </a:r>
+            <a:r>
+              <a:rPr lang="en-US" dirty="0" smtClean="0">
+                <a:latin typeface="Avenir Book" charset="0"/>
+                <a:ea typeface="Avenir Book" charset="0"/>
+                <a:cs typeface="Avenir Book" charset="0"/>
+              </a:rPr>
+              <a:t>)</a:t>
+            </a:r>
+          </a:p>
+          <a:p>
+            <a:pPr marL="0" indent="0">
+              <a:buNone/>
+            </a:pPr>
+            <a:endParaRPr lang="en-US" dirty="0" smtClean="0">
+              <a:latin typeface="Avenir Book" charset="0"/>
+              <a:ea typeface="Avenir Book" charset="0"/>
+              <a:cs typeface="Avenir Book" charset="0"/>
+            </a:endParaRPr>
+          </a:p>
+          <a:p>
+            <a:pPr marL="0" indent="0">
+              <a:buNone/>
+            </a:pPr>
+            <a:r>
+              <a:rPr lang="en-US" dirty="0" smtClean="0">
+                <a:latin typeface="Avenir Book" charset="0"/>
+                <a:ea typeface="Avenir Book" charset="0"/>
+                <a:cs typeface="Avenir Book" charset="0"/>
+              </a:rPr>
+              <a:t>Ultimate goal is to then use these words to test a causal hypothesis </a:t>
+            </a:r>
+          </a:p>
+          <a:p>
+            <a:pPr marL="0" indent="0">
+              <a:buNone/>
+            </a:pPr>
+            <a:endParaRPr lang="en-US" dirty="0">
+              <a:latin typeface="Avenir Book" charset="0"/>
+              <a:ea typeface="Avenir Book" charset="0"/>
+              <a:cs typeface="Avenir Book" charset="0"/>
+            </a:endParaRPr>
+          </a:p>
+          <a:p>
+            <a:pPr marL="0" indent="0">
+              <a:buNone/>
+            </a:pPr>
+            <a:r>
+              <a:rPr lang="en-US" dirty="0" smtClean="0">
+                <a:latin typeface="Avenir Book" charset="0"/>
+                <a:ea typeface="Avenir Book" charset="0"/>
+                <a:cs typeface="Avenir Book" charset="0"/>
+              </a:rPr>
+              <a:t>Teach kids words, and ask whether kids who learn seed words know more words at t2, relative to t1</a:t>
+            </a:r>
+            <a:endParaRPr lang="en-US" dirty="0">
+              <a:latin typeface="Avenir Book" charset="0"/>
+              <a:ea typeface="Avenir Book" charset="0"/>
+              <a:cs typeface="Avenir Book" charset="0"/>
+            </a:endParaRPr>
+          </a:p>
+        </p:txBody>
+      </p:sp>
+      <p:sp>
+        <p:nvSpPr>
+          <p:cNvPr id="6" name="Title 1"/>
           <p:cNvSpPr>
             <a:spLocks noGrp="1"/>
           </p:cNvSpPr>
@@ -4065,57 +4616,38 @@
             <p:ph type="title"/>
           </p:nvPr>
         </p:nvSpPr>
-        <p:spPr/>
-        <p:txBody>
-          <a:bodyPr/>
-          <a:lstStyle/>
-          <a:p>
-            <a:r>
-              <a:rPr lang="en-US" dirty="0" smtClean="0"/>
-              <a:t>Method</a:t>
-            </a:r>
-            <a:endParaRPr lang="en-US" dirty="0"/>
-          </a:p>
-        </p:txBody>
-      </p:sp>
-      <p:sp>
-        <p:nvSpPr>
-          <p:cNvPr id="3" name="Content Placeholder 2"/>
-          <p:cNvSpPr>
-            <a:spLocks noGrp="1"/>
-          </p:cNvSpPr>
-          <p:nvPr>
-            <p:ph idx="1"/>
-          </p:nvPr>
-        </p:nvSpPr>
-        <p:spPr/>
-        <p:txBody>
-          <a:bodyPr/>
-          <a:lstStyle/>
-          <a:p>
-            <a:r>
-              <a:rPr lang="en-US" dirty="0" smtClean="0"/>
-              <a:t>Longitudinal data from </a:t>
-            </a:r>
-            <a:r>
-              <a:rPr lang="en-US" dirty="0" err="1" smtClean="0"/>
-              <a:t>Chidles</a:t>
-            </a:r>
-            <a:r>
-              <a:rPr lang="en-US" dirty="0"/>
-              <a:t/>
-            </a:r>
-            <a:br>
-              <a:rPr lang="en-US" dirty="0"/>
-            </a:br>
-            <a:endParaRPr lang="en-US" dirty="0"/>
+        <p:spPr>
+          <a:xfrm>
+            <a:off x="660735" y="268874"/>
+            <a:ext cx="7886700" cy="1325563"/>
+          </a:xfrm>
+        </p:spPr>
+        <p:txBody>
+          <a:bodyPr>
+            <a:noAutofit/>
+          </a:bodyPr>
+          <a:lstStyle/>
+          <a:p>
+            <a:r>
+              <a:rPr lang="en-US" sz="3200" b="1" dirty="0" smtClean="0">
+                <a:latin typeface="Avenir Book" charset="0"/>
+                <a:ea typeface="Avenir Book" charset="0"/>
+                <a:cs typeface="Avenir Book" charset="0"/>
+              </a:rPr>
+              <a:t>The current project</a:t>
+            </a:r>
+            <a:endParaRPr lang="en-US" sz="3200" b="1" dirty="0">
+              <a:latin typeface="Avenir Book" charset="0"/>
+              <a:ea typeface="Avenir Book" charset="0"/>
+              <a:cs typeface="Avenir Book" charset="0"/>
+            </a:endParaRPr>
           </a:p>
         </p:txBody>
       </p:sp>
     </p:spTree>
     <p:extLst>
       <p:ext uri="{BB962C8B-B14F-4D97-AF65-F5344CB8AC3E}">
-        <p14:creationId xmlns:p14="http://schemas.microsoft.com/office/powerpoint/2010/main" val="1798240752"/>
+        <p14:creationId xmlns:p14="http://schemas.microsoft.com/office/powerpoint/2010/main" val="1934445661"/>
       </p:ext>
     </p:extLst>
   </p:cSld>
@@ -4159,56 +4691,149 @@
             <p:ph type="title"/>
           </p:nvPr>
         </p:nvSpPr>
-        <p:spPr/>
-        <p:txBody>
-          <a:bodyPr/>
+        <p:spPr>
+          <a:xfrm>
+            <a:off x="522871" y="10731"/>
+            <a:ext cx="8868277" cy="1325563"/>
+          </a:xfrm>
+        </p:spPr>
+        <p:txBody>
+          <a:bodyPr>
+            <a:noAutofit/>
+          </a:bodyPr>
+          <a:lstStyle/>
+          <a:p>
+            <a:r>
+              <a:rPr lang="en-US" sz="3200" dirty="0">
+                <a:latin typeface="Avenir Book" charset="0"/>
+                <a:ea typeface="Avenir Book" charset="0"/>
+                <a:cs typeface="Avenir Book" charset="0"/>
+              </a:rPr>
+              <a:t/>
+            </a:r>
+            <a:br>
+              <a:rPr lang="en-US" sz="3200" dirty="0">
+                <a:latin typeface="Avenir Book" charset="0"/>
+                <a:ea typeface="Avenir Book" charset="0"/>
+                <a:cs typeface="Avenir Book" charset="0"/>
+              </a:rPr>
+            </a:br>
+            <a:r>
+              <a:rPr lang="en-US" sz="3200" dirty="0">
+                <a:latin typeface="Avenir Book" charset="0"/>
+                <a:ea typeface="Avenir Book" charset="0"/>
+                <a:cs typeface="Avenir Book" charset="0"/>
+              </a:rPr>
+              <a:t>Method: </a:t>
+            </a:r>
+            <a:r>
+              <a:rPr lang="en-US" sz="3200" dirty="0" smtClean="0">
+                <a:latin typeface="Avenir Book" charset="0"/>
+                <a:ea typeface="Avenir Book" charset="0"/>
+                <a:cs typeface="Avenir Book" charset="0"/>
+              </a:rPr>
+              <a:t>Longitudinal </a:t>
+            </a:r>
+            <a:r>
+              <a:rPr lang="en-US" sz="3200" dirty="0">
+                <a:latin typeface="Avenir Book" charset="0"/>
+                <a:ea typeface="Avenir Book" charset="0"/>
+                <a:cs typeface="Avenir Book" charset="0"/>
+              </a:rPr>
+              <a:t>data from CHILDES</a:t>
+            </a:r>
+            <a:br>
+              <a:rPr lang="en-US" sz="3200" dirty="0">
+                <a:latin typeface="Avenir Book" charset="0"/>
+                <a:ea typeface="Avenir Book" charset="0"/>
+                <a:cs typeface="Avenir Book" charset="0"/>
+              </a:rPr>
+            </a:br>
+            <a:endParaRPr lang="en-US" sz="3200" dirty="0">
+              <a:latin typeface="Avenir Book" charset="0"/>
+              <a:ea typeface="Avenir Book" charset="0"/>
+              <a:cs typeface="Avenir Book" charset="0"/>
+            </a:endParaRPr>
+          </a:p>
+        </p:txBody>
+      </p:sp>
+      <p:pic>
+        <p:nvPicPr>
+          <p:cNvPr id="4" name="Picture 3"/>
+          <p:cNvPicPr>
+            <a:picLocks noChangeAspect="1"/>
+          </p:cNvPicPr>
+          <p:nvPr/>
+        </p:nvPicPr>
+        <p:blipFill>
+          <a:blip r:embed="rId3">
+            <a:extLst>
+              <a:ext uri="{28A0092B-C50C-407E-A947-70E740481C1C}">
+                <a14:useLocalDpi xmlns:a14="http://schemas.microsoft.com/office/drawing/2010/main" val="0"/>
+              </a:ext>
+            </a:extLst>
+          </a:blip>
+          <a:stretch>
+            <a:fillRect/>
+          </a:stretch>
+        </p:blipFill>
+        <p:spPr>
+          <a:xfrm>
+            <a:off x="358440" y="1336294"/>
+            <a:ext cx="7945855" cy="5264537"/>
+          </a:xfrm>
+          <a:prstGeom prst="rect">
+            <a:avLst/>
+          </a:prstGeom>
+        </p:spPr>
+      </p:pic>
+      <p:sp>
+        <p:nvSpPr>
+          <p:cNvPr id="6" name="TextBox 5"/>
+          <p:cNvSpPr txBox="1"/>
+          <p:nvPr/>
+        </p:nvSpPr>
+        <p:spPr>
+          <a:xfrm>
+            <a:off x="8083717" y="6368174"/>
+            <a:ext cx="906017" cy="369332"/>
+          </a:xfrm>
+          <a:prstGeom prst="rect">
+            <a:avLst/>
+          </a:prstGeom>
+          <a:noFill/>
+        </p:spPr>
+        <p:txBody>
+          <a:bodyPr wrap="none" rtlCol="0">
+            <a:spAutoFit/>
+          </a:bodyPr>
           <a:lstStyle/>
           <a:p>
             <a:r>
               <a:rPr lang="en-US" dirty="0" smtClean="0"/>
-              <a:t>Here’s the </a:t>
-            </a:r>
-            <a:r>
-              <a:rPr lang="en-US" dirty="0" err="1" smtClean="0"/>
-              <a:t>lognitidunal</a:t>
-            </a:r>
-            <a:r>
-              <a:rPr lang="en-US" dirty="0" smtClean="0"/>
-              <a:t> data look like</a:t>
+              <a:t>N = 156</a:t>
             </a:r>
             <a:endParaRPr lang="en-US" dirty="0"/>
-          </a:p>
-        </p:txBody>
-      </p:sp>
-      <p:sp>
-        <p:nvSpPr>
-          <p:cNvPr id="3" name="Content Placeholder 2"/>
-          <p:cNvSpPr>
-            <a:spLocks noGrp="1"/>
-          </p:cNvSpPr>
-          <p:nvPr>
-            <p:ph idx="1"/>
-          </p:nvPr>
-        </p:nvSpPr>
-        <p:spPr/>
-        <p:txBody>
-          <a:bodyPr/>
-          <a:lstStyle/>
-          <a:p>
-            <a:endParaRPr lang="en-US"/>
           </a:p>
         </p:txBody>
       </p:sp>
     </p:spTree>
     <p:extLst>
       <p:ext uri="{BB962C8B-B14F-4D97-AF65-F5344CB8AC3E}">
-        <p14:creationId xmlns:p14="http://schemas.microsoft.com/office/powerpoint/2010/main" val="953974572"/>
+        <p14:creationId xmlns:p14="http://schemas.microsoft.com/office/powerpoint/2010/main" val="1798240752"/>
       </p:ext>
     </p:extLst>
   </p:cSld>
   <p:clrMapOvr>
     <a:masterClrMapping/>
   </p:clrMapOvr>
+  <p:timing>
+    <p:tnLst>
+      <p:par>
+        <p:cTn id="1" dur="indefinite" restart="never" nodeType="tmRoot"/>
+      </p:par>
+    </p:tnLst>
+  </p:timing>
 </p:sld>
 </file>
 
@@ -4229,48 +4854,61 @@
           <a:chExt cx="0" cy="0"/>
         </a:xfrm>
       </p:grpSpPr>
-      <p:sp>
-        <p:nvSpPr>
-          <p:cNvPr id="2" name="Title 1"/>
-          <p:cNvSpPr>
-            <a:spLocks noGrp="1"/>
-          </p:cNvSpPr>
-          <p:nvPr>
-            <p:ph type="title"/>
-          </p:nvPr>
-        </p:nvSpPr>
-        <p:spPr/>
-        <p:txBody>
-          <a:bodyPr/>
-          <a:lstStyle/>
-          <a:p>
-            <a:r>
-              <a:rPr lang="en-US" dirty="0" err="1" smtClean="0"/>
-              <a:t>Meausre</a:t>
-            </a:r>
-            <a:r>
-              <a:rPr lang="en-US" dirty="0" smtClean="0"/>
-              <a:t> of vocab - </a:t>
-            </a:r>
-            <a:endParaRPr lang="en-US" dirty="0"/>
-          </a:p>
-        </p:txBody>
-      </p:sp>
-      <p:sp>
-        <p:nvSpPr>
-          <p:cNvPr id="3" name="Content Placeholder 2"/>
-          <p:cNvSpPr>
-            <a:spLocks noGrp="1"/>
-          </p:cNvSpPr>
+      <p:pic>
+        <p:nvPicPr>
+          <p:cNvPr id="4" name="Content Placeholder 3"/>
+          <p:cNvPicPr>
+            <a:picLocks noGrp="1" noChangeAspect="1"/>
+          </p:cNvPicPr>
           <p:nvPr>
             <p:ph idx="1"/>
           </p:nvPr>
-        </p:nvSpPr>
-        <p:spPr/>
-        <p:txBody>
-          <a:bodyPr/>
-          <a:lstStyle/>
-          <a:p>
+        </p:nvPicPr>
+        <p:blipFill>
+          <a:blip r:embed="rId3">
+            <a:extLst>
+              <a:ext uri="{28A0092B-C50C-407E-A947-70E740481C1C}">
+                <a14:useLocalDpi xmlns:a14="http://schemas.microsoft.com/office/drawing/2010/main" val="0"/>
+              </a:ext>
+            </a:extLst>
+          </a:blip>
+          <a:stretch>
+            <a:fillRect/>
+          </a:stretch>
+        </p:blipFill>
+        <p:spPr>
+          <a:xfrm>
+            <a:off x="507221" y="850232"/>
+            <a:ext cx="8177573" cy="5653631"/>
+          </a:xfrm>
+        </p:spPr>
+      </p:pic>
+      <p:sp>
+        <p:nvSpPr>
+          <p:cNvPr id="5" name="TextBox 4"/>
+          <p:cNvSpPr txBox="1"/>
+          <p:nvPr/>
+        </p:nvSpPr>
+        <p:spPr>
+          <a:xfrm>
+            <a:off x="8005011" y="6319197"/>
+            <a:ext cx="906017" cy="369332"/>
+          </a:xfrm>
+          <a:prstGeom prst="rect">
+            <a:avLst/>
+          </a:prstGeom>
+          <a:noFill/>
+        </p:spPr>
+        <p:txBody>
+          <a:bodyPr wrap="none" rtlCol="0">
+            <a:spAutoFit/>
+          </a:bodyPr>
+          <a:lstStyle/>
+          <a:p>
+            <a:r>
+              <a:rPr lang="en-US" smtClean="0"/>
+              <a:t>N = 107</a:t>
+            </a:r>
             <a:endParaRPr lang="en-US"/>
           </a:p>
         </p:txBody>
@@ -4278,7 +4916,1232 @@
     </p:spTree>
     <p:extLst>
       <p:ext uri="{BB962C8B-B14F-4D97-AF65-F5344CB8AC3E}">
-        <p14:creationId xmlns:p14="http://schemas.microsoft.com/office/powerpoint/2010/main" val="1137006730"/>
+        <p14:creationId xmlns:p14="http://schemas.microsoft.com/office/powerpoint/2010/main" val="1242022786"/>
+      </p:ext>
+    </p:extLst>
+  </p:cSld>
+  <p:clrMapOvr>
+    <a:masterClrMapping/>
+  </p:clrMapOvr>
+</p:sld>
+</file>
+
+<file path=ppt/slides/slide13.xml><?xml version="1.0" encoding="utf-8"?>
+<p:sld xmlns:a="http://schemas.openxmlformats.org/drawingml/2006/main" xmlns:r="http://schemas.openxmlformats.org/officeDocument/2006/relationships" xmlns:p="http://schemas.openxmlformats.org/presentationml/2006/main">
+  <p:cSld>
+    <p:spTree>
+      <p:nvGrpSpPr>
+        <p:cNvPr id="1" name=""/>
+        <p:cNvGrpSpPr/>
+        <p:nvPr/>
+      </p:nvGrpSpPr>
+      <p:grpSpPr>
+        <a:xfrm>
+          <a:off x="0" y="0"/>
+          <a:ext cx="0" cy="0"/>
+          <a:chOff x="0" y="0"/>
+          <a:chExt cx="0" cy="0"/>
+        </a:xfrm>
+      </p:grpSpPr>
+      <p:sp>
+        <p:nvSpPr>
+          <p:cNvPr id="2" name="Title 1"/>
+          <p:cNvSpPr>
+            <a:spLocks noGrp="1"/>
+          </p:cNvSpPr>
+          <p:nvPr>
+            <p:ph type="title"/>
+          </p:nvPr>
+        </p:nvSpPr>
+        <p:spPr/>
+        <p:txBody>
+          <a:bodyPr/>
+          <a:lstStyle/>
+          <a:p>
+            <a:r>
+              <a:rPr lang="en-US" dirty="0" smtClean="0">
+                <a:latin typeface="Avenir Book" charset="0"/>
+                <a:ea typeface="Avenir Book" charset="0"/>
+                <a:cs typeface="Avenir Book" charset="0"/>
+              </a:rPr>
+              <a:t>Method</a:t>
+            </a:r>
+            <a:endParaRPr lang="en-US" dirty="0">
+              <a:latin typeface="Avenir Book" charset="0"/>
+              <a:ea typeface="Avenir Book" charset="0"/>
+              <a:cs typeface="Avenir Book" charset="0"/>
+            </a:endParaRPr>
+          </a:p>
+        </p:txBody>
+      </p:sp>
+      <p:sp>
+        <p:nvSpPr>
+          <p:cNvPr id="3" name="Content Placeholder 2"/>
+          <p:cNvSpPr>
+            <a:spLocks noGrp="1"/>
+          </p:cNvSpPr>
+          <p:nvPr>
+            <p:ph idx="1"/>
+          </p:nvPr>
+        </p:nvSpPr>
+        <p:spPr/>
+        <p:txBody>
+          <a:bodyPr/>
+          <a:lstStyle/>
+          <a:p>
+            <a:r>
+              <a:rPr lang="en-US" dirty="0" smtClean="0">
+                <a:latin typeface="Avenir Book" charset="0"/>
+                <a:ea typeface="Avenir Book" charset="0"/>
+                <a:cs typeface="Avenir Book" charset="0"/>
+              </a:rPr>
+              <a:t>For each time point, aggregate all transcript to create a single “corpus”</a:t>
+            </a:r>
+          </a:p>
+          <a:p>
+            <a:r>
+              <a:rPr lang="en-US" dirty="0" smtClean="0">
+                <a:latin typeface="Avenir Book" charset="0"/>
+                <a:ea typeface="Avenir Book" charset="0"/>
+                <a:cs typeface="Avenir Book" charset="0"/>
+              </a:rPr>
+              <a:t>Define vocabulary at each time point </a:t>
+            </a:r>
+          </a:p>
+          <a:p>
+            <a:r>
+              <a:rPr lang="en-US" dirty="0" smtClean="0">
+                <a:latin typeface="Avenir Book" charset="0"/>
+                <a:ea typeface="Avenir Book" charset="0"/>
+                <a:cs typeface="Avenir Book" charset="0"/>
+              </a:rPr>
+              <a:t>Kid knows word if they produce it at least N times (= 5)</a:t>
+            </a:r>
+          </a:p>
+          <a:p>
+            <a:r>
+              <a:rPr lang="en-US" dirty="0" smtClean="0">
+                <a:latin typeface="Avenir Book" charset="0"/>
+                <a:ea typeface="Avenir Book" charset="0"/>
+                <a:cs typeface="Avenir Book" charset="0"/>
+              </a:rPr>
+              <a:t>Problem: Vocabulary size correlated with transcript length</a:t>
+            </a:r>
+          </a:p>
+          <a:p>
+            <a:r>
+              <a:rPr lang="en-US" dirty="0" smtClean="0">
+                <a:latin typeface="Avenir Book" charset="0"/>
+                <a:ea typeface="Avenir Book" charset="0"/>
+                <a:cs typeface="Avenir Book" charset="0"/>
+              </a:rPr>
+              <a:t>Measure vocabulary size by residualizing out transcript length</a:t>
+            </a:r>
+            <a:endParaRPr lang="en-US" dirty="0">
+              <a:latin typeface="Avenir Book" charset="0"/>
+              <a:ea typeface="Avenir Book" charset="0"/>
+              <a:cs typeface="Avenir Book" charset="0"/>
+            </a:endParaRPr>
+          </a:p>
+        </p:txBody>
+      </p:sp>
+    </p:spTree>
+    <p:extLst>
+      <p:ext uri="{BB962C8B-B14F-4D97-AF65-F5344CB8AC3E}">
+        <p14:creationId xmlns:p14="http://schemas.microsoft.com/office/powerpoint/2010/main" val="588284974"/>
+      </p:ext>
+    </p:extLst>
+  </p:cSld>
+  <p:clrMapOvr>
+    <a:masterClrMapping/>
+  </p:clrMapOvr>
+</p:sld>
+</file>
+
+<file path=ppt/slides/slide14.xml><?xml version="1.0" encoding="utf-8"?>
+<p:sld xmlns:a="http://schemas.openxmlformats.org/drawingml/2006/main" xmlns:r="http://schemas.openxmlformats.org/officeDocument/2006/relationships" xmlns:p="http://schemas.openxmlformats.org/presentationml/2006/main">
+  <p:cSld>
+    <p:spTree>
+      <p:nvGrpSpPr>
+        <p:cNvPr id="1" name=""/>
+        <p:cNvGrpSpPr/>
+        <p:nvPr/>
+      </p:nvGrpSpPr>
+      <p:grpSpPr>
+        <a:xfrm>
+          <a:off x="0" y="0"/>
+          <a:ext cx="0" cy="0"/>
+          <a:chOff x="0" y="0"/>
+          <a:chExt cx="0" cy="0"/>
+        </a:xfrm>
+      </p:grpSpPr>
+      <p:pic>
+        <p:nvPicPr>
+          <p:cNvPr id="4" name="Picture 3"/>
+          <p:cNvPicPr>
+            <a:picLocks noChangeAspect="1"/>
+          </p:cNvPicPr>
+          <p:nvPr/>
+        </p:nvPicPr>
+        <p:blipFill>
+          <a:blip r:embed="rId2">
+            <a:extLst>
+              <a:ext uri="{28A0092B-C50C-407E-A947-70E740481C1C}">
+                <a14:useLocalDpi xmlns:a14="http://schemas.microsoft.com/office/drawing/2010/main" val="0"/>
+              </a:ext>
+            </a:extLst>
+          </a:blip>
+          <a:stretch>
+            <a:fillRect/>
+          </a:stretch>
+        </p:blipFill>
+        <p:spPr>
+          <a:xfrm>
+            <a:off x="264027" y="788737"/>
+            <a:ext cx="8712200" cy="5537200"/>
+          </a:xfrm>
+          <a:prstGeom prst="rect">
+            <a:avLst/>
+          </a:prstGeom>
+        </p:spPr>
+      </p:pic>
+    </p:spTree>
+    <p:extLst>
+      <p:ext uri="{BB962C8B-B14F-4D97-AF65-F5344CB8AC3E}">
+        <p14:creationId xmlns:p14="http://schemas.microsoft.com/office/powerpoint/2010/main" val="1669783559"/>
+      </p:ext>
+    </p:extLst>
+  </p:cSld>
+  <p:clrMapOvr>
+    <a:masterClrMapping/>
+  </p:clrMapOvr>
+</p:sld>
+</file>
+
+<file path=ppt/slides/slide15.xml><?xml version="1.0" encoding="utf-8"?>
+<p:sld xmlns:a="http://schemas.openxmlformats.org/drawingml/2006/main" xmlns:r="http://schemas.openxmlformats.org/officeDocument/2006/relationships" xmlns:p="http://schemas.openxmlformats.org/presentationml/2006/main">
+  <p:cSld>
+    <p:spTree>
+      <p:nvGrpSpPr>
+        <p:cNvPr id="1" name=""/>
+        <p:cNvGrpSpPr/>
+        <p:nvPr/>
+      </p:nvGrpSpPr>
+      <p:grpSpPr>
+        <a:xfrm>
+          <a:off x="0" y="0"/>
+          <a:ext cx="0" cy="0"/>
+          <a:chOff x="0" y="0"/>
+          <a:chExt cx="0" cy="0"/>
+        </a:xfrm>
+      </p:grpSpPr>
+      <p:pic>
+        <p:nvPicPr>
+          <p:cNvPr id="4" name="Picture 3"/>
+          <p:cNvPicPr>
+            <a:picLocks noChangeAspect="1"/>
+          </p:cNvPicPr>
+          <p:nvPr/>
+        </p:nvPicPr>
+        <p:blipFill>
+          <a:blip r:embed="rId2">
+            <a:extLst>
+              <a:ext uri="{28A0092B-C50C-407E-A947-70E740481C1C}">
+                <a14:useLocalDpi xmlns:a14="http://schemas.microsoft.com/office/drawing/2010/main" val="0"/>
+              </a:ext>
+            </a:extLst>
+          </a:blip>
+          <a:stretch>
+            <a:fillRect/>
+          </a:stretch>
+        </p:blipFill>
+        <p:spPr>
+          <a:xfrm>
+            <a:off x="491290" y="921752"/>
+            <a:ext cx="8001000" cy="5207000"/>
+          </a:xfrm>
+          <a:prstGeom prst="rect">
+            <a:avLst/>
+          </a:prstGeom>
+        </p:spPr>
+      </p:pic>
+    </p:spTree>
+    <p:extLst>
+      <p:ext uri="{BB962C8B-B14F-4D97-AF65-F5344CB8AC3E}">
+        <p14:creationId xmlns:p14="http://schemas.microsoft.com/office/powerpoint/2010/main" val="1728058339"/>
+      </p:ext>
+    </p:extLst>
+  </p:cSld>
+  <p:clrMapOvr>
+    <a:masterClrMapping/>
+  </p:clrMapOvr>
+</p:sld>
+</file>
+
+<file path=ppt/slides/slide16.xml><?xml version="1.0" encoding="utf-8"?>
+<p:sld xmlns:a="http://schemas.openxmlformats.org/drawingml/2006/main" xmlns:r="http://schemas.openxmlformats.org/officeDocument/2006/relationships" xmlns:p="http://schemas.openxmlformats.org/presentationml/2006/main">
+  <p:cSld>
+    <p:spTree>
+      <p:nvGrpSpPr>
+        <p:cNvPr id="1" name=""/>
+        <p:cNvGrpSpPr/>
+        <p:nvPr/>
+      </p:nvGrpSpPr>
+      <p:grpSpPr>
+        <a:xfrm>
+          <a:off x="0" y="0"/>
+          <a:ext cx="0" cy="0"/>
+          <a:chOff x="0" y="0"/>
+          <a:chExt cx="0" cy="0"/>
+        </a:xfrm>
+      </p:grpSpPr>
+      <p:sp>
+        <p:nvSpPr>
+          <p:cNvPr id="2" name="Title 1"/>
+          <p:cNvSpPr>
+            <a:spLocks noGrp="1"/>
+          </p:cNvSpPr>
+          <p:nvPr>
+            <p:ph type="title"/>
+          </p:nvPr>
+        </p:nvSpPr>
+        <p:spPr/>
+        <p:txBody>
+          <a:bodyPr/>
+          <a:lstStyle/>
+          <a:p>
+            <a:r>
+              <a:rPr lang="en-US" dirty="0" err="1" smtClean="0">
+                <a:latin typeface="Avenir Book" charset="0"/>
+                <a:ea typeface="Avenir Book" charset="0"/>
+                <a:cs typeface="Avenir Book" charset="0"/>
+              </a:rPr>
+              <a:t>Kernal</a:t>
+            </a:r>
+            <a:r>
+              <a:rPr lang="en-US" dirty="0" smtClean="0">
+                <a:latin typeface="Avenir Book" charset="0"/>
+                <a:ea typeface="Avenir Book" charset="0"/>
+                <a:cs typeface="Avenir Book" charset="0"/>
+              </a:rPr>
+              <a:t> word in vocabulary</a:t>
+            </a:r>
+            <a:endParaRPr lang="en-US" dirty="0">
+              <a:latin typeface="Avenir Book" charset="0"/>
+              <a:ea typeface="Avenir Book" charset="0"/>
+              <a:cs typeface="Avenir Book" charset="0"/>
+            </a:endParaRPr>
+          </a:p>
+        </p:txBody>
+      </p:sp>
+      <p:sp>
+        <p:nvSpPr>
+          <p:cNvPr id="3" name="Content Placeholder 2"/>
+          <p:cNvSpPr>
+            <a:spLocks noGrp="1"/>
+          </p:cNvSpPr>
+          <p:nvPr>
+            <p:ph idx="1"/>
+          </p:nvPr>
+        </p:nvSpPr>
+        <p:spPr>
+          <a:xfrm>
+            <a:off x="628650" y="1690689"/>
+            <a:ext cx="7886700" cy="4351338"/>
+          </a:xfrm>
+        </p:spPr>
+        <p:txBody>
+          <a:bodyPr/>
+          <a:lstStyle/>
+          <a:p>
+            <a:pPr marL="0" indent="0">
+              <a:buNone/>
+            </a:pPr>
+            <a:r>
+              <a:rPr lang="en-US" dirty="0" smtClean="0">
+                <a:latin typeface="Avenir Book" charset="0"/>
+                <a:ea typeface="Avenir Book" charset="0"/>
+                <a:cs typeface="Avenir Book" charset="0"/>
+              </a:rPr>
+              <a:t>Using dictionaries intended for non-speaker of English, 1255 word in </a:t>
+            </a:r>
+            <a:r>
+              <a:rPr lang="en-US" dirty="0" err="1" smtClean="0">
+                <a:latin typeface="Avenir Book" charset="0"/>
+                <a:ea typeface="Avenir Book" charset="0"/>
+                <a:cs typeface="Avenir Book" charset="0"/>
+              </a:rPr>
+              <a:t>Kernal</a:t>
+            </a:r>
+            <a:endParaRPr lang="en-US" dirty="0">
+              <a:latin typeface="Avenir Book" charset="0"/>
+              <a:ea typeface="Avenir Book" charset="0"/>
+              <a:cs typeface="Avenir Book" charset="0"/>
+            </a:endParaRPr>
+          </a:p>
+        </p:txBody>
+      </p:sp>
+      <p:pic>
+        <p:nvPicPr>
+          <p:cNvPr id="5" name="Picture 4"/>
+          <p:cNvPicPr>
+            <a:picLocks noChangeAspect="1"/>
+          </p:cNvPicPr>
+          <p:nvPr/>
+        </p:nvPicPr>
+        <p:blipFill>
+          <a:blip r:embed="rId2">
+            <a:extLst>
+              <a:ext uri="{28A0092B-C50C-407E-A947-70E740481C1C}">
+                <a14:useLocalDpi xmlns:a14="http://schemas.microsoft.com/office/drawing/2010/main" val="0"/>
+              </a:ext>
+            </a:extLst>
+          </a:blip>
+          <a:stretch>
+            <a:fillRect/>
+          </a:stretch>
+        </p:blipFill>
+        <p:spPr>
+          <a:xfrm>
+            <a:off x="844218" y="3016252"/>
+            <a:ext cx="6166184" cy="3836736"/>
+          </a:xfrm>
+          <a:prstGeom prst="rect">
+            <a:avLst/>
+          </a:prstGeom>
+        </p:spPr>
+      </p:pic>
+    </p:spTree>
+    <p:extLst>
+      <p:ext uri="{BB962C8B-B14F-4D97-AF65-F5344CB8AC3E}">
+        <p14:creationId xmlns:p14="http://schemas.microsoft.com/office/powerpoint/2010/main" val="764701321"/>
+      </p:ext>
+    </p:extLst>
+  </p:cSld>
+  <p:clrMapOvr>
+    <a:masterClrMapping/>
+  </p:clrMapOvr>
+</p:sld>
+</file>
+
+<file path=ppt/slides/slide17.xml><?xml version="1.0" encoding="utf-8"?>
+<p:sld xmlns:a="http://schemas.openxmlformats.org/drawingml/2006/main" xmlns:r="http://schemas.openxmlformats.org/officeDocument/2006/relationships" xmlns:p="http://schemas.openxmlformats.org/presentationml/2006/main">
+  <p:cSld>
+    <p:spTree>
+      <p:nvGrpSpPr>
+        <p:cNvPr id="1" name=""/>
+        <p:cNvGrpSpPr/>
+        <p:nvPr/>
+      </p:nvGrpSpPr>
+      <p:grpSpPr>
+        <a:xfrm>
+          <a:off x="0" y="0"/>
+          <a:ext cx="0" cy="0"/>
+          <a:chOff x="0" y="0"/>
+          <a:chExt cx="0" cy="0"/>
+        </a:xfrm>
+      </p:grpSpPr>
+      <p:sp>
+        <p:nvSpPr>
+          <p:cNvPr id="2" name="Title 1"/>
+          <p:cNvSpPr>
+            <a:spLocks noGrp="1"/>
+          </p:cNvSpPr>
+          <p:nvPr>
+            <p:ph type="title"/>
+          </p:nvPr>
+        </p:nvSpPr>
+        <p:spPr>
+          <a:xfrm>
+            <a:off x="400108" y="445336"/>
+            <a:ext cx="7886700" cy="1325563"/>
+          </a:xfrm>
+        </p:spPr>
+        <p:txBody>
+          <a:bodyPr>
+            <a:normAutofit/>
+          </a:bodyPr>
+          <a:lstStyle/>
+          <a:p>
+            <a:r>
+              <a:rPr lang="en-US" sz="4000" dirty="0" smtClean="0">
+                <a:latin typeface="Avenir Book" charset="0"/>
+                <a:ea typeface="Avenir Book" charset="0"/>
+                <a:cs typeface="Avenir Book" charset="0"/>
+              </a:rPr>
+              <a:t>Does </a:t>
+            </a:r>
+            <a:r>
+              <a:rPr lang="en-US" sz="4000" dirty="0" err="1" smtClean="0">
+                <a:latin typeface="Avenir Book" charset="0"/>
+                <a:ea typeface="Avenir Book" charset="0"/>
+                <a:cs typeface="Avenir Book" charset="0"/>
+              </a:rPr>
+              <a:t>Kernal</a:t>
+            </a:r>
+            <a:r>
+              <a:rPr lang="en-US" sz="4000" dirty="0" smtClean="0">
+                <a:latin typeface="Avenir Book" charset="0"/>
+                <a:ea typeface="Avenir Book" charset="0"/>
+                <a:cs typeface="Avenir Book" charset="0"/>
+              </a:rPr>
+              <a:t> vocab size at </a:t>
+            </a:r>
+            <a:r>
+              <a:rPr lang="en-US" sz="4000" i="1" dirty="0" smtClean="0">
+                <a:latin typeface="Avenir Book" charset="0"/>
+                <a:ea typeface="Avenir Book" charset="0"/>
+                <a:cs typeface="Avenir Book" charset="0"/>
+              </a:rPr>
+              <a:t>t</a:t>
+            </a:r>
+            <a:r>
+              <a:rPr lang="en-US" sz="4000" dirty="0" smtClean="0">
+                <a:latin typeface="Avenir Book" charset="0"/>
+                <a:ea typeface="Avenir Book" charset="0"/>
+                <a:cs typeface="Avenir Book" charset="0"/>
+              </a:rPr>
+              <a:t>1 predict vocab size at </a:t>
+            </a:r>
+            <a:r>
+              <a:rPr lang="en-US" sz="4000" i="1" dirty="0" smtClean="0">
+                <a:latin typeface="Avenir Book" charset="0"/>
+                <a:ea typeface="Avenir Book" charset="0"/>
+                <a:cs typeface="Avenir Book" charset="0"/>
+              </a:rPr>
+              <a:t>t</a:t>
+            </a:r>
+            <a:r>
+              <a:rPr lang="en-US" sz="4000" dirty="0" smtClean="0">
+                <a:latin typeface="Avenir Book" charset="0"/>
+                <a:ea typeface="Avenir Book" charset="0"/>
+                <a:cs typeface="Avenir Book" charset="0"/>
+              </a:rPr>
+              <a:t>2?</a:t>
+            </a:r>
+            <a:endParaRPr lang="en-US" sz="4000" dirty="0">
+              <a:latin typeface="Avenir Book" charset="0"/>
+              <a:ea typeface="Avenir Book" charset="0"/>
+              <a:cs typeface="Avenir Book" charset="0"/>
+            </a:endParaRPr>
+          </a:p>
+        </p:txBody>
+      </p:sp>
+      <p:pic>
+        <p:nvPicPr>
+          <p:cNvPr id="4" name="Picture 3"/>
+          <p:cNvPicPr>
+            <a:picLocks noChangeAspect="1"/>
+          </p:cNvPicPr>
+          <p:nvPr/>
+        </p:nvPicPr>
+        <p:blipFill rotWithShape="1">
+          <a:blip r:embed="rId2">
+            <a:extLst>
+              <a:ext uri="{28A0092B-C50C-407E-A947-70E740481C1C}">
+                <a14:useLocalDpi xmlns:a14="http://schemas.microsoft.com/office/drawing/2010/main" val="0"/>
+              </a:ext>
+            </a:extLst>
+          </a:blip>
+          <a:srcRect t="31124"/>
+          <a:stretch/>
+        </p:blipFill>
+        <p:spPr>
+          <a:xfrm>
+            <a:off x="400108" y="3336758"/>
+            <a:ext cx="7905360" cy="1446296"/>
+          </a:xfrm>
+          <a:prstGeom prst="rect">
+            <a:avLst/>
+          </a:prstGeom>
+        </p:spPr>
+      </p:pic>
+    </p:spTree>
+    <p:extLst>
+      <p:ext uri="{BB962C8B-B14F-4D97-AF65-F5344CB8AC3E}">
+        <p14:creationId xmlns:p14="http://schemas.microsoft.com/office/powerpoint/2010/main" val="930404217"/>
+      </p:ext>
+    </p:extLst>
+  </p:cSld>
+  <p:clrMapOvr>
+    <a:masterClrMapping/>
+  </p:clrMapOvr>
+</p:sld>
+</file>
+
+<file path=ppt/slides/slide18.xml><?xml version="1.0" encoding="utf-8"?>
+<p:sld xmlns:a="http://schemas.openxmlformats.org/drawingml/2006/main" xmlns:r="http://schemas.openxmlformats.org/officeDocument/2006/relationships" xmlns:p="http://schemas.openxmlformats.org/presentationml/2006/main">
+  <p:cSld>
+    <p:spTree>
+      <p:nvGrpSpPr>
+        <p:cNvPr id="1" name=""/>
+        <p:cNvGrpSpPr/>
+        <p:nvPr/>
+      </p:nvGrpSpPr>
+      <p:grpSpPr>
+        <a:xfrm>
+          <a:off x="0" y="0"/>
+          <a:ext cx="0" cy="0"/>
+          <a:chOff x="0" y="0"/>
+          <a:chExt cx="0" cy="0"/>
+        </a:xfrm>
+      </p:grpSpPr>
+      <p:pic>
+        <p:nvPicPr>
+          <p:cNvPr id="5" name="Picture 4"/>
+          <p:cNvPicPr>
+            <a:picLocks noChangeAspect="1"/>
+          </p:cNvPicPr>
+          <p:nvPr/>
+        </p:nvPicPr>
+        <p:blipFill>
+          <a:blip r:embed="rId2"/>
+          <a:stretch>
+            <a:fillRect/>
+          </a:stretch>
+        </p:blipFill>
+        <p:spPr>
+          <a:xfrm>
+            <a:off x="3784822" y="3839146"/>
+            <a:ext cx="1110102" cy="1164633"/>
+          </a:xfrm>
+          <a:prstGeom prst="rect">
+            <a:avLst/>
+          </a:prstGeom>
+        </p:spPr>
+      </p:pic>
+      <p:pic>
+        <p:nvPicPr>
+          <p:cNvPr id="6" name="Picture 5"/>
+          <p:cNvPicPr>
+            <a:picLocks noChangeAspect="1"/>
+          </p:cNvPicPr>
+          <p:nvPr/>
+        </p:nvPicPr>
+        <p:blipFill>
+          <a:blip r:embed="rId3"/>
+          <a:stretch>
+            <a:fillRect/>
+          </a:stretch>
+        </p:blipFill>
+        <p:spPr>
+          <a:xfrm>
+            <a:off x="6344355" y="3839146"/>
+            <a:ext cx="845255" cy="1041923"/>
+          </a:xfrm>
+          <a:prstGeom prst="rect">
+            <a:avLst/>
+          </a:prstGeom>
+        </p:spPr>
+      </p:pic>
+      <p:pic>
+        <p:nvPicPr>
+          <p:cNvPr id="7" name="Picture 6"/>
+          <p:cNvPicPr>
+            <a:picLocks noChangeAspect="1"/>
+          </p:cNvPicPr>
+          <p:nvPr/>
+        </p:nvPicPr>
+        <p:blipFill>
+          <a:blip r:embed="rId4"/>
+          <a:stretch>
+            <a:fillRect/>
+          </a:stretch>
+        </p:blipFill>
+        <p:spPr>
+          <a:xfrm>
+            <a:off x="1362431" y="3868520"/>
+            <a:ext cx="1182509" cy="1182509"/>
+          </a:xfrm>
+          <a:prstGeom prst="rect">
+            <a:avLst/>
+          </a:prstGeom>
+        </p:spPr>
+      </p:pic>
+      <p:sp>
+        <p:nvSpPr>
+          <p:cNvPr id="8" name="TextBox 7"/>
+          <p:cNvSpPr txBox="1"/>
+          <p:nvPr/>
+        </p:nvSpPr>
+        <p:spPr>
+          <a:xfrm>
+            <a:off x="3620208" y="2007306"/>
+            <a:ext cx="1614639" cy="523216"/>
+          </a:xfrm>
+          <a:prstGeom prst="rect">
+            <a:avLst/>
+          </a:prstGeom>
+          <a:noFill/>
+        </p:spPr>
+        <p:txBody>
+          <a:bodyPr wrap="none" lIns="91435" tIns="45718" rIns="91435" bIns="45718" rtlCol="0">
+            <a:spAutoFit/>
+          </a:bodyPr>
+          <a:lstStyle/>
+          <a:p>
+            <a:r>
+              <a:rPr lang="en-US" sz="2800" b="1" i="1" dirty="0">
+                <a:solidFill>
+                  <a:srgbClr val="0000FF"/>
+                </a:solidFill>
+                <a:latin typeface="Century Gothic"/>
+                <a:cs typeface="Century Gothic"/>
+              </a:rPr>
+              <a:t>“apple”</a:t>
+            </a:r>
+          </a:p>
+        </p:txBody>
+      </p:sp>
+      <p:cxnSp>
+        <p:nvCxnSpPr>
+          <p:cNvPr id="10" name="Straight Connector 9"/>
+          <p:cNvCxnSpPr/>
+          <p:nvPr/>
+        </p:nvCxnSpPr>
+        <p:spPr>
+          <a:xfrm>
+            <a:off x="4339872" y="2642307"/>
+            <a:ext cx="0" cy="1058333"/>
+          </a:xfrm>
+          <a:prstGeom prst="line">
+            <a:avLst/>
+          </a:prstGeom>
+          <a:ln>
+            <a:solidFill>
+              <a:schemeClr val="tx1">
+                <a:lumMod val="50000"/>
+                <a:lumOff val="50000"/>
+              </a:schemeClr>
+            </a:solidFill>
+            <a:prstDash val="sysDash"/>
+          </a:ln>
+        </p:spPr>
+        <p:style>
+          <a:lnRef idx="2">
+            <a:schemeClr val="dk1"/>
+          </a:lnRef>
+          <a:fillRef idx="0">
+            <a:schemeClr val="dk1"/>
+          </a:fillRef>
+          <a:effectRef idx="1">
+            <a:schemeClr val="dk1"/>
+          </a:effectRef>
+          <a:fontRef idx="minor">
+            <a:schemeClr val="tx1"/>
+          </a:fontRef>
+        </p:style>
+      </p:cxnSp>
+      <p:cxnSp>
+        <p:nvCxnSpPr>
+          <p:cNvPr id="12" name="Straight Connector 11"/>
+          <p:cNvCxnSpPr/>
+          <p:nvPr/>
+        </p:nvCxnSpPr>
+        <p:spPr>
+          <a:xfrm flipH="1">
+            <a:off x="2544940" y="4569884"/>
+            <a:ext cx="1174045" cy="0"/>
+          </a:xfrm>
+          <a:prstGeom prst="line">
+            <a:avLst/>
+          </a:prstGeom>
+          <a:ln>
+            <a:solidFill>
+              <a:schemeClr val="tx1">
+                <a:lumMod val="50000"/>
+                <a:lumOff val="50000"/>
+              </a:schemeClr>
+            </a:solidFill>
+            <a:prstDash val="sysDash"/>
+          </a:ln>
+        </p:spPr>
+        <p:style>
+          <a:lnRef idx="2">
+            <a:schemeClr val="dk1"/>
+          </a:lnRef>
+          <a:fillRef idx="0">
+            <a:schemeClr val="dk1"/>
+          </a:fillRef>
+          <a:effectRef idx="1">
+            <a:schemeClr val="dk1"/>
+          </a:effectRef>
+          <a:fontRef idx="minor">
+            <a:schemeClr val="tx1"/>
+          </a:fontRef>
+        </p:style>
+      </p:cxnSp>
+      <p:cxnSp>
+        <p:nvCxnSpPr>
+          <p:cNvPr id="16" name="Straight Connector 15"/>
+          <p:cNvCxnSpPr/>
+          <p:nvPr/>
+        </p:nvCxnSpPr>
+        <p:spPr>
+          <a:xfrm flipH="1">
+            <a:off x="5068007" y="4561418"/>
+            <a:ext cx="1174045" cy="0"/>
+          </a:xfrm>
+          <a:prstGeom prst="line">
+            <a:avLst/>
+          </a:prstGeom>
+          <a:ln>
+            <a:solidFill>
+              <a:schemeClr val="tx1">
+                <a:lumMod val="50000"/>
+                <a:lumOff val="50000"/>
+              </a:schemeClr>
+            </a:solidFill>
+            <a:prstDash val="sysDash"/>
+          </a:ln>
+        </p:spPr>
+        <p:style>
+          <a:lnRef idx="2">
+            <a:schemeClr val="dk1"/>
+          </a:lnRef>
+          <a:fillRef idx="0">
+            <a:schemeClr val="dk1"/>
+          </a:fillRef>
+          <a:effectRef idx="1">
+            <a:schemeClr val="dk1"/>
+          </a:effectRef>
+          <a:fontRef idx="minor">
+            <a:schemeClr val="tx1"/>
+          </a:fontRef>
+        </p:style>
+      </p:cxnSp>
+      <p:sp>
+        <p:nvSpPr>
+          <p:cNvPr id="17" name="TextBox 16"/>
+          <p:cNvSpPr txBox="1"/>
+          <p:nvPr/>
+        </p:nvSpPr>
+        <p:spPr>
+          <a:xfrm>
+            <a:off x="5143279" y="2753974"/>
+            <a:ext cx="1865179" cy="369328"/>
+          </a:xfrm>
+          <a:prstGeom prst="rect">
+            <a:avLst/>
+          </a:prstGeom>
+          <a:noFill/>
+        </p:spPr>
+        <p:txBody>
+          <a:bodyPr wrap="none" lIns="91435" tIns="45718" rIns="91435" bIns="45718" rtlCol="0">
+            <a:spAutoFit/>
+          </a:bodyPr>
+          <a:lstStyle/>
+          <a:p>
+            <a:r>
+              <a:rPr lang="en-US" dirty="0" smtClean="0"/>
+              <a:t>Mapping Problem</a:t>
+            </a:r>
+            <a:endParaRPr lang="en-US" dirty="0"/>
+          </a:p>
+        </p:txBody>
+      </p:sp>
+      <p:cxnSp>
+        <p:nvCxnSpPr>
+          <p:cNvPr id="19" name="Straight Arrow Connector 18"/>
+          <p:cNvCxnSpPr>
+            <a:stCxn id="17" idx="1"/>
+          </p:cNvCxnSpPr>
+          <p:nvPr/>
+        </p:nvCxnSpPr>
+        <p:spPr>
+          <a:xfrm flipH="1">
+            <a:off x="4607985" y="2938638"/>
+            <a:ext cx="535294" cy="184668"/>
+          </a:xfrm>
+          <a:prstGeom prst="straightConnector1">
+            <a:avLst/>
+          </a:prstGeom>
+          <a:ln>
+            <a:solidFill>
+              <a:schemeClr val="tx1"/>
+            </a:solidFill>
+            <a:tailEnd type="arrow"/>
+          </a:ln>
+        </p:spPr>
+        <p:style>
+          <a:lnRef idx="2">
+            <a:schemeClr val="accent1"/>
+          </a:lnRef>
+          <a:fillRef idx="0">
+            <a:schemeClr val="accent1"/>
+          </a:fillRef>
+          <a:effectRef idx="1">
+            <a:schemeClr val="accent1"/>
+          </a:effectRef>
+          <a:fontRef idx="minor">
+            <a:schemeClr val="tx1"/>
+          </a:fontRef>
+        </p:style>
+      </p:cxnSp>
+      <p:sp>
+        <p:nvSpPr>
+          <p:cNvPr id="21" name="TextBox 20"/>
+          <p:cNvSpPr txBox="1"/>
+          <p:nvPr/>
+        </p:nvSpPr>
+        <p:spPr>
+          <a:xfrm>
+            <a:off x="3168716" y="5218155"/>
+            <a:ext cx="2398754" cy="369328"/>
+          </a:xfrm>
+          <a:prstGeom prst="rect">
+            <a:avLst/>
+          </a:prstGeom>
+          <a:noFill/>
+        </p:spPr>
+        <p:txBody>
+          <a:bodyPr wrap="none" lIns="91435" tIns="45718" rIns="91435" bIns="45718" rtlCol="0">
+            <a:spAutoFit/>
+          </a:bodyPr>
+          <a:lstStyle/>
+          <a:p>
+            <a:r>
+              <a:rPr lang="en-US" dirty="0" smtClean="0"/>
+              <a:t>Generalization Problem</a:t>
+            </a:r>
+            <a:endParaRPr lang="en-US" dirty="0"/>
+          </a:p>
+        </p:txBody>
+      </p:sp>
+      <p:cxnSp>
+        <p:nvCxnSpPr>
+          <p:cNvPr id="24" name="Straight Arrow Connector 23"/>
+          <p:cNvCxnSpPr>
+            <a:stCxn id="21" idx="3"/>
+          </p:cNvCxnSpPr>
+          <p:nvPr/>
+        </p:nvCxnSpPr>
+        <p:spPr>
+          <a:xfrm flipV="1">
+            <a:off x="5567470" y="4744864"/>
+            <a:ext cx="155293" cy="657955"/>
+          </a:xfrm>
+          <a:prstGeom prst="straightConnector1">
+            <a:avLst/>
+          </a:prstGeom>
+          <a:ln>
+            <a:solidFill>
+              <a:schemeClr val="tx1"/>
+            </a:solidFill>
+            <a:tailEnd type="arrow"/>
+          </a:ln>
+        </p:spPr>
+        <p:style>
+          <a:lnRef idx="2">
+            <a:schemeClr val="accent1"/>
+          </a:lnRef>
+          <a:fillRef idx="0">
+            <a:schemeClr val="accent1"/>
+          </a:fillRef>
+          <a:effectRef idx="1">
+            <a:schemeClr val="accent1"/>
+          </a:effectRef>
+          <a:fontRef idx="minor">
+            <a:schemeClr val="tx1"/>
+          </a:fontRef>
+        </p:style>
+      </p:cxnSp>
+      <p:cxnSp>
+        <p:nvCxnSpPr>
+          <p:cNvPr id="32" name="Straight Arrow Connector 31"/>
+          <p:cNvCxnSpPr/>
+          <p:nvPr/>
+        </p:nvCxnSpPr>
+        <p:spPr>
+          <a:xfrm flipH="1" flipV="1">
+            <a:off x="2985211" y="4731243"/>
+            <a:ext cx="155283" cy="657958"/>
+          </a:xfrm>
+          <a:prstGeom prst="straightConnector1">
+            <a:avLst/>
+          </a:prstGeom>
+          <a:ln>
+            <a:solidFill>
+              <a:schemeClr val="tx1"/>
+            </a:solidFill>
+            <a:tailEnd type="arrow"/>
+          </a:ln>
+        </p:spPr>
+        <p:style>
+          <a:lnRef idx="2">
+            <a:schemeClr val="accent1"/>
+          </a:lnRef>
+          <a:fillRef idx="0">
+            <a:schemeClr val="accent1"/>
+          </a:fillRef>
+          <a:effectRef idx="1">
+            <a:schemeClr val="accent1"/>
+          </a:effectRef>
+          <a:fontRef idx="minor">
+            <a:schemeClr val="tx1"/>
+          </a:fontRef>
+        </p:style>
+      </p:cxnSp>
+      <p:sp>
+        <p:nvSpPr>
+          <p:cNvPr id="33" name="TextBox 32"/>
+          <p:cNvSpPr txBox="1"/>
+          <p:nvPr/>
+        </p:nvSpPr>
+        <p:spPr>
+          <a:xfrm>
+            <a:off x="2958773" y="4046665"/>
+            <a:ext cx="351043" cy="523216"/>
+          </a:xfrm>
+          <a:prstGeom prst="rect">
+            <a:avLst/>
+          </a:prstGeom>
+          <a:noFill/>
+        </p:spPr>
+        <p:txBody>
+          <a:bodyPr wrap="none" lIns="91435" tIns="45718" rIns="91435" bIns="45718" rtlCol="0">
+            <a:spAutoFit/>
+          </a:bodyPr>
+          <a:lstStyle/>
+          <a:p>
+            <a:r>
+              <a:rPr lang="en-US" sz="2800" dirty="0">
+                <a:solidFill>
+                  <a:srgbClr val="000000"/>
+                </a:solidFill>
+              </a:rPr>
+              <a:t>?</a:t>
+            </a:r>
+          </a:p>
+        </p:txBody>
+      </p:sp>
+      <p:sp>
+        <p:nvSpPr>
+          <p:cNvPr id="34" name="TextBox 33"/>
+          <p:cNvSpPr txBox="1"/>
+          <p:nvPr/>
+        </p:nvSpPr>
+        <p:spPr>
+          <a:xfrm>
+            <a:off x="5522389" y="4038199"/>
+            <a:ext cx="351043" cy="523216"/>
+          </a:xfrm>
+          <a:prstGeom prst="rect">
+            <a:avLst/>
+          </a:prstGeom>
+          <a:noFill/>
+        </p:spPr>
+        <p:txBody>
+          <a:bodyPr wrap="none" lIns="91435" tIns="45718" rIns="91435" bIns="45718" rtlCol="0">
+            <a:spAutoFit/>
+          </a:bodyPr>
+          <a:lstStyle/>
+          <a:p>
+            <a:r>
+              <a:rPr lang="en-US" sz="2800" dirty="0">
+                <a:solidFill>
+                  <a:srgbClr val="000000"/>
+                </a:solidFill>
+              </a:rPr>
+              <a:t>?</a:t>
+            </a:r>
+          </a:p>
+        </p:txBody>
+      </p:sp>
+      <p:sp>
+        <p:nvSpPr>
+          <p:cNvPr id="35" name="TextBox 34"/>
+          <p:cNvSpPr txBox="1"/>
+          <p:nvPr/>
+        </p:nvSpPr>
+        <p:spPr>
+          <a:xfrm>
+            <a:off x="4263677" y="2889919"/>
+            <a:ext cx="351043" cy="523216"/>
+          </a:xfrm>
+          <a:prstGeom prst="rect">
+            <a:avLst/>
+          </a:prstGeom>
+          <a:noFill/>
+        </p:spPr>
+        <p:txBody>
+          <a:bodyPr wrap="none" lIns="91435" tIns="45718" rIns="91435" bIns="45718" rtlCol="0">
+            <a:spAutoFit/>
+          </a:bodyPr>
+          <a:lstStyle/>
+          <a:p>
+            <a:r>
+              <a:rPr lang="en-US" sz="2800" dirty="0"/>
+              <a:t>?</a:t>
+            </a:r>
+          </a:p>
+        </p:txBody>
+      </p:sp>
+      <p:sp>
+        <p:nvSpPr>
+          <p:cNvPr id="18" name="Title 1"/>
+          <p:cNvSpPr>
+            <a:spLocks noGrp="1"/>
+          </p:cNvSpPr>
+          <p:nvPr>
+            <p:ph type="title"/>
+          </p:nvPr>
+        </p:nvSpPr>
+        <p:spPr>
+          <a:xfrm>
+            <a:off x="628650" y="365126"/>
+            <a:ext cx="7886700" cy="1325563"/>
+          </a:xfrm>
+        </p:spPr>
+        <p:txBody>
+          <a:bodyPr/>
+          <a:lstStyle/>
+          <a:p>
+            <a:r>
+              <a:rPr lang="en-US" dirty="0" smtClean="0">
+                <a:latin typeface="Avenir Book" charset="0"/>
+                <a:ea typeface="Avenir Book" charset="0"/>
+                <a:cs typeface="Avenir Book" charset="0"/>
+              </a:rPr>
+              <a:t>The word learning problem</a:t>
+            </a:r>
+            <a:endParaRPr lang="en-US" dirty="0">
+              <a:latin typeface="Avenir Book" charset="0"/>
+              <a:ea typeface="Avenir Book" charset="0"/>
+              <a:cs typeface="Avenir Book" charset="0"/>
+            </a:endParaRPr>
+          </a:p>
+        </p:txBody>
+      </p:sp>
+      <p:sp>
+        <p:nvSpPr>
+          <p:cNvPr id="2" name="TextBox 1"/>
+          <p:cNvSpPr txBox="1"/>
+          <p:nvPr/>
+        </p:nvSpPr>
+        <p:spPr>
+          <a:xfrm>
+            <a:off x="6344355" y="6355318"/>
+            <a:ext cx="2504212" cy="369332"/>
+          </a:xfrm>
+          <a:prstGeom prst="rect">
+            <a:avLst/>
+          </a:prstGeom>
+          <a:noFill/>
+        </p:spPr>
+        <p:txBody>
+          <a:bodyPr wrap="none" rtlCol="0">
+            <a:spAutoFit/>
+          </a:bodyPr>
+          <a:lstStyle/>
+          <a:p>
+            <a:r>
+              <a:rPr lang="en-US" dirty="0" smtClean="0">
+                <a:latin typeface="Avenir Book" charset="0"/>
+                <a:ea typeface="Avenir Book" charset="0"/>
+                <a:cs typeface="Avenir Book" charset="0"/>
+              </a:rPr>
+              <a:t>(Lewis &amp; Frank, 2013b)</a:t>
+            </a:r>
+            <a:endParaRPr lang="en-US" dirty="0">
+              <a:latin typeface="Avenir Book" charset="0"/>
+              <a:ea typeface="Avenir Book" charset="0"/>
+              <a:cs typeface="Avenir Book" charset="0"/>
+            </a:endParaRPr>
+          </a:p>
+        </p:txBody>
+      </p:sp>
+    </p:spTree>
+    <p:extLst>
+      <p:ext uri="{BB962C8B-B14F-4D97-AF65-F5344CB8AC3E}">
+        <p14:creationId xmlns:p14="http://schemas.microsoft.com/office/powerpoint/2010/main" val="159093046"/>
+      </p:ext>
+    </p:extLst>
+  </p:cSld>
+  <p:clrMapOvr>
+    <a:masterClrMapping/>
+  </p:clrMapOvr>
+  <p:timing>
+    <p:tnLst>
+      <p:par>
+        <p:cTn id="1" dur="indefinite" restart="never" nodeType="tmRoot"/>
+      </p:par>
+    </p:tnLst>
+  </p:timing>
+</p:sld>
+</file>
+
+<file path=ppt/slides/slide19.xml><?xml version="1.0" encoding="utf-8"?>
+<p:sld xmlns:a="http://schemas.openxmlformats.org/drawingml/2006/main" xmlns:r="http://schemas.openxmlformats.org/officeDocument/2006/relationships" xmlns:p="http://schemas.openxmlformats.org/presentationml/2006/main">
+  <p:cSld>
+    <p:spTree>
+      <p:nvGrpSpPr>
+        <p:cNvPr id="1" name=""/>
+        <p:cNvGrpSpPr/>
+        <p:nvPr/>
+      </p:nvGrpSpPr>
+      <p:grpSpPr>
+        <a:xfrm>
+          <a:off x="0" y="0"/>
+          <a:ext cx="0" cy="0"/>
+          <a:chOff x="0" y="0"/>
+          <a:chExt cx="0" cy="0"/>
+        </a:xfrm>
+      </p:grpSpPr>
+      <p:sp>
+        <p:nvSpPr>
+          <p:cNvPr id="2" name="Title 1"/>
+          <p:cNvSpPr>
+            <a:spLocks noGrp="1"/>
+          </p:cNvSpPr>
+          <p:nvPr>
+            <p:ph type="title"/>
+          </p:nvPr>
+        </p:nvSpPr>
+        <p:spPr/>
+        <p:txBody>
+          <a:bodyPr/>
+          <a:lstStyle/>
+          <a:p>
+            <a:r>
+              <a:rPr lang="en-US" dirty="0" smtClean="0"/>
+              <a:t>Here’s the </a:t>
+            </a:r>
+            <a:r>
+              <a:rPr lang="en-US" dirty="0" err="1" smtClean="0"/>
+              <a:t>lognitidunal</a:t>
+            </a:r>
+            <a:r>
+              <a:rPr lang="en-US" dirty="0" smtClean="0"/>
+              <a:t> data look like</a:t>
+            </a:r>
+            <a:endParaRPr lang="en-US" dirty="0"/>
+          </a:p>
+        </p:txBody>
+      </p:sp>
+      <p:sp>
+        <p:nvSpPr>
+          <p:cNvPr id="3" name="Content Placeholder 2"/>
+          <p:cNvSpPr>
+            <a:spLocks noGrp="1"/>
+          </p:cNvSpPr>
+          <p:nvPr>
+            <p:ph idx="1"/>
+          </p:nvPr>
+        </p:nvSpPr>
+        <p:spPr/>
+        <p:txBody>
+          <a:bodyPr/>
+          <a:lstStyle/>
+          <a:p>
+            <a:endParaRPr lang="en-US"/>
+          </a:p>
+        </p:txBody>
+      </p:sp>
+    </p:spTree>
+    <p:extLst>
+      <p:ext uri="{BB962C8B-B14F-4D97-AF65-F5344CB8AC3E}">
+        <p14:creationId xmlns:p14="http://schemas.microsoft.com/office/powerpoint/2010/main" val="953974572"/>
       </p:ext>
     </p:extLst>
   </p:cSld>
@@ -4493,6 +6356,82 @@
 </p:sld>
 </file>
 
+<file path=ppt/slides/slide20.xml><?xml version="1.0" encoding="utf-8"?>
+<p:sld xmlns:a="http://schemas.openxmlformats.org/drawingml/2006/main" xmlns:r="http://schemas.openxmlformats.org/officeDocument/2006/relationships" xmlns:p="http://schemas.openxmlformats.org/presentationml/2006/main">
+  <p:cSld>
+    <p:spTree>
+      <p:nvGrpSpPr>
+        <p:cNvPr id="1" name=""/>
+        <p:cNvGrpSpPr/>
+        <p:nvPr/>
+      </p:nvGrpSpPr>
+      <p:grpSpPr>
+        <a:xfrm>
+          <a:off x="0" y="0"/>
+          <a:ext cx="0" cy="0"/>
+          <a:chOff x="0" y="0"/>
+          <a:chExt cx="0" cy="0"/>
+        </a:xfrm>
+      </p:grpSpPr>
+      <p:sp>
+        <p:nvSpPr>
+          <p:cNvPr id="2" name="Title 1"/>
+          <p:cNvSpPr>
+            <a:spLocks noGrp="1"/>
+          </p:cNvSpPr>
+          <p:nvPr>
+            <p:ph type="title"/>
+          </p:nvPr>
+        </p:nvSpPr>
+        <p:spPr/>
+        <p:txBody>
+          <a:bodyPr/>
+          <a:lstStyle/>
+          <a:p>
+            <a:r>
+              <a:rPr lang="en-US" dirty="0" err="1" smtClean="0"/>
+              <a:t>Meausre</a:t>
+            </a:r>
+            <a:r>
+              <a:rPr lang="en-US" dirty="0" smtClean="0"/>
+              <a:t> of vocab - </a:t>
+            </a:r>
+            <a:endParaRPr lang="en-US" dirty="0"/>
+          </a:p>
+        </p:txBody>
+      </p:sp>
+      <p:sp>
+        <p:nvSpPr>
+          <p:cNvPr id="3" name="Content Placeholder 2"/>
+          <p:cNvSpPr>
+            <a:spLocks noGrp="1"/>
+          </p:cNvSpPr>
+          <p:nvPr>
+            <p:ph idx="1"/>
+          </p:nvPr>
+        </p:nvSpPr>
+        <p:spPr/>
+        <p:txBody>
+          <a:bodyPr/>
+          <a:lstStyle/>
+          <a:p>
+            <a:endParaRPr lang="en-US"/>
+          </a:p>
+        </p:txBody>
+      </p:sp>
+    </p:spTree>
+    <p:extLst>
+      <p:ext uri="{BB962C8B-B14F-4D97-AF65-F5344CB8AC3E}">
+        <p14:creationId xmlns:p14="http://schemas.microsoft.com/office/powerpoint/2010/main" val="1137006730"/>
+      </p:ext>
+    </p:extLst>
+  </p:cSld>
+  <p:clrMapOvr>
+    <a:masterClrMapping/>
+  </p:clrMapOvr>
+</p:sld>
+</file>
+
 <file path=ppt/slides/slide3.xml><?xml version="1.0" encoding="utf-8"?>
 <p:sld xmlns:a="http://schemas.openxmlformats.org/drawingml/2006/main" xmlns:r="http://schemas.openxmlformats.org/officeDocument/2006/relationships" xmlns:p="http://schemas.openxmlformats.org/presentationml/2006/main">
   <p:cSld>
@@ -4510,524 +6449,65 @@
           <a:chExt cx="0" cy="0"/>
         </a:xfrm>
       </p:grpSpPr>
-      <p:pic>
-        <p:nvPicPr>
-          <p:cNvPr id="5" name="Picture 4"/>
-          <p:cNvPicPr>
-            <a:picLocks noChangeAspect="1"/>
-          </p:cNvPicPr>
-          <p:nvPr/>
-        </p:nvPicPr>
-        <p:blipFill>
-          <a:blip r:embed="rId2"/>
-          <a:stretch>
-            <a:fillRect/>
-          </a:stretch>
-        </p:blipFill>
+      <p:sp>
+        <p:nvSpPr>
+          <p:cNvPr id="2" name="Title 1"/>
+          <p:cNvSpPr>
+            <a:spLocks noGrp="1"/>
+          </p:cNvSpPr>
+          <p:nvPr>
+            <p:ph type="title"/>
+          </p:nvPr>
+        </p:nvSpPr>
         <p:spPr>
           <a:xfrm>
-            <a:off x="3784822" y="3839146"/>
-            <a:ext cx="1110102" cy="1164633"/>
-          </a:xfrm>
-          <a:prstGeom prst="rect">
-            <a:avLst/>
-          </a:prstGeom>
-        </p:spPr>
-      </p:pic>
-      <p:pic>
-        <p:nvPicPr>
-          <p:cNvPr id="6" name="Picture 5"/>
-          <p:cNvPicPr>
-            <a:picLocks noChangeAspect="1"/>
-          </p:cNvPicPr>
-          <p:nvPr/>
-        </p:nvPicPr>
-        <p:blipFill>
-          <a:blip r:embed="rId3"/>
-          <a:stretch>
-            <a:fillRect/>
-          </a:stretch>
-        </p:blipFill>
-        <p:spPr>
-          <a:xfrm>
-            <a:off x="6344355" y="3839146"/>
-            <a:ext cx="845255" cy="1041923"/>
-          </a:xfrm>
-          <a:prstGeom prst="rect">
-            <a:avLst/>
-          </a:prstGeom>
-        </p:spPr>
-      </p:pic>
-      <p:pic>
-        <p:nvPicPr>
-          <p:cNvPr id="7" name="Picture 6"/>
-          <p:cNvPicPr>
-            <a:picLocks noChangeAspect="1"/>
-          </p:cNvPicPr>
-          <p:nvPr/>
-        </p:nvPicPr>
-        <p:blipFill>
-          <a:blip r:embed="rId4"/>
-          <a:stretch>
-            <a:fillRect/>
-          </a:stretch>
-        </p:blipFill>
-        <p:spPr>
-          <a:xfrm>
-            <a:off x="1362431" y="3868520"/>
-            <a:ext cx="1182509" cy="1182509"/>
-          </a:xfrm>
-          <a:prstGeom prst="rect">
-            <a:avLst/>
-          </a:prstGeom>
-        </p:spPr>
-      </p:pic>
-      <p:sp>
-        <p:nvSpPr>
-          <p:cNvPr id="8" name="TextBox 7"/>
-          <p:cNvSpPr txBox="1"/>
-          <p:nvPr/>
-        </p:nvSpPr>
-        <p:spPr>
-          <a:xfrm>
-            <a:off x="3620208" y="2007306"/>
-            <a:ext cx="1614639" cy="523216"/>
-          </a:xfrm>
-          <a:prstGeom prst="rect">
-            <a:avLst/>
-          </a:prstGeom>
-          <a:noFill/>
-        </p:spPr>
-        <p:txBody>
-          <a:bodyPr wrap="none" lIns="91435" tIns="45718" rIns="91435" bIns="45718" rtlCol="0">
-            <a:spAutoFit/>
+            <a:off x="644692" y="2354347"/>
+            <a:ext cx="7886700" cy="1325563"/>
+          </a:xfrm>
+        </p:spPr>
+        <p:txBody>
+          <a:bodyPr>
+            <a:normAutofit fontScale="90000"/>
           </a:bodyPr>
           <a:lstStyle/>
           <a:p>
             <a:r>
-              <a:rPr lang="en-US" sz="2800" b="1" i="1" dirty="0">
-                <a:solidFill>
-                  <a:srgbClr val="0000FF"/>
-                </a:solidFill>
-                <a:latin typeface="Century Gothic"/>
-                <a:cs typeface="Century Gothic"/>
-              </a:rPr>
-              <a:t>“apple”</a:t>
-            </a:r>
-          </a:p>
-        </p:txBody>
-      </p:sp>
-      <p:cxnSp>
-        <p:nvCxnSpPr>
-          <p:cNvPr id="10" name="Straight Connector 9"/>
-          <p:cNvCxnSpPr/>
-          <p:nvPr/>
-        </p:nvCxnSpPr>
-        <p:spPr>
-          <a:xfrm>
-            <a:off x="4339872" y="2642307"/>
-            <a:ext cx="0" cy="1058333"/>
-          </a:xfrm>
-          <a:prstGeom prst="line">
-            <a:avLst/>
-          </a:prstGeom>
-          <a:ln>
-            <a:solidFill>
-              <a:schemeClr val="tx1">
-                <a:lumMod val="50000"/>
-                <a:lumOff val="50000"/>
-              </a:schemeClr>
-            </a:solidFill>
-            <a:prstDash val="sysDash"/>
-          </a:ln>
-        </p:spPr>
-        <p:style>
-          <a:lnRef idx="2">
-            <a:schemeClr val="dk1"/>
-          </a:lnRef>
-          <a:fillRef idx="0">
-            <a:schemeClr val="dk1"/>
-          </a:fillRef>
-          <a:effectRef idx="1">
-            <a:schemeClr val="dk1"/>
-          </a:effectRef>
-          <a:fontRef idx="minor">
-            <a:schemeClr val="tx1"/>
-          </a:fontRef>
-        </p:style>
-      </p:cxnSp>
-      <p:cxnSp>
-        <p:nvCxnSpPr>
-          <p:cNvPr id="12" name="Straight Connector 11"/>
-          <p:cNvCxnSpPr/>
-          <p:nvPr/>
-        </p:nvCxnSpPr>
-        <p:spPr>
-          <a:xfrm flipH="1">
-            <a:off x="2544940" y="4569884"/>
-            <a:ext cx="1174045" cy="0"/>
-          </a:xfrm>
-          <a:prstGeom prst="line">
-            <a:avLst/>
-          </a:prstGeom>
-          <a:ln>
-            <a:solidFill>
-              <a:schemeClr val="tx1">
-                <a:lumMod val="50000"/>
-                <a:lumOff val="50000"/>
-              </a:schemeClr>
-            </a:solidFill>
-            <a:prstDash val="sysDash"/>
-          </a:ln>
-        </p:spPr>
-        <p:style>
-          <a:lnRef idx="2">
-            <a:schemeClr val="dk1"/>
-          </a:lnRef>
-          <a:fillRef idx="0">
-            <a:schemeClr val="dk1"/>
-          </a:fillRef>
-          <a:effectRef idx="1">
-            <a:schemeClr val="dk1"/>
-          </a:effectRef>
-          <a:fontRef idx="minor">
-            <a:schemeClr val="tx1"/>
-          </a:fontRef>
-        </p:style>
-      </p:cxnSp>
-      <p:cxnSp>
-        <p:nvCxnSpPr>
-          <p:cNvPr id="16" name="Straight Connector 15"/>
-          <p:cNvCxnSpPr/>
-          <p:nvPr/>
-        </p:nvCxnSpPr>
-        <p:spPr>
-          <a:xfrm flipH="1">
-            <a:off x="5068007" y="4561418"/>
-            <a:ext cx="1174045" cy="0"/>
-          </a:xfrm>
-          <a:prstGeom prst="line">
-            <a:avLst/>
-          </a:prstGeom>
-          <a:ln>
-            <a:solidFill>
-              <a:schemeClr val="tx1">
-                <a:lumMod val="50000"/>
-                <a:lumOff val="50000"/>
-              </a:schemeClr>
-            </a:solidFill>
-            <a:prstDash val="sysDash"/>
-          </a:ln>
-        </p:spPr>
-        <p:style>
-          <a:lnRef idx="2">
-            <a:schemeClr val="dk1"/>
-          </a:lnRef>
-          <a:fillRef idx="0">
-            <a:schemeClr val="dk1"/>
-          </a:fillRef>
-          <a:effectRef idx="1">
-            <a:schemeClr val="dk1"/>
-          </a:effectRef>
-          <a:fontRef idx="minor">
-            <a:schemeClr val="tx1"/>
-          </a:fontRef>
-        </p:style>
-      </p:cxnSp>
-      <p:sp>
-        <p:nvSpPr>
-          <p:cNvPr id="17" name="TextBox 16"/>
-          <p:cNvSpPr txBox="1"/>
-          <p:nvPr/>
-        </p:nvSpPr>
-        <p:spPr>
-          <a:xfrm>
-            <a:off x="5143279" y="2753974"/>
-            <a:ext cx="1865179" cy="369328"/>
-          </a:xfrm>
-          <a:prstGeom prst="rect">
-            <a:avLst/>
-          </a:prstGeom>
-          <a:noFill/>
-        </p:spPr>
-        <p:txBody>
-          <a:bodyPr wrap="none" lIns="91435" tIns="45718" rIns="91435" bIns="45718" rtlCol="0">
-            <a:spAutoFit/>
-          </a:bodyPr>
-          <a:lstStyle/>
-          <a:p>
-            <a:r>
-              <a:rPr lang="en-US" dirty="0" smtClean="0"/>
-              <a:t>Mapping Problem</a:t>
-            </a:r>
-            <a:endParaRPr lang="en-US" dirty="0"/>
-          </a:p>
-        </p:txBody>
-      </p:sp>
-      <p:cxnSp>
-        <p:nvCxnSpPr>
-          <p:cNvPr id="19" name="Straight Arrow Connector 18"/>
-          <p:cNvCxnSpPr>
-            <a:stCxn id="17" idx="1"/>
-          </p:cNvCxnSpPr>
-          <p:nvPr/>
-        </p:nvCxnSpPr>
-        <p:spPr>
-          <a:xfrm flipH="1">
-            <a:off x="4607985" y="2938638"/>
-            <a:ext cx="535294" cy="184668"/>
-          </a:xfrm>
-          <a:prstGeom prst="straightConnector1">
-            <a:avLst/>
-          </a:prstGeom>
-          <a:ln>
-            <a:solidFill>
-              <a:schemeClr val="tx1"/>
-            </a:solidFill>
-            <a:tailEnd type="arrow"/>
-          </a:ln>
-        </p:spPr>
-        <p:style>
-          <a:lnRef idx="2">
-            <a:schemeClr val="accent1"/>
-          </a:lnRef>
-          <a:fillRef idx="0">
-            <a:schemeClr val="accent1"/>
-          </a:fillRef>
-          <a:effectRef idx="1">
-            <a:schemeClr val="accent1"/>
-          </a:effectRef>
-          <a:fontRef idx="minor">
-            <a:schemeClr val="tx1"/>
-          </a:fontRef>
-        </p:style>
-      </p:cxnSp>
-      <p:sp>
-        <p:nvSpPr>
-          <p:cNvPr id="21" name="TextBox 20"/>
-          <p:cNvSpPr txBox="1"/>
-          <p:nvPr/>
-        </p:nvSpPr>
-        <p:spPr>
-          <a:xfrm>
-            <a:off x="3168716" y="5218155"/>
-            <a:ext cx="2398754" cy="369328"/>
-          </a:xfrm>
-          <a:prstGeom prst="rect">
-            <a:avLst/>
-          </a:prstGeom>
-          <a:noFill/>
-        </p:spPr>
-        <p:txBody>
-          <a:bodyPr wrap="none" lIns="91435" tIns="45718" rIns="91435" bIns="45718" rtlCol="0">
-            <a:spAutoFit/>
-          </a:bodyPr>
-          <a:lstStyle/>
-          <a:p>
-            <a:r>
-              <a:rPr lang="en-US" dirty="0" smtClean="0"/>
-              <a:t>Generalization Problem</a:t>
-            </a:r>
-            <a:endParaRPr lang="en-US" dirty="0"/>
-          </a:p>
-        </p:txBody>
-      </p:sp>
-      <p:cxnSp>
-        <p:nvCxnSpPr>
-          <p:cNvPr id="24" name="Straight Arrow Connector 23"/>
-          <p:cNvCxnSpPr>
-            <a:stCxn id="21" idx="3"/>
-          </p:cNvCxnSpPr>
-          <p:nvPr/>
-        </p:nvCxnSpPr>
-        <p:spPr>
-          <a:xfrm flipV="1">
-            <a:off x="5567470" y="4744864"/>
-            <a:ext cx="155293" cy="657955"/>
-          </a:xfrm>
-          <a:prstGeom prst="straightConnector1">
-            <a:avLst/>
-          </a:prstGeom>
-          <a:ln>
-            <a:solidFill>
-              <a:schemeClr val="tx1"/>
-            </a:solidFill>
-            <a:tailEnd type="arrow"/>
-          </a:ln>
-        </p:spPr>
-        <p:style>
-          <a:lnRef idx="2">
-            <a:schemeClr val="accent1"/>
-          </a:lnRef>
-          <a:fillRef idx="0">
-            <a:schemeClr val="accent1"/>
-          </a:fillRef>
-          <a:effectRef idx="1">
-            <a:schemeClr val="accent1"/>
-          </a:effectRef>
-          <a:fontRef idx="minor">
-            <a:schemeClr val="tx1"/>
-          </a:fontRef>
-        </p:style>
-      </p:cxnSp>
-      <p:cxnSp>
-        <p:nvCxnSpPr>
-          <p:cNvPr id="32" name="Straight Arrow Connector 31"/>
-          <p:cNvCxnSpPr/>
-          <p:nvPr/>
-        </p:nvCxnSpPr>
-        <p:spPr>
-          <a:xfrm flipH="1" flipV="1">
-            <a:off x="2985211" y="4731243"/>
-            <a:ext cx="155283" cy="657958"/>
-          </a:xfrm>
-          <a:prstGeom prst="straightConnector1">
-            <a:avLst/>
-          </a:prstGeom>
-          <a:ln>
-            <a:solidFill>
-              <a:schemeClr val="tx1"/>
-            </a:solidFill>
-            <a:tailEnd type="arrow"/>
-          </a:ln>
-        </p:spPr>
-        <p:style>
-          <a:lnRef idx="2">
-            <a:schemeClr val="accent1"/>
-          </a:lnRef>
-          <a:fillRef idx="0">
-            <a:schemeClr val="accent1"/>
-          </a:fillRef>
-          <a:effectRef idx="1">
-            <a:schemeClr val="accent1"/>
-          </a:effectRef>
-          <a:fontRef idx="minor">
-            <a:schemeClr val="tx1"/>
-          </a:fontRef>
-        </p:style>
-      </p:cxnSp>
-      <p:sp>
-        <p:nvSpPr>
-          <p:cNvPr id="33" name="TextBox 32"/>
-          <p:cNvSpPr txBox="1"/>
-          <p:nvPr/>
-        </p:nvSpPr>
-        <p:spPr>
-          <a:xfrm>
-            <a:off x="2958773" y="4046665"/>
-            <a:ext cx="351043" cy="523216"/>
-          </a:xfrm>
-          <a:prstGeom prst="rect">
-            <a:avLst/>
-          </a:prstGeom>
-          <a:noFill/>
-        </p:spPr>
-        <p:txBody>
-          <a:bodyPr wrap="none" lIns="91435" tIns="45718" rIns="91435" bIns="45718" rtlCol="0">
-            <a:spAutoFit/>
-          </a:bodyPr>
-          <a:lstStyle/>
-          <a:p>
-            <a:r>
-              <a:rPr lang="en-US" sz="2800" dirty="0">
-                <a:solidFill>
-                  <a:srgbClr val="000000"/>
-                </a:solidFill>
-              </a:rPr>
-              <a:t>?</a:t>
-            </a:r>
-          </a:p>
-        </p:txBody>
-      </p:sp>
-      <p:sp>
-        <p:nvSpPr>
-          <p:cNvPr id="34" name="TextBox 33"/>
-          <p:cNvSpPr txBox="1"/>
-          <p:nvPr/>
-        </p:nvSpPr>
-        <p:spPr>
-          <a:xfrm>
-            <a:off x="5522389" y="4038199"/>
-            <a:ext cx="351043" cy="523216"/>
-          </a:xfrm>
-          <a:prstGeom prst="rect">
-            <a:avLst/>
-          </a:prstGeom>
-          <a:noFill/>
-        </p:spPr>
-        <p:txBody>
-          <a:bodyPr wrap="none" lIns="91435" tIns="45718" rIns="91435" bIns="45718" rtlCol="0">
-            <a:spAutoFit/>
-          </a:bodyPr>
-          <a:lstStyle/>
-          <a:p>
-            <a:r>
-              <a:rPr lang="en-US" sz="2800" dirty="0">
-                <a:solidFill>
-                  <a:srgbClr val="000000"/>
-                </a:solidFill>
-              </a:rPr>
-              <a:t>?</a:t>
-            </a:r>
-          </a:p>
-        </p:txBody>
-      </p:sp>
-      <p:sp>
-        <p:nvSpPr>
-          <p:cNvPr id="35" name="TextBox 34"/>
-          <p:cNvSpPr txBox="1"/>
-          <p:nvPr/>
-        </p:nvSpPr>
-        <p:spPr>
-          <a:xfrm>
-            <a:off x="4263677" y="2889919"/>
-            <a:ext cx="351043" cy="523216"/>
-          </a:xfrm>
-          <a:prstGeom prst="rect">
-            <a:avLst/>
-          </a:prstGeom>
-          <a:noFill/>
-        </p:spPr>
-        <p:txBody>
-          <a:bodyPr wrap="none" lIns="91435" tIns="45718" rIns="91435" bIns="45718" rtlCol="0">
-            <a:spAutoFit/>
-          </a:bodyPr>
-          <a:lstStyle/>
-          <a:p>
-            <a:r>
-              <a:rPr lang="en-US" sz="2800" dirty="0"/>
-              <a:t>?</a:t>
-            </a:r>
-          </a:p>
-        </p:txBody>
-      </p:sp>
-      <p:sp>
-        <p:nvSpPr>
-          <p:cNvPr id="18" name="Title 1"/>
-          <p:cNvSpPr>
-            <a:spLocks noGrp="1"/>
-          </p:cNvSpPr>
-          <p:nvPr>
-            <p:ph type="title"/>
-          </p:nvPr>
-        </p:nvSpPr>
-        <p:spPr>
-          <a:xfrm>
-            <a:off x="628650" y="365126"/>
-            <a:ext cx="7886700" cy="1325563"/>
-          </a:xfrm>
-        </p:spPr>
-        <p:txBody>
-          <a:bodyPr/>
-          <a:lstStyle/>
-          <a:p>
-            <a:r>
               <a:rPr lang="en-US" dirty="0" smtClean="0">
                 <a:latin typeface="Avenir Book" charset="0"/>
                 <a:ea typeface="Avenir Book" charset="0"/>
                 <a:cs typeface="Avenir Book" charset="0"/>
               </a:rPr>
-              <a:t>The word learning problem</a:t>
+              <a:t>Hypothesis: </a:t>
+            </a:r>
+            <a:br>
+              <a:rPr lang="en-US" dirty="0" smtClean="0">
+                <a:latin typeface="Avenir Book" charset="0"/>
+                <a:ea typeface="Avenir Book" charset="0"/>
+                <a:cs typeface="Avenir Book" charset="0"/>
+              </a:rPr>
+            </a:br>
+            <a:r>
+              <a:rPr lang="en-US" dirty="0">
+                <a:latin typeface="Avenir Book" charset="0"/>
+                <a:ea typeface="Avenir Book" charset="0"/>
+                <a:cs typeface="Avenir Book" charset="0"/>
+              </a:rPr>
+              <a:t/>
+            </a:r>
+            <a:br>
+              <a:rPr lang="en-US" dirty="0">
+                <a:latin typeface="Avenir Book" charset="0"/>
+                <a:ea typeface="Avenir Book" charset="0"/>
+                <a:cs typeface="Avenir Book" charset="0"/>
+              </a:rPr>
+            </a:br>
+            <a:r>
+              <a:rPr lang="en-US" dirty="0" smtClean="0">
+                <a:latin typeface="Avenir Book" charset="0"/>
+                <a:ea typeface="Avenir Book" charset="0"/>
+                <a:cs typeface="Avenir Book" charset="0"/>
+              </a:rPr>
+              <a:t>Some words are more helpful for learning new words than others</a:t>
             </a:r>
             <a:endParaRPr lang="en-US" dirty="0">
               <a:latin typeface="Avenir Book" charset="0"/>
@@ -5037,48 +6517,10 @@
           </a:p>
         </p:txBody>
       </p:sp>
-      <p:sp>
-        <p:nvSpPr>
-          <p:cNvPr id="2" name="TextBox 1"/>
-          <p:cNvSpPr txBox="1"/>
-          <p:nvPr/>
-        </p:nvSpPr>
-        <p:spPr>
-          <a:xfrm>
-            <a:off x="6344355" y="6355318"/>
-            <a:ext cx="2504212" cy="369332"/>
-          </a:xfrm>
-          <a:prstGeom prst="rect">
-            <a:avLst/>
-          </a:prstGeom>
-          <a:noFill/>
-        </p:spPr>
-        <p:txBody>
-          <a:bodyPr wrap="none" rtlCol="0">
-            <a:spAutoFit/>
-          </a:bodyPr>
-          <a:lstStyle/>
-          <a:p>
-            <a:r>
-              <a:rPr lang="en-US" dirty="0" smtClean="0">
-                <a:latin typeface="Avenir Book" charset="0"/>
-                <a:ea typeface="Avenir Book" charset="0"/>
-                <a:cs typeface="Avenir Book" charset="0"/>
-              </a:rPr>
-              <a:t>(Lewis &amp; Frank, 2013b)</a:t>
-            </a:r>
-            <a:endParaRPr lang="en-US" dirty="0">
-              <a:latin typeface="Avenir Book" charset="0"/>
-              <a:ea typeface="Avenir Book" charset="0"/>
-              <a:cs typeface="Avenir Book" charset="0"/>
-            </a:endParaRPr>
-          </a:p>
-        </p:txBody>
-      </p:sp>
     </p:spTree>
     <p:extLst>
       <p:ext uri="{BB962C8B-B14F-4D97-AF65-F5344CB8AC3E}">
-        <p14:creationId xmlns:p14="http://schemas.microsoft.com/office/powerpoint/2010/main" val="159093046"/>
+        <p14:creationId xmlns:p14="http://schemas.microsoft.com/office/powerpoint/2010/main" val="497560468"/>
       </p:ext>
     </p:extLst>
   </p:cSld>
@@ -5125,41 +6567,27 @@
         <p:spPr/>
         <p:txBody>
           <a:bodyPr>
-            <a:normAutofit fontScale="90000"/>
-          </a:bodyPr>
-          <a:lstStyle/>
-          <a:p>
-            <a:r>
-              <a:rPr lang="en-US" dirty="0" smtClean="0"/>
-              <a:t>Hypothesis: Some words are more helpful for learning new words than others</a:t>
-            </a:r>
-            <a:endParaRPr lang="en-US" dirty="0"/>
-          </a:p>
-        </p:txBody>
-      </p:sp>
-      <p:sp>
-        <p:nvSpPr>
-          <p:cNvPr id="3" name="Content Placeholder 2"/>
-          <p:cNvSpPr>
-            <a:spLocks noGrp="1"/>
-          </p:cNvSpPr>
-          <p:nvPr>
-            <p:ph idx="1"/>
-          </p:nvPr>
-        </p:nvSpPr>
-        <p:spPr>
-          <a:xfrm>
-            <a:off x="628650" y="3771899"/>
-            <a:ext cx="7886700" cy="2815167"/>
-          </a:xfrm>
-        </p:spPr>
-        <p:txBody>
-          <a:bodyPr>
             <a:normAutofit/>
           </a:bodyPr>
           <a:lstStyle/>
           <a:p>
-            <a:endParaRPr lang="en-US" dirty="0">
+            <a:r>
+              <a:rPr lang="en-US" sz="3200" dirty="0" err="1" smtClean="0">
+                <a:latin typeface="Avenir Book" charset="0"/>
+                <a:ea typeface="Avenir Book" charset="0"/>
+                <a:cs typeface="Avenir Book" charset="0"/>
+              </a:rPr>
+              <a:t>Beckage</a:t>
+            </a:r>
+            <a:r>
+              <a:rPr lang="en-US" sz="3200" dirty="0" smtClean="0">
+                <a:latin typeface="Avenir Book" charset="0"/>
+                <a:ea typeface="Avenir Book" charset="0"/>
+                <a:cs typeface="Avenir Book" charset="0"/>
+              </a:rPr>
+              <a:t>, Hills, Smith, 2011</a:t>
+            </a:r>
+            <a:endParaRPr lang="en-US" sz="3200" dirty="0">
               <a:latin typeface="Avenir Book" charset="0"/>
               <a:ea typeface="Avenir Book" charset="0"/>
               <a:cs typeface="Avenir Book" charset="0"/>
@@ -5167,23 +6595,186 @@
           </a:p>
         </p:txBody>
       </p:sp>
+      <p:sp>
+        <p:nvSpPr>
+          <p:cNvPr id="3" name="Content Placeholder 2"/>
+          <p:cNvSpPr>
+            <a:spLocks noGrp="1"/>
+          </p:cNvSpPr>
+          <p:nvPr>
+            <p:ph idx="1"/>
+          </p:nvPr>
+        </p:nvSpPr>
+        <p:spPr>
+          <a:xfrm>
+            <a:off x="628650" y="1690689"/>
+            <a:ext cx="8343900" cy="4803775"/>
+          </a:xfrm>
+        </p:spPr>
+        <p:txBody>
+          <a:bodyPr>
+            <a:normAutofit lnSpcReduction="10000"/>
+          </a:bodyPr>
+          <a:lstStyle/>
+          <a:p>
+            <a:r>
+              <a:rPr lang="en-US" dirty="0" smtClean="0">
+                <a:latin typeface="Avenir Book" charset="0"/>
+                <a:ea typeface="Avenir Book" charset="0"/>
+                <a:cs typeface="Avenir Book" charset="0"/>
+              </a:rPr>
+              <a:t>Compared children with small and large vocabularies, given their age</a:t>
+            </a:r>
+          </a:p>
+          <a:p>
+            <a:r>
+              <a:rPr lang="en-US" dirty="0" smtClean="0">
+                <a:latin typeface="Avenir Book" charset="0"/>
+                <a:ea typeface="Avenir Book" charset="0"/>
+                <a:cs typeface="Avenir Book" charset="0"/>
+              </a:rPr>
+              <a:t>Built network of each child’s vocab</a:t>
+            </a:r>
+          </a:p>
+          <a:p>
+            <a:r>
+              <a:rPr lang="en-US" dirty="0" smtClean="0">
+                <a:latin typeface="Avenir Book" charset="0"/>
+                <a:ea typeface="Avenir Book" charset="0"/>
+                <a:cs typeface="Avenir Book" charset="0"/>
+              </a:rPr>
+              <a:t>Nodes = words</a:t>
+            </a:r>
+          </a:p>
+          <a:p>
+            <a:r>
+              <a:rPr lang="en-US" dirty="0" smtClean="0">
+                <a:latin typeface="Avenir Book" charset="0"/>
+                <a:ea typeface="Avenir Book" charset="0"/>
+                <a:cs typeface="Avenir Book" charset="0"/>
+              </a:rPr>
+              <a:t>Links = likelihood of two words co-occurring in speech two child</a:t>
+            </a:r>
+            <a:r>
+              <a:rPr lang="en-US" dirty="0">
+                <a:latin typeface="Avenir Book" charset="0"/>
+                <a:ea typeface="Avenir Book" charset="0"/>
+                <a:cs typeface="Avenir Book" charset="0"/>
+              </a:rPr>
+              <a:t> </a:t>
+            </a:r>
+            <a:r>
+              <a:rPr lang="en-US" dirty="0" smtClean="0">
+                <a:latin typeface="Avenir Book" charset="0"/>
+                <a:ea typeface="Avenir Book" charset="0"/>
+                <a:cs typeface="Avenir Book" charset="0"/>
+              </a:rPr>
+              <a:t>(link if in top 5)</a:t>
+            </a:r>
+          </a:p>
+          <a:p>
+            <a:r>
+              <a:rPr lang="en-US" dirty="0" smtClean="0">
+                <a:latin typeface="Avenir Book" charset="0"/>
+                <a:ea typeface="Avenir Book" charset="0"/>
+                <a:cs typeface="Avenir Book" charset="0"/>
+              </a:rPr>
+              <a:t>Network statistics:</a:t>
+            </a:r>
+          </a:p>
+          <a:p>
+            <a:pPr lvl="1"/>
+            <a:r>
+              <a:rPr lang="en-US" dirty="0" smtClean="0">
+                <a:latin typeface="Avenir Book" charset="0"/>
+                <a:ea typeface="Avenir Book" charset="0"/>
+                <a:cs typeface="Avenir Book" charset="0"/>
+              </a:rPr>
+              <a:t>In degree </a:t>
+            </a:r>
+            <a:r>
+              <a:rPr lang="mr-IN" dirty="0" smtClean="0">
+                <a:latin typeface="Avenir Book" charset="0"/>
+                <a:ea typeface="Avenir Book" charset="0"/>
+                <a:cs typeface="Avenir Book" charset="0"/>
+              </a:rPr>
+              <a:t>–</a:t>
+            </a:r>
+            <a:r>
+              <a:rPr lang="en-US" dirty="0" smtClean="0">
+                <a:latin typeface="Avenir Book" charset="0"/>
+                <a:ea typeface="Avenir Book" charset="0"/>
+                <a:cs typeface="Avenir Book" charset="0"/>
+              </a:rPr>
+              <a:t> mean number of edges pointing toward a node</a:t>
+            </a:r>
+          </a:p>
+          <a:p>
+            <a:pPr lvl="1"/>
+            <a:r>
+              <a:rPr lang="en-US" dirty="0" smtClean="0">
+                <a:latin typeface="Avenir Book" charset="0"/>
+                <a:ea typeface="Avenir Book" charset="0"/>
+                <a:cs typeface="Avenir Book" charset="0"/>
+              </a:rPr>
+              <a:t>Clustering </a:t>
+            </a:r>
+            <a:r>
+              <a:rPr lang="mr-IN" dirty="0" smtClean="0">
+                <a:latin typeface="Avenir Book" charset="0"/>
+                <a:ea typeface="Avenir Book" charset="0"/>
+                <a:cs typeface="Avenir Book" charset="0"/>
+              </a:rPr>
+              <a:t>–</a:t>
+            </a:r>
+            <a:r>
+              <a:rPr lang="en-US" dirty="0" smtClean="0">
+                <a:latin typeface="Avenir Book" charset="0"/>
+                <a:ea typeface="Avenir Book" charset="0"/>
+                <a:cs typeface="Avenir Book" charset="0"/>
+              </a:rPr>
+              <a:t> proportion connection of nodes </a:t>
+            </a:r>
+          </a:p>
+          <a:p>
+            <a:pPr lvl="1"/>
+            <a:r>
+              <a:rPr lang="en-US" dirty="0" smtClean="0">
+                <a:latin typeface="Avenir Book" charset="0"/>
+                <a:ea typeface="Avenir Book" charset="0"/>
+                <a:cs typeface="Avenir Book" charset="0"/>
+              </a:rPr>
+              <a:t>Geodesic distance </a:t>
+            </a:r>
+            <a:r>
+              <a:rPr lang="mr-IN" dirty="0" smtClean="0">
+                <a:latin typeface="Avenir Book" charset="0"/>
+                <a:ea typeface="Avenir Book" charset="0"/>
+                <a:cs typeface="Avenir Book" charset="0"/>
+              </a:rPr>
+              <a:t>–</a:t>
+            </a:r>
+            <a:r>
+              <a:rPr lang="en-US" dirty="0" smtClean="0">
+                <a:latin typeface="Avenir Book" charset="0"/>
+                <a:ea typeface="Avenir Book" charset="0"/>
+                <a:cs typeface="Avenir Book" charset="0"/>
+              </a:rPr>
+              <a:t> mean shortest path between two nodes</a:t>
+            </a:r>
+          </a:p>
+        </p:txBody>
+      </p:sp>
     </p:spTree>
     <p:extLst>
       <p:ext uri="{BB962C8B-B14F-4D97-AF65-F5344CB8AC3E}">
-        <p14:creationId xmlns:p14="http://schemas.microsoft.com/office/powerpoint/2010/main" val="497560468"/>
+        <p14:creationId xmlns:p14="http://schemas.microsoft.com/office/powerpoint/2010/main" val="209435911"/>
       </p:ext>
     </p:extLst>
   </p:cSld>
   <p:clrMapOvr>
     <a:masterClrMapping/>
   </p:clrMapOvr>
-  <p:timing>
-    <p:tnLst>
-      <p:par>
-        <p:cTn id="1" dur="indefinite" restart="never" nodeType="tmRoot"/>
-      </p:par>
-    </p:tnLst>
-  </p:timing>
 </p:sld>
 </file>
 
@@ -5204,88 +6795,46 @@
           <a:chExt cx="0" cy="0"/>
         </a:xfrm>
       </p:grpSpPr>
-      <p:sp>
-        <p:nvSpPr>
-          <p:cNvPr id="2" name="Title 1"/>
-          <p:cNvSpPr>
-            <a:spLocks noGrp="1"/>
-          </p:cNvSpPr>
-          <p:nvPr>
-            <p:ph type="title"/>
-          </p:nvPr>
-        </p:nvSpPr>
-        <p:spPr/>
-        <p:txBody>
-          <a:bodyPr/>
-          <a:lstStyle/>
-          <a:p>
-            <a:r>
-              <a:rPr lang="en-US" dirty="0" err="1" smtClean="0"/>
-              <a:t>Borovsky</a:t>
-            </a:r>
-            <a:r>
-              <a:rPr lang="en-US" dirty="0" smtClean="0"/>
-              <a:t>, 2015, </a:t>
-            </a:r>
-            <a:r>
-              <a:rPr lang="en-US" dirty="0" err="1" smtClean="0"/>
-              <a:t>Beckage</a:t>
-            </a:r>
-            <a:endParaRPr lang="en-US" dirty="0"/>
-          </a:p>
-        </p:txBody>
-      </p:sp>
-      <p:sp>
-        <p:nvSpPr>
-          <p:cNvPr id="3" name="Content Placeholder 2"/>
-          <p:cNvSpPr>
-            <a:spLocks noGrp="1"/>
-          </p:cNvSpPr>
-          <p:nvPr>
-            <p:ph idx="1"/>
-          </p:nvPr>
-        </p:nvSpPr>
-        <p:spPr/>
-        <p:txBody>
-          <a:bodyPr/>
-          <a:lstStyle/>
-          <a:p>
-            <a:r>
-              <a:rPr lang="en-US" dirty="0" err="1" smtClean="0"/>
-              <a:t>Familarity</a:t>
-            </a:r>
-            <a:r>
-              <a:rPr lang="en-US" dirty="0" smtClean="0"/>
-              <a:t>, </a:t>
-            </a:r>
-            <a:r>
-              <a:rPr lang="en-US" dirty="0" err="1" smtClean="0"/>
-              <a:t>imageability</a:t>
-            </a:r>
-            <a:endParaRPr lang="en-US" dirty="0" smtClean="0"/>
-          </a:p>
-          <a:p>
-            <a:endParaRPr lang="en-US" dirty="0"/>
-          </a:p>
-        </p:txBody>
-      </p:sp>
+      <p:pic>
+        <p:nvPicPr>
+          <p:cNvPr id="4" name="Picture 3"/>
+          <p:cNvPicPr>
+            <a:picLocks noChangeAspect="1"/>
+          </p:cNvPicPr>
+          <p:nvPr/>
+        </p:nvPicPr>
+        <p:blipFill>
+          <a:blip r:embed="rId3">
+            <a:extLst>
+              <a:ext uri="{28A0092B-C50C-407E-A947-70E740481C1C}">
+                <a14:useLocalDpi xmlns:a14="http://schemas.microsoft.com/office/drawing/2010/main" val="0"/>
+              </a:ext>
+            </a:extLst>
+          </a:blip>
+          <a:stretch>
+            <a:fillRect/>
+          </a:stretch>
+        </p:blipFill>
+        <p:spPr>
+          <a:xfrm>
+            <a:off x="203200" y="355600"/>
+            <a:ext cx="8737600" cy="6146800"/>
+          </a:xfrm>
+          <a:prstGeom prst="rect">
+            <a:avLst/>
+          </a:prstGeom>
+        </p:spPr>
+      </p:pic>
     </p:spTree>
     <p:extLst>
       <p:ext uri="{BB962C8B-B14F-4D97-AF65-F5344CB8AC3E}">
-        <p14:creationId xmlns:p14="http://schemas.microsoft.com/office/powerpoint/2010/main" val="1454738612"/>
+        <p14:creationId xmlns:p14="http://schemas.microsoft.com/office/powerpoint/2010/main" val="271318249"/>
       </p:ext>
     </p:extLst>
   </p:cSld>
   <p:clrMapOvr>
     <a:masterClrMapping/>
   </p:clrMapOvr>
-  <p:timing>
-    <p:tnLst>
-      <p:par>
-        <p:cTn id="1" dur="indefinite" restart="never" nodeType="tmRoot"/>
-      </p:par>
-    </p:tnLst>
-  </p:timing>
 </p:sld>
 </file>
 
@@ -5319,7 +6868,7 @@
         <p:spPr/>
         <p:txBody>
           <a:bodyPr>
-            <a:noAutofit/>
+            <a:normAutofit/>
           </a:bodyPr>
           <a:lstStyle/>
           <a:p>
@@ -5337,23 +6886,7 @@
                 <a:ea typeface="Avenir Book" charset="0"/>
                 <a:cs typeface="Avenir Book" charset="0"/>
               </a:rPr>
-              <a:t> and </a:t>
-            </a:r>
-            <a:r>
-              <a:rPr lang="en-US" sz="3200" dirty="0" err="1" smtClean="0">
-                <a:latin typeface="Avenir Book" charset="0"/>
-                <a:ea typeface="Avenir Book" charset="0"/>
-                <a:cs typeface="Avenir Book" charset="0"/>
-              </a:rPr>
-              <a:t>Colugna</a:t>
-            </a:r>
-            <a:r>
-              <a:rPr lang="en-US" sz="3200" dirty="0" smtClean="0">
-                <a:latin typeface="Avenir Book" charset="0"/>
-                <a:ea typeface="Avenir Book" charset="0"/>
-                <a:cs typeface="Avenir Book" charset="0"/>
-              </a:rPr>
-              <a:t>, 2013</a:t>
+              <a:t>, Hills, and Smith, 2011</a:t>
             </a:r>
             <a:endParaRPr lang="en-US" sz="3200" dirty="0">
               <a:latin typeface="Avenir Book" charset="0"/>
@@ -5375,12 +6908,14 @@
         </p:nvSpPr>
         <p:spPr>
           <a:xfrm>
-            <a:off x="628650" y="1825625"/>
-            <a:ext cx="7886700" cy="1851025"/>
-          </a:xfrm>
-        </p:spPr>
-        <p:txBody>
-          <a:bodyPr/>
+            <a:off x="628650" y="1690689"/>
+            <a:ext cx="8343900" cy="4803775"/>
+          </a:xfrm>
+        </p:spPr>
+        <p:txBody>
+          <a:bodyPr>
+            <a:normAutofit/>
+          </a:bodyPr>
           <a:lstStyle/>
           <a:p>
             <a:r>
@@ -5389,7 +6924,7 @@
                 <a:ea typeface="Avenir Book" charset="0"/>
                 <a:cs typeface="Avenir Book" charset="0"/>
               </a:rPr>
-              <a:t>How do you predict what words a child will know at a given age?</a:t>
+              <a:t>Late talks know “odd ball” words</a:t>
             </a:r>
           </a:p>
           <a:p>
@@ -5399,201 +6934,43 @@
                 <a:ea typeface="Avenir Book" charset="0"/>
                 <a:cs typeface="Avenir Book" charset="0"/>
               </a:rPr>
-              <a:t>Null model: What proportion of the population know a word, given their age?</a:t>
-            </a:r>
-            <a:endParaRPr lang="en-US" dirty="0">
-              <a:latin typeface="Avenir Book" charset="0"/>
-              <a:ea typeface="Avenir Book" charset="0"/>
-              <a:cs typeface="Avenir Book" charset="0"/>
-            </a:endParaRPr>
-          </a:p>
-        </p:txBody>
-      </p:sp>
-      <p:sp>
-        <p:nvSpPr>
-          <p:cNvPr id="7" name="TextBox 6"/>
-          <p:cNvSpPr txBox="1"/>
-          <p:nvPr/>
-        </p:nvSpPr>
-        <p:spPr>
-          <a:xfrm>
-            <a:off x="1768179" y="6043227"/>
-            <a:ext cx="1635384" cy="461665"/>
-          </a:xfrm>
-          <a:prstGeom prst="rect">
-            <a:avLst/>
-          </a:prstGeom>
-          <a:noFill/>
-        </p:spPr>
-        <p:txBody>
-          <a:bodyPr wrap="none" rtlCol="0">
-            <a:spAutoFit/>
-          </a:bodyPr>
-          <a:lstStyle/>
-          <a:p>
-            <a:r>
-              <a:rPr lang="en-US" sz="2400" dirty="0" smtClean="0">
-                <a:latin typeface="Avenir Book" charset="0"/>
-                <a:ea typeface="Avenir Book" charset="0"/>
-                <a:cs typeface="Avenir Book" charset="0"/>
-              </a:rPr>
-              <a:t>16 months</a:t>
-            </a:r>
-            <a:endParaRPr lang="en-US" sz="2400" dirty="0">
-              <a:latin typeface="Avenir Book" charset="0"/>
-              <a:ea typeface="Avenir Book" charset="0"/>
-              <a:cs typeface="Avenir Book" charset="0"/>
-            </a:endParaRPr>
-          </a:p>
-        </p:txBody>
-      </p:sp>
-      <p:sp>
-        <p:nvSpPr>
-          <p:cNvPr id="8" name="TextBox 7"/>
-          <p:cNvSpPr txBox="1"/>
-          <p:nvPr/>
-        </p:nvSpPr>
-        <p:spPr>
-          <a:xfrm>
-            <a:off x="3730167" y="3982300"/>
-            <a:ext cx="1436612" cy="523220"/>
-          </a:xfrm>
-          <a:prstGeom prst="rect">
-            <a:avLst/>
-          </a:prstGeom>
-          <a:noFill/>
-        </p:spPr>
-        <p:txBody>
-          <a:bodyPr wrap="none" rtlCol="0">
-            <a:spAutoFit/>
-          </a:bodyPr>
-          <a:lstStyle/>
-          <a:p>
-            <a:r>
-              <a:rPr lang="en-US" sz="2800" dirty="0" smtClean="0">
-                <a:latin typeface="Avenir Book" charset="0"/>
-                <a:ea typeface="Avenir Book" charset="0"/>
-                <a:cs typeface="Avenir Book" charset="0"/>
-              </a:rPr>
-              <a:t>“blue”?</a:t>
-            </a:r>
-            <a:endParaRPr lang="en-US" sz="2800" dirty="0">
-              <a:latin typeface="Avenir Book" charset="0"/>
-              <a:ea typeface="Avenir Book" charset="0"/>
-              <a:cs typeface="Avenir Book" charset="0"/>
-            </a:endParaRPr>
-          </a:p>
-        </p:txBody>
-      </p:sp>
-      <p:sp>
-        <p:nvSpPr>
-          <p:cNvPr id="9" name="TextBox 8"/>
-          <p:cNvSpPr txBox="1"/>
-          <p:nvPr/>
-        </p:nvSpPr>
-        <p:spPr>
-          <a:xfrm>
-            <a:off x="3730167" y="5107633"/>
-            <a:ext cx="5203669" cy="830997"/>
-          </a:xfrm>
-          <a:prstGeom prst="rect">
-            <a:avLst/>
-          </a:prstGeom>
-          <a:noFill/>
-        </p:spPr>
-        <p:txBody>
-          <a:bodyPr wrap="none" rtlCol="0">
-            <a:spAutoFit/>
-          </a:bodyPr>
-          <a:lstStyle/>
-          <a:p>
-            <a:r>
-              <a:rPr lang="en-US" sz="2400" dirty="0" smtClean="0">
-                <a:latin typeface="Avenir Book" charset="0"/>
-                <a:ea typeface="Avenir Book" charset="0"/>
-                <a:cs typeface="Avenir Book" charset="0"/>
-              </a:rPr>
-              <a:t>65% of 18 month olds know blue =&gt;</a:t>
-            </a:r>
-          </a:p>
-          <a:p>
-            <a:r>
-              <a:rPr lang="en-US" sz="2400" dirty="0" smtClean="0">
-                <a:latin typeface="Avenir Book" charset="0"/>
-                <a:ea typeface="Avenir Book" charset="0"/>
-                <a:cs typeface="Avenir Book" charset="0"/>
-              </a:rPr>
-              <a:t>P(Jane knows “blue”) = .65</a:t>
-            </a:r>
-            <a:endParaRPr lang="en-US" sz="2400" dirty="0">
-              <a:latin typeface="Avenir Book" charset="0"/>
-              <a:ea typeface="Avenir Book" charset="0"/>
-              <a:cs typeface="Avenir Book" charset="0"/>
-            </a:endParaRPr>
-          </a:p>
-        </p:txBody>
-      </p:sp>
-      <p:sp>
-        <p:nvSpPr>
-          <p:cNvPr id="10" name="TextBox 9"/>
-          <p:cNvSpPr txBox="1"/>
-          <p:nvPr/>
-        </p:nvSpPr>
-        <p:spPr>
-          <a:xfrm>
-            <a:off x="2167326" y="4013078"/>
-            <a:ext cx="837089" cy="461665"/>
-          </a:xfrm>
-          <a:prstGeom prst="rect">
-            <a:avLst/>
-          </a:prstGeom>
-          <a:noFill/>
-        </p:spPr>
-        <p:txBody>
-          <a:bodyPr wrap="none" rtlCol="0">
-            <a:spAutoFit/>
-          </a:bodyPr>
-          <a:lstStyle/>
-          <a:p>
-            <a:r>
-              <a:rPr lang="en-US" sz="2400" dirty="0" smtClean="0">
-                <a:latin typeface="Avenir Book" charset="0"/>
-                <a:ea typeface="Avenir Book" charset="0"/>
-                <a:cs typeface="Avenir Book" charset="0"/>
-              </a:rPr>
-              <a:t>Jane</a:t>
-            </a:r>
-          </a:p>
-        </p:txBody>
-      </p:sp>
-      <p:pic>
-        <p:nvPicPr>
-          <p:cNvPr id="11" name="Picture 10"/>
-          <p:cNvPicPr>
-            <a:picLocks noChangeAspect="1"/>
-          </p:cNvPicPr>
-          <p:nvPr/>
-        </p:nvPicPr>
-        <p:blipFill>
-          <a:blip r:embed="rId3"/>
-          <a:stretch>
-            <a:fillRect/>
-          </a:stretch>
-        </p:blipFill>
-        <p:spPr>
-          <a:xfrm>
-            <a:off x="2094701" y="4546939"/>
-            <a:ext cx="982341" cy="1357789"/>
-          </a:xfrm>
-          <a:prstGeom prst="rect">
-            <a:avLst/>
-          </a:prstGeom>
-        </p:spPr>
-      </p:pic>
+              <a:t>Perhaps there’s a causal link between current vocab and learning new words</a:t>
+            </a:r>
+          </a:p>
+          <a:p>
+            <a:r>
+              <a:rPr lang="en-US" dirty="0" smtClean="0">
+                <a:latin typeface="Avenir Book" charset="0"/>
+                <a:ea typeface="Avenir Book" charset="0"/>
+                <a:cs typeface="Avenir Book" charset="0"/>
+              </a:rPr>
+              <a:t>That is, LT have trouble </a:t>
+            </a:r>
+            <a:r>
+              <a:rPr lang="en-US" dirty="0">
+                <a:latin typeface="Avenir Book" charset="0"/>
+                <a:ea typeface="Avenir Book" charset="0"/>
+                <a:cs typeface="Avenir Book" charset="0"/>
+              </a:rPr>
+              <a:t>learning new words because of the weird structure of words they already know </a:t>
+            </a:r>
+          </a:p>
+          <a:p>
+            <a:r>
+              <a:rPr lang="en-US" dirty="0" smtClean="0">
+                <a:latin typeface="Avenir Book" charset="0"/>
+                <a:ea typeface="Avenir Book" charset="0"/>
+                <a:cs typeface="Avenir Book" charset="0"/>
+              </a:rPr>
+              <a:t>If true, we should be able to predict how many words a child will know in the future, based on the words they already know</a:t>
+            </a:r>
+          </a:p>
+        </p:txBody>
+      </p:sp>
     </p:spTree>
     <p:extLst>
       <p:ext uri="{BB962C8B-B14F-4D97-AF65-F5344CB8AC3E}">
-        <p14:creationId xmlns:p14="http://schemas.microsoft.com/office/powerpoint/2010/main" val="1973423435"/>
+        <p14:creationId xmlns:p14="http://schemas.microsoft.com/office/powerpoint/2010/main" val="1899185241"/>
       </p:ext>
     </p:extLst>
   </p:cSld>
@@ -5622,13 +6999,116 @@
       </p:grpSpPr>
       <p:sp>
         <p:nvSpPr>
-          <p:cNvPr id="4" name="TextBox 3"/>
+          <p:cNvPr id="2" name="Title 1"/>
+          <p:cNvSpPr>
+            <a:spLocks noGrp="1"/>
+          </p:cNvSpPr>
+          <p:nvPr>
+            <p:ph type="title"/>
+          </p:nvPr>
+        </p:nvSpPr>
+        <p:spPr/>
+        <p:txBody>
+          <a:bodyPr>
+            <a:noAutofit/>
+          </a:bodyPr>
+          <a:lstStyle/>
+          <a:p>
+            <a:r>
+              <a:rPr lang="en-US" sz="3200" dirty="0" err="1" smtClean="0">
+                <a:latin typeface="Avenir Book" charset="0"/>
+                <a:ea typeface="Avenir Book" charset="0"/>
+                <a:cs typeface="Avenir Book" charset="0"/>
+              </a:rPr>
+              <a:t>Beckage</a:t>
+            </a:r>
+            <a:r>
+              <a:rPr lang="en-US" sz="3200" dirty="0" smtClean="0">
+                <a:latin typeface="Avenir Book" charset="0"/>
+                <a:ea typeface="Avenir Book" charset="0"/>
+                <a:cs typeface="Avenir Book" charset="0"/>
+              </a:rPr>
+              <a:t> and </a:t>
+            </a:r>
+            <a:r>
+              <a:rPr lang="en-US" sz="3200" dirty="0" err="1" smtClean="0">
+                <a:latin typeface="Avenir Book" charset="0"/>
+                <a:ea typeface="Avenir Book" charset="0"/>
+                <a:cs typeface="Avenir Book" charset="0"/>
+              </a:rPr>
+              <a:t>Colugna</a:t>
+            </a:r>
+            <a:r>
+              <a:rPr lang="en-US" sz="3200" dirty="0" smtClean="0">
+                <a:latin typeface="Avenir Book" charset="0"/>
+                <a:ea typeface="Avenir Book" charset="0"/>
+                <a:cs typeface="Avenir Book" charset="0"/>
+              </a:rPr>
+              <a:t>, 2013</a:t>
+            </a:r>
+            <a:endParaRPr lang="en-US" sz="3200" dirty="0">
+              <a:latin typeface="Avenir Book" charset="0"/>
+              <a:ea typeface="Avenir Book" charset="0"/>
+              <a:cs typeface="Avenir Book" charset="0"/>
+            </a:endParaRPr>
+          </a:p>
+        </p:txBody>
+      </p:sp>
+      <p:sp>
+        <p:nvSpPr>
+          <p:cNvPr id="3" name="Content Placeholder 2"/>
+          <p:cNvSpPr>
+            <a:spLocks noGrp="1"/>
+          </p:cNvSpPr>
+          <p:nvPr>
+            <p:ph idx="1"/>
+          </p:nvPr>
+        </p:nvSpPr>
+        <p:spPr>
+          <a:xfrm>
+            <a:off x="628650" y="1825625"/>
+            <a:ext cx="7886700" cy="1851025"/>
+          </a:xfrm>
+        </p:spPr>
+        <p:txBody>
+          <a:bodyPr/>
+          <a:lstStyle/>
+          <a:p>
+            <a:r>
+              <a:rPr lang="en-US" dirty="0" smtClean="0">
+                <a:latin typeface="Avenir Book" charset="0"/>
+                <a:ea typeface="Avenir Book" charset="0"/>
+                <a:cs typeface="Avenir Book" charset="0"/>
+              </a:rPr>
+              <a:t>Can you predict what words a child will know at a given age?</a:t>
+            </a:r>
+          </a:p>
+          <a:p>
+            <a:r>
+              <a:rPr lang="en-US" dirty="0" smtClean="0">
+                <a:latin typeface="Avenir Book" charset="0"/>
+                <a:ea typeface="Avenir Book" charset="0"/>
+                <a:cs typeface="Avenir Book" charset="0"/>
+              </a:rPr>
+              <a:t>Null model: What proportion of the population know a word, given their age?</a:t>
+            </a:r>
+            <a:endParaRPr lang="en-US" dirty="0">
+              <a:latin typeface="Avenir Book" charset="0"/>
+              <a:ea typeface="Avenir Book" charset="0"/>
+              <a:cs typeface="Avenir Book" charset="0"/>
+            </a:endParaRPr>
+          </a:p>
+        </p:txBody>
+      </p:sp>
+      <p:sp>
+        <p:nvSpPr>
+          <p:cNvPr id="7" name="TextBox 6"/>
           <p:cNvSpPr txBox="1"/>
           <p:nvPr/>
         </p:nvSpPr>
         <p:spPr>
           <a:xfrm>
-            <a:off x="2225379" y="5814627"/>
+            <a:off x="1768179" y="6043227"/>
             <a:ext cx="1635384" cy="461665"/>
           </a:xfrm>
           <a:prstGeom prst="rect">
@@ -5643,14 +7123,14 @@
           <a:lstStyle/>
           <a:p>
             <a:r>
-              <a:rPr lang="en-US" sz="2400" dirty="0" smtClean="0">
+              <a:rPr lang="en-US" sz="2400" b="1" dirty="0" smtClean="0">
                 <a:latin typeface="Avenir Book" charset="0"/>
                 <a:ea typeface="Avenir Book" charset="0"/>
                 <a:cs typeface="Avenir Book" charset="0"/>
               </a:rPr>
               <a:t>16 months</a:t>
             </a:r>
-            <a:endParaRPr lang="en-US" sz="2400" dirty="0">
+            <a:endParaRPr lang="en-US" sz="2400" b="1" dirty="0">
               <a:latin typeface="Avenir Book" charset="0"/>
               <a:ea typeface="Avenir Book" charset="0"/>
               <a:cs typeface="Avenir Book" charset="0"/>
@@ -5660,13 +7140,13 @@
       </p:sp>
       <p:sp>
         <p:nvSpPr>
-          <p:cNvPr id="5" name="TextBox 4"/>
+          <p:cNvPr id="8" name="TextBox 7"/>
           <p:cNvSpPr txBox="1"/>
           <p:nvPr/>
         </p:nvSpPr>
         <p:spPr>
           <a:xfrm>
-            <a:off x="4187367" y="3784478"/>
+            <a:off x="3730167" y="3982300"/>
             <a:ext cx="1436612" cy="523220"/>
           </a:xfrm>
           <a:prstGeom prst="rect">
@@ -5681,14 +7161,14 @@
           <a:lstStyle/>
           <a:p>
             <a:r>
-              <a:rPr lang="en-US" sz="2800" dirty="0" smtClean="0">
+              <a:rPr lang="en-US" sz="2800" b="1" dirty="0" smtClean="0">
                 <a:latin typeface="Avenir Book" charset="0"/>
                 <a:ea typeface="Avenir Book" charset="0"/>
                 <a:cs typeface="Avenir Book" charset="0"/>
               </a:rPr>
               <a:t>“blue”?</a:t>
             </a:r>
-            <a:endParaRPr lang="en-US" sz="2800" dirty="0">
+            <a:endParaRPr lang="en-US" sz="2800" b="1" dirty="0">
               <a:latin typeface="Avenir Book" charset="0"/>
               <a:ea typeface="Avenir Book" charset="0"/>
               <a:cs typeface="Avenir Book" charset="0"/>
@@ -5698,14 +7178,14 @@
       </p:sp>
       <p:sp>
         <p:nvSpPr>
-          <p:cNvPr id="6" name="TextBox 5"/>
+          <p:cNvPr id="9" name="TextBox 8"/>
           <p:cNvSpPr txBox="1"/>
           <p:nvPr/>
         </p:nvSpPr>
         <p:spPr>
           <a:xfrm>
-            <a:off x="4187367" y="4879033"/>
-            <a:ext cx="5601405" cy="1323439"/>
+            <a:off x="3730167" y="5107633"/>
+            <a:ext cx="5203669" cy="830997"/>
           </a:xfrm>
           <a:prstGeom prst="rect">
             <a:avLst/>
@@ -5719,81 +7199,40 @@
           <a:lstStyle/>
           <a:p>
             <a:r>
-              <a:rPr lang="en-US" sz="2000" dirty="0" smtClean="0">
-                <a:latin typeface="Avenir Book" charset="0"/>
-                <a:ea typeface="Avenir Book" charset="0"/>
-                <a:cs typeface="Avenir Book" charset="0"/>
-              </a:rPr>
-              <a:t>P(Jane knows “blue”|{”</a:t>
-            </a:r>
-            <a:r>
-              <a:rPr lang="en-US" sz="2000" dirty="0" err="1" smtClean="0">
-                <a:latin typeface="Avenir Book" charset="0"/>
-                <a:ea typeface="Avenir Book" charset="0"/>
-                <a:cs typeface="Avenir Book" charset="0"/>
-              </a:rPr>
-              <a:t>red”|”yellow</a:t>
-            </a:r>
-            <a:r>
-              <a:rPr lang="en-US" sz="2000" dirty="0" smtClean="0">
-                <a:latin typeface="Avenir Book" charset="0"/>
-                <a:ea typeface="Avenir Book" charset="0"/>
-                <a:cs typeface="Avenir Book" charset="0"/>
-              </a:rPr>
-              <a:t>”}) =</a:t>
-            </a:r>
-          </a:p>
-          <a:p>
-            <a:endParaRPr lang="en-US" sz="2000" dirty="0" smtClean="0">
+              <a:rPr lang="en-US" sz="2400" b="1" dirty="0" smtClean="0">
+                <a:latin typeface="Avenir Book" charset="0"/>
+                <a:ea typeface="Avenir Book" charset="0"/>
+                <a:cs typeface="Avenir Book" charset="0"/>
+              </a:rPr>
+              <a:t>65% of 18 month olds know blue =&gt;</a:t>
+            </a:r>
+          </a:p>
+          <a:p>
+            <a:r>
+              <a:rPr lang="en-US" sz="2400" b="1" dirty="0" smtClean="0">
+                <a:latin typeface="Avenir Book" charset="0"/>
+                <a:ea typeface="Avenir Book" charset="0"/>
+                <a:cs typeface="Avenir Book" charset="0"/>
+              </a:rPr>
+              <a:t>P(Jane knows “blue”) = .65</a:t>
+            </a:r>
+            <a:endParaRPr lang="en-US" sz="2400" b="1" dirty="0">
               <a:latin typeface="Avenir Book" charset="0"/>
               <a:ea typeface="Avenir Book" charset="0"/>
               <a:cs typeface="Avenir Book" charset="0"/>
             </a:endParaRPr>
           </a:p>
-          <a:p>
-            <a:r>
-              <a:rPr lang="en-US" sz="2000" dirty="0" smtClean="0">
-                <a:latin typeface="Avenir Book" charset="0"/>
-                <a:ea typeface="Avenir Book" charset="0"/>
-                <a:cs typeface="Avenir Book" charset="0"/>
-              </a:rPr>
-              <a:t>P(“</a:t>
-            </a:r>
-            <a:r>
-              <a:rPr lang="en-US" sz="2000" smtClean="0">
-                <a:latin typeface="Avenir Book" charset="0"/>
-                <a:ea typeface="Avenir Book" charset="0"/>
-                <a:cs typeface="Avenir Book" charset="0"/>
-              </a:rPr>
-              <a:t>blue” and “red</a:t>
-            </a:r>
-            <a:r>
-              <a:rPr lang="en-US" sz="2000" dirty="0" smtClean="0">
-                <a:latin typeface="Avenir Book" charset="0"/>
-                <a:ea typeface="Avenir Book" charset="0"/>
-                <a:cs typeface="Avenir Book" charset="0"/>
-              </a:rPr>
-              <a:t>”)   +  P(“blue” and “yellow”</a:t>
-            </a:r>
-          </a:p>
-          <a:p>
-            <a:endParaRPr lang="en-US" sz="2000" dirty="0">
-              <a:latin typeface="Avenir Book" charset="0"/>
-              <a:ea typeface="Avenir Book" charset="0"/>
-              <a:cs typeface="Avenir Book" charset="0"/>
-            </a:endParaRPr>
-          </a:p>
-        </p:txBody>
-      </p:sp>
-      <p:sp>
-        <p:nvSpPr>
-          <p:cNvPr id="7" name="TextBox 6"/>
+        </p:txBody>
+      </p:sp>
+      <p:sp>
+        <p:nvSpPr>
+          <p:cNvPr id="10" name="TextBox 9"/>
           <p:cNvSpPr txBox="1"/>
           <p:nvPr/>
         </p:nvSpPr>
         <p:spPr>
           <a:xfrm>
-            <a:off x="2624526" y="3784478"/>
+            <a:off x="2167326" y="4013078"/>
             <a:ext cx="837089" cy="461665"/>
           </a:xfrm>
           <a:prstGeom prst="rect">
@@ -5808,102 +7247,7 @@
           <a:lstStyle/>
           <a:p>
             <a:r>
-              <a:rPr lang="en-US" sz="2400" dirty="0" smtClean="0">
-                <a:latin typeface="Avenir Book" charset="0"/>
-                <a:ea typeface="Avenir Book" charset="0"/>
-                <a:cs typeface="Avenir Book" charset="0"/>
-              </a:rPr>
-              <a:t>Jane</a:t>
-            </a:r>
-          </a:p>
-        </p:txBody>
-      </p:sp>
-      <p:pic>
-        <p:nvPicPr>
-          <p:cNvPr id="8" name="Picture 7"/>
-          <p:cNvPicPr>
-            <a:picLocks noChangeAspect="1"/>
-          </p:cNvPicPr>
-          <p:nvPr/>
-        </p:nvPicPr>
-        <p:blipFill>
-          <a:blip r:embed="rId2"/>
-          <a:stretch>
-            <a:fillRect/>
-          </a:stretch>
-        </p:blipFill>
-        <p:spPr>
-          <a:xfrm>
-            <a:off x="2551901" y="4318339"/>
-            <a:ext cx="982341" cy="1357789"/>
-          </a:xfrm>
-          <a:prstGeom prst="rect">
-            <a:avLst/>
-          </a:prstGeom>
-        </p:spPr>
-      </p:pic>
-      <p:sp>
-        <p:nvSpPr>
-          <p:cNvPr id="9" name="TextBox 8"/>
-          <p:cNvSpPr txBox="1"/>
-          <p:nvPr/>
-        </p:nvSpPr>
-        <p:spPr>
-          <a:xfrm>
-            <a:off x="296005" y="5814627"/>
-            <a:ext cx="1635384" cy="461665"/>
-          </a:xfrm>
-          <a:prstGeom prst="rect">
-            <a:avLst/>
-          </a:prstGeom>
-          <a:noFill/>
-        </p:spPr>
-        <p:txBody>
-          <a:bodyPr wrap="none" rtlCol="0">
-            <a:spAutoFit/>
-          </a:bodyPr>
-          <a:lstStyle/>
-          <a:p>
-            <a:r>
-              <a:rPr lang="en-US" sz="2400" dirty="0" smtClean="0">
-                <a:latin typeface="Avenir Book" charset="0"/>
-                <a:ea typeface="Avenir Book" charset="0"/>
-                <a:cs typeface="Avenir Book" charset="0"/>
-              </a:rPr>
-              <a:t>15 months</a:t>
-            </a:r>
-            <a:endParaRPr lang="en-US" sz="2400" dirty="0">
-              <a:latin typeface="Avenir Book" charset="0"/>
-              <a:ea typeface="Avenir Book" charset="0"/>
-              <a:cs typeface="Avenir Book" charset="0"/>
-            </a:endParaRPr>
-          </a:p>
-        </p:txBody>
-      </p:sp>
-      <p:sp>
-        <p:nvSpPr>
-          <p:cNvPr id="10" name="TextBox 9"/>
-          <p:cNvSpPr txBox="1"/>
-          <p:nvPr/>
-        </p:nvSpPr>
-        <p:spPr>
-          <a:xfrm>
-            <a:off x="695152" y="3784478"/>
-            <a:ext cx="837089" cy="461665"/>
-          </a:xfrm>
-          <a:prstGeom prst="rect">
-            <a:avLst/>
-          </a:prstGeom>
-          <a:noFill/>
-        </p:spPr>
-        <p:txBody>
-          <a:bodyPr wrap="none" rtlCol="0">
-            <a:spAutoFit/>
-          </a:bodyPr>
-          <a:lstStyle/>
-          <a:p>
-            <a:r>
-              <a:rPr lang="en-US" sz="2400" dirty="0" smtClean="0">
+              <a:rPr lang="en-US" sz="2400" b="1" dirty="0" smtClean="0">
                 <a:latin typeface="Avenir Book" charset="0"/>
                 <a:ea typeface="Avenir Book" charset="0"/>
                 <a:cs typeface="Avenir Book" charset="0"/>
@@ -5922,61 +7266,25 @@
           <p:nvPr/>
         </p:nvPicPr>
         <p:blipFill>
-          <a:blip r:embed="rId2"/>
+          <a:blip r:embed="rId3"/>
           <a:stretch>
             <a:fillRect/>
           </a:stretch>
         </p:blipFill>
         <p:spPr>
           <a:xfrm>
-            <a:off x="802332" y="4667250"/>
-            <a:ext cx="729909" cy="1008878"/>
+            <a:off x="2094701" y="4546939"/>
+            <a:ext cx="982341" cy="1357789"/>
           </a:xfrm>
           <a:prstGeom prst="rect">
             <a:avLst/>
           </a:prstGeom>
         </p:spPr>
       </p:pic>
-      <p:sp>
-        <p:nvSpPr>
-          <p:cNvPr id="13" name="TextBox 12"/>
-          <p:cNvSpPr txBox="1"/>
-          <p:nvPr/>
-        </p:nvSpPr>
-        <p:spPr>
-          <a:xfrm>
-            <a:off x="617406" y="2782392"/>
-            <a:ext cx="992579" cy="646331"/>
-          </a:xfrm>
-          <a:prstGeom prst="rect">
-            <a:avLst/>
-          </a:prstGeom>
-          <a:noFill/>
-        </p:spPr>
-        <p:txBody>
-          <a:bodyPr wrap="none" rtlCol="0">
-            <a:spAutoFit/>
-          </a:bodyPr>
-          <a:lstStyle/>
-          <a:p>
-            <a:r>
-              <a:rPr lang="en-US" dirty="0" smtClean="0"/>
-              <a:t>“red”</a:t>
-            </a:r>
-          </a:p>
-          <a:p>
-            <a:r>
-              <a:rPr lang="en-US" dirty="0" smtClean="0"/>
-              <a:t>“yellow”</a:t>
-            </a:r>
-            <a:endParaRPr lang="en-US" dirty="0"/>
-          </a:p>
-        </p:txBody>
-      </p:sp>
     </p:spTree>
     <p:extLst>
       <p:ext uri="{BB962C8B-B14F-4D97-AF65-F5344CB8AC3E}">
-        <p14:creationId xmlns:p14="http://schemas.microsoft.com/office/powerpoint/2010/main" val="297567250"/>
+        <p14:creationId xmlns:p14="http://schemas.microsoft.com/office/powerpoint/2010/main" val="1973423435"/>
       </p:ext>
     </p:extLst>
   </p:cSld>
@@ -6005,78 +7313,568 @@
       </p:grpSpPr>
       <p:sp>
         <p:nvSpPr>
-          <p:cNvPr id="2" name="Title 1"/>
-          <p:cNvSpPr>
-            <a:spLocks noGrp="1"/>
-          </p:cNvSpPr>
-          <p:nvPr>
-            <p:ph type="title"/>
-          </p:nvPr>
-        </p:nvSpPr>
-        <p:spPr/>
-        <p:txBody>
-          <a:bodyPr/>
-          <a:lstStyle/>
-          <a:p>
-            <a:r>
-              <a:rPr lang="en-US" dirty="0" smtClean="0"/>
-              <a:t>What might these ”seed words” be?</a:t>
-            </a:r>
-            <a:endParaRPr lang="en-US" dirty="0"/>
-          </a:p>
-        </p:txBody>
-      </p:sp>
-      <p:sp>
-        <p:nvSpPr>
-          <p:cNvPr id="3" name="Content Placeholder 2"/>
-          <p:cNvSpPr>
-            <a:spLocks noGrp="1"/>
-          </p:cNvSpPr>
-          <p:nvPr>
-            <p:ph idx="1"/>
-          </p:nvPr>
-        </p:nvSpPr>
-        <p:spPr/>
-        <p:txBody>
-          <a:bodyPr/>
-          <a:lstStyle/>
-          <a:p>
-            <a:r>
-              <a:rPr lang="en-US" dirty="0" smtClean="0"/>
-              <a:t>Vincent </a:t>
-            </a:r>
-            <a:r>
-              <a:rPr lang="en-US" dirty="0" err="1" smtClean="0"/>
-              <a:t>Lamare</a:t>
-            </a:r>
-            <a:r>
-              <a:rPr lang="en-US" dirty="0" smtClean="0"/>
-              <a:t> 2016</a:t>
-            </a:r>
-            <a:endParaRPr lang="en-US" dirty="0" smtClean="0"/>
-          </a:p>
-          <a:p>
-            <a:endParaRPr lang="en-US" dirty="0"/>
+          <p:cNvPr id="4" name="TextBox 3"/>
+          <p:cNvSpPr txBox="1"/>
+          <p:nvPr/>
+        </p:nvSpPr>
+        <p:spPr>
+          <a:xfrm>
+            <a:off x="3995086" y="2659503"/>
+            <a:ext cx="1635384" cy="461665"/>
+          </a:xfrm>
+          <a:prstGeom prst="rect">
+            <a:avLst/>
+          </a:prstGeom>
+          <a:noFill/>
+        </p:spPr>
+        <p:txBody>
+          <a:bodyPr wrap="none" rtlCol="0">
+            <a:spAutoFit/>
+          </a:bodyPr>
+          <a:lstStyle/>
+          <a:p>
+            <a:r>
+              <a:rPr lang="en-US" sz="2400" b="1" dirty="0" smtClean="0">
+                <a:latin typeface="Avenir Book" charset="0"/>
+                <a:ea typeface="Avenir Book" charset="0"/>
+                <a:cs typeface="Avenir Book" charset="0"/>
+              </a:rPr>
+              <a:t>16 months</a:t>
+            </a:r>
+            <a:endParaRPr lang="en-US" sz="2400" b="1" dirty="0">
+              <a:latin typeface="Avenir Book" charset="0"/>
+              <a:ea typeface="Avenir Book" charset="0"/>
+              <a:cs typeface="Avenir Book" charset="0"/>
+            </a:endParaRPr>
+          </a:p>
+        </p:txBody>
+      </p:sp>
+      <p:sp>
+        <p:nvSpPr>
+          <p:cNvPr id="5" name="TextBox 4"/>
+          <p:cNvSpPr txBox="1"/>
+          <p:nvPr/>
+        </p:nvSpPr>
+        <p:spPr>
+          <a:xfrm>
+            <a:off x="6412843" y="567799"/>
+            <a:ext cx="1436612" cy="523220"/>
+          </a:xfrm>
+          <a:prstGeom prst="rect">
+            <a:avLst/>
+          </a:prstGeom>
+          <a:noFill/>
+        </p:spPr>
+        <p:txBody>
+          <a:bodyPr wrap="none" rtlCol="0">
+            <a:spAutoFit/>
+          </a:bodyPr>
+          <a:lstStyle/>
+          <a:p>
+            <a:r>
+              <a:rPr lang="en-US" sz="2800" b="1" dirty="0" smtClean="0">
+                <a:latin typeface="Avenir Book" charset="0"/>
+                <a:ea typeface="Avenir Book" charset="0"/>
+                <a:cs typeface="Avenir Book" charset="0"/>
+              </a:rPr>
+              <a:t>“blue”?</a:t>
+            </a:r>
+            <a:endParaRPr lang="en-US" sz="2800" b="1" dirty="0">
+              <a:latin typeface="Avenir Book" charset="0"/>
+              <a:ea typeface="Avenir Book" charset="0"/>
+              <a:cs typeface="Avenir Book" charset="0"/>
+            </a:endParaRPr>
+          </a:p>
+        </p:txBody>
+      </p:sp>
+      <p:sp>
+        <p:nvSpPr>
+          <p:cNvPr id="7" name="TextBox 6"/>
+          <p:cNvSpPr txBox="1"/>
+          <p:nvPr/>
+        </p:nvSpPr>
+        <p:spPr>
+          <a:xfrm>
+            <a:off x="4394233" y="630058"/>
+            <a:ext cx="837089" cy="461665"/>
+          </a:xfrm>
+          <a:prstGeom prst="rect">
+            <a:avLst/>
+          </a:prstGeom>
+          <a:noFill/>
+        </p:spPr>
+        <p:txBody>
+          <a:bodyPr wrap="none" rtlCol="0">
+            <a:spAutoFit/>
+          </a:bodyPr>
+          <a:lstStyle/>
+          <a:p>
+            <a:r>
+              <a:rPr lang="en-US" sz="2400" b="1" dirty="0" smtClean="0">
+                <a:latin typeface="Avenir Book" charset="0"/>
+                <a:ea typeface="Avenir Book" charset="0"/>
+                <a:cs typeface="Avenir Book" charset="0"/>
+              </a:rPr>
+              <a:t>Jane</a:t>
+            </a:r>
+          </a:p>
+        </p:txBody>
+      </p:sp>
+      <p:pic>
+        <p:nvPicPr>
+          <p:cNvPr id="8" name="Picture 7"/>
+          <p:cNvPicPr>
+            <a:picLocks noChangeAspect="1"/>
+          </p:cNvPicPr>
+          <p:nvPr/>
+        </p:nvPicPr>
+        <p:blipFill>
+          <a:blip r:embed="rId2"/>
+          <a:stretch>
+            <a:fillRect/>
+          </a:stretch>
+        </p:blipFill>
+        <p:spPr>
+          <a:xfrm>
+            <a:off x="4321608" y="1163215"/>
+            <a:ext cx="982341" cy="1357789"/>
+          </a:xfrm>
+          <a:prstGeom prst="rect">
+            <a:avLst/>
+          </a:prstGeom>
+        </p:spPr>
+      </p:pic>
+      <p:sp>
+        <p:nvSpPr>
+          <p:cNvPr id="9" name="TextBox 8"/>
+          <p:cNvSpPr txBox="1"/>
+          <p:nvPr/>
+        </p:nvSpPr>
+        <p:spPr>
+          <a:xfrm>
+            <a:off x="2065712" y="2659503"/>
+            <a:ext cx="1635384" cy="461665"/>
+          </a:xfrm>
+          <a:prstGeom prst="rect">
+            <a:avLst/>
+          </a:prstGeom>
+          <a:noFill/>
+        </p:spPr>
+        <p:txBody>
+          <a:bodyPr wrap="none" rtlCol="0">
+            <a:spAutoFit/>
+          </a:bodyPr>
+          <a:lstStyle/>
+          <a:p>
+            <a:r>
+              <a:rPr lang="en-US" sz="2400" b="1" dirty="0" smtClean="0">
+                <a:latin typeface="Avenir Book" charset="0"/>
+                <a:ea typeface="Avenir Book" charset="0"/>
+                <a:cs typeface="Avenir Book" charset="0"/>
+              </a:rPr>
+              <a:t>15 months</a:t>
+            </a:r>
+            <a:endParaRPr lang="en-US" sz="2400" b="1" dirty="0">
+              <a:latin typeface="Avenir Book" charset="0"/>
+              <a:ea typeface="Avenir Book" charset="0"/>
+              <a:cs typeface="Avenir Book" charset="0"/>
+            </a:endParaRPr>
+          </a:p>
+        </p:txBody>
+      </p:sp>
+      <p:sp>
+        <p:nvSpPr>
+          <p:cNvPr id="10" name="TextBox 9"/>
+          <p:cNvSpPr txBox="1"/>
+          <p:nvPr/>
+        </p:nvSpPr>
+        <p:spPr>
+          <a:xfrm>
+            <a:off x="2464859" y="629354"/>
+            <a:ext cx="837089" cy="461665"/>
+          </a:xfrm>
+          <a:prstGeom prst="rect">
+            <a:avLst/>
+          </a:prstGeom>
+          <a:noFill/>
+        </p:spPr>
+        <p:txBody>
+          <a:bodyPr wrap="none" rtlCol="0">
+            <a:spAutoFit/>
+          </a:bodyPr>
+          <a:lstStyle/>
+          <a:p>
+            <a:r>
+              <a:rPr lang="en-US" sz="2400" b="1" dirty="0" smtClean="0">
+                <a:latin typeface="Avenir Book" charset="0"/>
+                <a:ea typeface="Avenir Book" charset="0"/>
+                <a:cs typeface="Avenir Book" charset="0"/>
+              </a:rPr>
+              <a:t>Jane</a:t>
+            </a:r>
+          </a:p>
+        </p:txBody>
+      </p:sp>
+      <p:pic>
+        <p:nvPicPr>
+          <p:cNvPr id="11" name="Picture 10"/>
+          <p:cNvPicPr>
+            <a:picLocks noChangeAspect="1"/>
+          </p:cNvPicPr>
+          <p:nvPr/>
+        </p:nvPicPr>
+        <p:blipFill>
+          <a:blip r:embed="rId2"/>
+          <a:stretch>
+            <a:fillRect/>
+          </a:stretch>
+        </p:blipFill>
+        <p:spPr>
+          <a:xfrm>
+            <a:off x="2572039" y="1512126"/>
+            <a:ext cx="729909" cy="1008878"/>
+          </a:xfrm>
+          <a:prstGeom prst="rect">
+            <a:avLst/>
+          </a:prstGeom>
+        </p:spPr>
+      </p:pic>
+      <p:sp>
+        <p:nvSpPr>
+          <p:cNvPr id="13" name="TextBox 12"/>
+          <p:cNvSpPr txBox="1"/>
+          <p:nvPr/>
+        </p:nvSpPr>
+        <p:spPr>
+          <a:xfrm>
+            <a:off x="723336" y="1037789"/>
+            <a:ext cx="1378904" cy="1200329"/>
+          </a:xfrm>
+          <a:prstGeom prst="rect">
+            <a:avLst/>
+          </a:prstGeom>
+          <a:noFill/>
+        </p:spPr>
+        <p:txBody>
+          <a:bodyPr wrap="none" rtlCol="0">
+            <a:spAutoFit/>
+          </a:bodyPr>
+          <a:lstStyle/>
+          <a:p>
+            <a:r>
+              <a:rPr lang="en-US" sz="2400" b="1" dirty="0" smtClean="0">
+                <a:latin typeface="Avenir Book" charset="0"/>
+                <a:ea typeface="Avenir Book" charset="0"/>
+                <a:cs typeface="Avenir Book" charset="0"/>
+              </a:rPr>
+              <a:t>“red”</a:t>
+            </a:r>
+          </a:p>
+          <a:p>
+            <a:r>
+              <a:rPr lang="en-US" sz="2400" b="1" dirty="0" smtClean="0">
+                <a:latin typeface="Avenir Book" charset="0"/>
+                <a:ea typeface="Avenir Book" charset="0"/>
+                <a:cs typeface="Avenir Book" charset="0"/>
+              </a:rPr>
+              <a:t>“yellow”</a:t>
+            </a:r>
+          </a:p>
+          <a:p>
+            <a:r>
+              <a:rPr lang="en-US" sz="2400" b="1" dirty="0" smtClean="0">
+                <a:latin typeface="Avenir Book" charset="0"/>
+                <a:ea typeface="Avenir Book" charset="0"/>
+                <a:cs typeface="Avenir Book" charset="0"/>
+              </a:rPr>
+              <a:t>...</a:t>
+            </a:r>
+            <a:endParaRPr lang="en-US" sz="2400" b="1" dirty="0">
+              <a:latin typeface="Avenir Book" charset="0"/>
+              <a:ea typeface="Avenir Book" charset="0"/>
+              <a:cs typeface="Avenir Book" charset="0"/>
+            </a:endParaRPr>
+          </a:p>
+        </p:txBody>
+      </p:sp>
+      <p:grpSp>
+        <p:nvGrpSpPr>
+          <p:cNvPr id="21" name="Group 20"/>
+          <p:cNvGrpSpPr/>
+          <p:nvPr/>
+        </p:nvGrpSpPr>
+        <p:grpSpPr>
+          <a:xfrm>
+            <a:off x="1162111" y="3771153"/>
+            <a:ext cx="6687344" cy="1595548"/>
+            <a:chOff x="2388407" y="4599251"/>
+            <a:chExt cx="6687344" cy="1595548"/>
+          </a:xfrm>
+        </p:grpSpPr>
+        <p:sp>
+          <p:nvSpPr>
+            <p:cNvPr id="6" name="TextBox 5"/>
+            <p:cNvSpPr txBox="1"/>
+            <p:nvPr/>
+          </p:nvSpPr>
+          <p:spPr>
+            <a:xfrm>
+              <a:off x="2388407" y="4599251"/>
+              <a:ext cx="6687344" cy="1569660"/>
+            </a:xfrm>
+            <a:prstGeom prst="rect">
+              <a:avLst/>
+            </a:prstGeom>
+            <a:noFill/>
+          </p:spPr>
+          <p:txBody>
+            <a:bodyPr wrap="none" rtlCol="0">
+              <a:spAutoFit/>
+            </a:bodyPr>
+            <a:lstStyle/>
+            <a:p>
+              <a:r>
+                <a:rPr lang="en-US" sz="2400" b="1" dirty="0" smtClean="0">
+                  <a:latin typeface="Avenir Book" charset="0"/>
+                  <a:ea typeface="Avenir Book" charset="0"/>
+                  <a:cs typeface="Avenir Book" charset="0"/>
+                </a:rPr>
+                <a:t>P(Jane knows “blue”|{”</a:t>
+              </a:r>
+              <a:r>
+                <a:rPr lang="en-US" sz="2400" b="1" dirty="0" err="1" smtClean="0">
+                  <a:latin typeface="Avenir Book" charset="0"/>
+                  <a:ea typeface="Avenir Book" charset="0"/>
+                  <a:cs typeface="Avenir Book" charset="0"/>
+                </a:rPr>
+                <a:t>red”|”yellow</a:t>
+              </a:r>
+              <a:r>
+                <a:rPr lang="en-US" sz="2400" b="1" dirty="0" smtClean="0">
+                  <a:latin typeface="Avenir Book" charset="0"/>
+                  <a:ea typeface="Avenir Book" charset="0"/>
+                  <a:cs typeface="Avenir Book" charset="0"/>
+                </a:rPr>
+                <a:t>”}) =</a:t>
+              </a:r>
+            </a:p>
+            <a:p>
+              <a:endParaRPr lang="en-US" sz="2400" b="1" dirty="0" smtClean="0">
+                <a:latin typeface="Avenir Book" charset="0"/>
+                <a:ea typeface="Avenir Book" charset="0"/>
+                <a:cs typeface="Avenir Book" charset="0"/>
+              </a:endParaRPr>
+            </a:p>
+            <a:p>
+              <a:r>
+                <a:rPr lang="en-US" sz="2400" b="1" dirty="0" smtClean="0">
+                  <a:latin typeface="Avenir Book" charset="0"/>
+                  <a:ea typeface="Avenir Book" charset="0"/>
+                  <a:cs typeface="Avenir Book" charset="0"/>
+                </a:rPr>
+                <a:t>P(“blue” and “red”)   +  P(“blue” and “yellow”)</a:t>
+              </a:r>
+            </a:p>
+            <a:p>
+              <a:endParaRPr lang="en-US" sz="2400" b="1" dirty="0">
+                <a:latin typeface="Avenir Book" charset="0"/>
+                <a:ea typeface="Avenir Book" charset="0"/>
+                <a:cs typeface="Avenir Book" charset="0"/>
+              </a:endParaRPr>
+            </a:p>
+          </p:txBody>
+        </p:sp>
+        <p:cxnSp>
+          <p:nvCxnSpPr>
+            <p:cNvPr id="15" name="Straight Connector 14"/>
+            <p:cNvCxnSpPr/>
+            <p:nvPr/>
+          </p:nvCxnSpPr>
+          <p:spPr>
+            <a:xfrm>
+              <a:off x="2516928" y="5733134"/>
+              <a:ext cx="2577977" cy="0"/>
+            </a:xfrm>
+            <a:prstGeom prst="line">
+              <a:avLst/>
+            </a:prstGeom>
+          </p:spPr>
+          <p:style>
+            <a:lnRef idx="1">
+              <a:schemeClr val="dk1"/>
+            </a:lnRef>
+            <a:fillRef idx="0">
+              <a:schemeClr val="dk1"/>
+            </a:fillRef>
+            <a:effectRef idx="0">
+              <a:schemeClr val="dk1"/>
+            </a:effectRef>
+            <a:fontRef idx="minor">
+              <a:schemeClr val="tx1"/>
+            </a:fontRef>
+          </p:style>
+        </p:cxnSp>
+        <p:cxnSp>
+          <p:nvCxnSpPr>
+            <p:cNvPr id="16" name="Straight Connector 15"/>
+            <p:cNvCxnSpPr/>
+            <p:nvPr/>
+          </p:nvCxnSpPr>
+          <p:spPr>
+            <a:xfrm>
+              <a:off x="5872563" y="5733134"/>
+              <a:ext cx="3076711" cy="0"/>
+            </a:xfrm>
+            <a:prstGeom prst="line">
+              <a:avLst/>
+            </a:prstGeom>
+          </p:spPr>
+          <p:style>
+            <a:lnRef idx="1">
+              <a:schemeClr val="dk1"/>
+            </a:lnRef>
+            <a:fillRef idx="0">
+              <a:schemeClr val="dk1"/>
+            </a:fillRef>
+            <a:effectRef idx="0">
+              <a:schemeClr val="dk1"/>
+            </a:effectRef>
+            <a:fontRef idx="minor">
+              <a:schemeClr val="tx1"/>
+            </a:fontRef>
+          </p:style>
+        </p:cxnSp>
+        <p:sp>
+          <p:nvSpPr>
+            <p:cNvPr id="19" name="TextBox 18"/>
+            <p:cNvSpPr txBox="1"/>
+            <p:nvPr/>
+          </p:nvSpPr>
+          <p:spPr>
+            <a:xfrm>
+              <a:off x="2938087" y="5733134"/>
+              <a:ext cx="1298048" cy="461665"/>
+            </a:xfrm>
+            <a:prstGeom prst="rect">
+              <a:avLst/>
+            </a:prstGeom>
+            <a:noFill/>
+          </p:spPr>
+          <p:txBody>
+            <a:bodyPr wrap="none" rtlCol="0">
+              <a:spAutoFit/>
+            </a:bodyPr>
+            <a:lstStyle/>
+            <a:p>
+              <a:r>
+                <a:rPr lang="en-US" sz="2400" b="1" dirty="0" smtClean="0">
+                  <a:latin typeface="Avenir Book" charset="0"/>
+                  <a:ea typeface="Avenir Book" charset="0"/>
+                  <a:cs typeface="Avenir Book" charset="0"/>
+                </a:rPr>
+                <a:t>P(“red”)</a:t>
+              </a:r>
+              <a:endParaRPr lang="en-US" sz="2400" b="1" dirty="0">
+                <a:latin typeface="Avenir Book" charset="0"/>
+                <a:ea typeface="Avenir Book" charset="0"/>
+                <a:cs typeface="Avenir Book" charset="0"/>
+              </a:endParaRPr>
+            </a:p>
+          </p:txBody>
+        </p:sp>
+        <p:sp>
+          <p:nvSpPr>
+            <p:cNvPr id="20" name="TextBox 19"/>
+            <p:cNvSpPr txBox="1"/>
+            <p:nvPr/>
+          </p:nvSpPr>
+          <p:spPr>
+            <a:xfrm>
+              <a:off x="6403768" y="5733134"/>
+              <a:ext cx="1715534" cy="461665"/>
+            </a:xfrm>
+            <a:prstGeom prst="rect">
+              <a:avLst/>
+            </a:prstGeom>
+            <a:noFill/>
+          </p:spPr>
+          <p:txBody>
+            <a:bodyPr wrap="none" rtlCol="0">
+              <a:spAutoFit/>
+            </a:bodyPr>
+            <a:lstStyle/>
+            <a:p>
+              <a:r>
+                <a:rPr lang="en-US" sz="2400" b="1" dirty="0" smtClean="0">
+                  <a:latin typeface="Avenir Book" charset="0"/>
+                  <a:ea typeface="Avenir Book" charset="0"/>
+                  <a:cs typeface="Avenir Book" charset="0"/>
+                </a:rPr>
+                <a:t>P(“yellow”)</a:t>
+              </a:r>
+              <a:endParaRPr lang="en-US" sz="2400" b="1" dirty="0">
+                <a:latin typeface="Avenir Book" charset="0"/>
+                <a:ea typeface="Avenir Book" charset="0"/>
+                <a:cs typeface="Avenir Book" charset="0"/>
+              </a:endParaRPr>
+            </a:p>
+          </p:txBody>
+        </p:sp>
+      </p:grpSp>
+      <p:sp>
+        <p:nvSpPr>
+          <p:cNvPr id="24" name="TextBox 23"/>
+          <p:cNvSpPr txBox="1"/>
+          <p:nvPr/>
+        </p:nvSpPr>
+        <p:spPr>
+          <a:xfrm>
+            <a:off x="1800034" y="5951476"/>
+            <a:ext cx="8062987" cy="523220"/>
+          </a:xfrm>
+          <a:prstGeom prst="rect">
+            <a:avLst/>
+          </a:prstGeom>
+          <a:noFill/>
+        </p:spPr>
+        <p:txBody>
+          <a:bodyPr wrap="square" rtlCol="0">
+            <a:spAutoFit/>
+          </a:bodyPr>
+          <a:lstStyle/>
+          <a:p>
+            <a:r>
+              <a:rPr lang="en-US" sz="2800" b="1" dirty="0" smtClean="0">
+                <a:solidFill>
+                  <a:srgbClr val="FF0000"/>
+                </a:solidFill>
+                <a:latin typeface="Avenir Book" charset="0"/>
+                <a:ea typeface="Avenir Book" charset="0"/>
+                <a:cs typeface="Avenir Book" charset="0"/>
+              </a:rPr>
+              <a:t>8-19% improvement over null</a:t>
+            </a:r>
+            <a:endParaRPr lang="en-US" sz="2800" b="1" dirty="0">
+              <a:solidFill>
+                <a:srgbClr val="FF0000"/>
+              </a:solidFill>
+              <a:latin typeface="Avenir Book" charset="0"/>
+              <a:ea typeface="Avenir Book" charset="0"/>
+              <a:cs typeface="Avenir Book" charset="0"/>
+            </a:endParaRPr>
           </a:p>
         </p:txBody>
       </p:sp>
     </p:spTree>
     <p:extLst>
       <p:ext uri="{BB962C8B-B14F-4D97-AF65-F5344CB8AC3E}">
-        <p14:creationId xmlns:p14="http://schemas.microsoft.com/office/powerpoint/2010/main" val="1149614580"/>
+        <p14:creationId xmlns:p14="http://schemas.microsoft.com/office/powerpoint/2010/main" val="297567250"/>
       </p:ext>
     </p:extLst>
   </p:cSld>
   <p:clrMapOvr>
     <a:masterClrMapping/>
   </p:clrMapOvr>
-  <p:timing>
-    <p:tnLst>
-      <p:par>
-        <p:cTn id="1" dur="indefinite" restart="never" nodeType="tmRoot"/>
-      </p:par>
-    </p:tnLst>
-  </p:timing>
 </p:sld>
 </file>
 
@@ -6107,48 +7905,592 @@
             <p:ph type="title"/>
           </p:nvPr>
         </p:nvSpPr>
-        <p:spPr/>
+        <p:spPr>
+          <a:xfrm>
+            <a:off x="516411" y="-29369"/>
+            <a:ext cx="7886700" cy="1325563"/>
+          </a:xfrm>
+        </p:spPr>
         <p:txBody>
           <a:bodyPr>
-            <a:normAutofit fontScale="90000"/>
+            <a:normAutofit/>
           </a:bodyPr>
           <a:lstStyle/>
           <a:p>
             <a:r>
-              <a:rPr lang="en-US" dirty="0" smtClean="0"/>
-              <a:t>Goal: Identify set of words with low and high inductive potential  (non-seed vs. seed)</a:t>
-            </a:r>
+              <a:rPr lang="en-US" sz="3200" b="1" dirty="0" smtClean="0">
+                <a:latin typeface="Avenir Book" charset="0"/>
+                <a:ea typeface="Avenir Book" charset="0"/>
+                <a:cs typeface="Avenir Book" charset="0"/>
+              </a:rPr>
+              <a:t>Which words are helpful?</a:t>
+            </a:r>
+            <a:endParaRPr lang="en-US" sz="3200" b="1" dirty="0">
+              <a:latin typeface="Avenir Book" charset="0"/>
+              <a:ea typeface="Avenir Book" charset="0"/>
+              <a:cs typeface="Avenir Book" charset="0"/>
+            </a:endParaRPr>
+          </a:p>
+        </p:txBody>
+      </p:sp>
+      <p:sp>
+        <p:nvSpPr>
+          <p:cNvPr id="3" name="Content Placeholder 2"/>
+          <p:cNvSpPr>
+            <a:spLocks noGrp="1"/>
+          </p:cNvSpPr>
+          <p:nvPr>
+            <p:ph idx="1"/>
+          </p:nvPr>
+        </p:nvSpPr>
+        <p:spPr>
+          <a:xfrm>
+            <a:off x="548495" y="1022477"/>
+            <a:ext cx="7886700" cy="1370184"/>
+          </a:xfrm>
+        </p:spPr>
+        <p:txBody>
+          <a:bodyPr/>
+          <a:lstStyle/>
+          <a:p>
+            <a:pPr marL="0" indent="0">
+              <a:buNone/>
+            </a:pPr>
+            <a:r>
+              <a:rPr lang="en-US" dirty="0" smtClean="0">
+                <a:latin typeface="Avenir Book" charset="0"/>
+                <a:ea typeface="Avenir Book" charset="0"/>
+                <a:cs typeface="Avenir Book" charset="0"/>
+              </a:rPr>
+              <a:t>What is the smallest set of words you need in order to define the meanings of all other words in a </a:t>
+            </a:r>
+            <a:r>
+              <a:rPr lang="en-US" dirty="0" smtClean="0">
+                <a:latin typeface="Avenir Book" charset="0"/>
+                <a:ea typeface="Avenir Book" charset="0"/>
+                <a:cs typeface="Avenir Book" charset="0"/>
+              </a:rPr>
+              <a:t>dictionary?</a:t>
+            </a:r>
+            <a:endParaRPr lang="en-US" sz="2000" dirty="0" smtClean="0">
+              <a:latin typeface="Avenir Book" charset="0"/>
+              <a:ea typeface="Avenir Book" charset="0"/>
+              <a:cs typeface="Avenir Book" charset="0"/>
+            </a:endParaRPr>
+          </a:p>
+          <a:p>
             <a:endParaRPr lang="en-US" dirty="0"/>
           </a:p>
         </p:txBody>
       </p:sp>
-      <p:sp>
-        <p:nvSpPr>
-          <p:cNvPr id="3" name="Content Placeholder 2"/>
-          <p:cNvSpPr>
-            <a:spLocks noGrp="1"/>
-          </p:cNvSpPr>
-          <p:nvPr>
-            <p:ph idx="1"/>
-          </p:nvPr>
-        </p:nvSpPr>
-        <p:spPr/>
-        <p:txBody>
-          <a:bodyPr/>
-          <a:lstStyle/>
-          <a:p>
-            <a:r>
-              <a:rPr lang="en-US" dirty="0" smtClean="0"/>
-              <a:t>Ultimate goal is to then use these words to test a causal hypothesis by teaching them to kids, and asking whether kids who learn seed words know more words at t2, relative to t1</a:t>
-            </a:r>
+      <p:pic>
+        <p:nvPicPr>
+          <p:cNvPr id="4" name="Picture 3"/>
+          <p:cNvPicPr>
+            <a:picLocks noChangeAspect="1"/>
+          </p:cNvPicPr>
+          <p:nvPr/>
+        </p:nvPicPr>
+        <p:blipFill>
+          <a:blip r:embed="rId2">
+            <a:extLst>
+              <a:ext uri="{28A0092B-C50C-407E-A947-70E740481C1C}">
+                <a14:useLocalDpi xmlns:a14="http://schemas.microsoft.com/office/drawing/2010/main" val="0"/>
+              </a:ext>
+            </a:extLst>
+          </a:blip>
+          <a:stretch>
+            <a:fillRect/>
+          </a:stretch>
+        </p:blipFill>
+        <p:spPr>
+          <a:xfrm>
+            <a:off x="700794" y="2282743"/>
+            <a:ext cx="5543952" cy="4225925"/>
+          </a:xfrm>
+          <a:prstGeom prst="rect">
+            <a:avLst/>
+          </a:prstGeom>
+        </p:spPr>
+      </p:pic>
+      <p:sp>
+        <p:nvSpPr>
+          <p:cNvPr id="5" name="Content Placeholder 2"/>
+          <p:cNvSpPr txBox="1">
+            <a:spLocks/>
+          </p:cNvSpPr>
+          <p:nvPr/>
+        </p:nvSpPr>
+        <p:spPr>
+          <a:xfrm>
+            <a:off x="5696167" y="6424156"/>
+            <a:ext cx="7886700" cy="4351338"/>
+          </a:xfrm>
+          <a:prstGeom prst="rect">
+            <a:avLst/>
+          </a:prstGeom>
+        </p:spPr>
+        <p:txBody>
+          <a:bodyPr vert="horz" lIns="91440" tIns="45720" rIns="91440" bIns="45720" rtlCol="0">
+            <a:normAutofit/>
+          </a:bodyPr>
+          <a:lstStyle>
+            <a:lvl1pPr marL="228600" indent="-228600" algn="l" defTabSz="914400" rtl="0" eaLnBrk="1" latinLnBrk="0" hangingPunct="1">
+              <a:lnSpc>
+                <a:spcPct val="90000"/>
+              </a:lnSpc>
+              <a:spcBef>
+                <a:spcPts val="1000"/>
+              </a:spcBef>
+              <a:buFont typeface="Arial" panose="020B0604020202020204" pitchFamily="34" charset="0"/>
+              <a:buChar char="•"/>
+              <a:defRPr sz="2800" kern="1200">
+                <a:solidFill>
+                  <a:schemeClr val="tx1"/>
+                </a:solidFill>
+                <a:latin typeface="+mn-lt"/>
+                <a:ea typeface="+mn-ea"/>
+                <a:cs typeface="+mn-cs"/>
+              </a:defRPr>
+            </a:lvl1pPr>
+            <a:lvl2pPr marL="685800" indent="-228600" algn="l" defTabSz="914400" rtl="0" eaLnBrk="1" latinLnBrk="0" hangingPunct="1">
+              <a:lnSpc>
+                <a:spcPct val="90000"/>
+              </a:lnSpc>
+              <a:spcBef>
+                <a:spcPts val="500"/>
+              </a:spcBef>
+              <a:buFont typeface="Arial" panose="020B0604020202020204" pitchFamily="34" charset="0"/>
+              <a:buChar char="•"/>
+              <a:defRPr sz="2400" kern="1200">
+                <a:solidFill>
+                  <a:schemeClr val="tx1"/>
+                </a:solidFill>
+                <a:latin typeface="+mn-lt"/>
+                <a:ea typeface="+mn-ea"/>
+                <a:cs typeface="+mn-cs"/>
+              </a:defRPr>
+            </a:lvl2pPr>
+            <a:lvl3pPr marL="1143000" indent="-228600" algn="l" defTabSz="914400" rtl="0" eaLnBrk="1" latinLnBrk="0" hangingPunct="1">
+              <a:lnSpc>
+                <a:spcPct val="90000"/>
+              </a:lnSpc>
+              <a:spcBef>
+                <a:spcPts val="500"/>
+              </a:spcBef>
+              <a:buFont typeface="Arial" panose="020B0604020202020204" pitchFamily="34" charset="0"/>
+              <a:buChar char="•"/>
+              <a:defRPr sz="2000" kern="1200">
+                <a:solidFill>
+                  <a:schemeClr val="tx1"/>
+                </a:solidFill>
+                <a:latin typeface="+mn-lt"/>
+                <a:ea typeface="+mn-ea"/>
+                <a:cs typeface="+mn-cs"/>
+              </a:defRPr>
+            </a:lvl3pPr>
+            <a:lvl4pPr marL="1600200" indent="-228600" algn="l" defTabSz="914400" rtl="0" eaLnBrk="1" latinLnBrk="0" hangingPunct="1">
+              <a:lnSpc>
+                <a:spcPct val="90000"/>
+              </a:lnSpc>
+              <a:spcBef>
+                <a:spcPts val="500"/>
+              </a:spcBef>
+              <a:buFont typeface="Arial" panose="020B0604020202020204" pitchFamily="34" charset="0"/>
+              <a:buChar char="•"/>
+              <a:defRPr sz="1800" kern="1200">
+                <a:solidFill>
+                  <a:schemeClr val="tx1"/>
+                </a:solidFill>
+                <a:latin typeface="+mn-lt"/>
+                <a:ea typeface="+mn-ea"/>
+                <a:cs typeface="+mn-cs"/>
+              </a:defRPr>
+            </a:lvl4pPr>
+            <a:lvl5pPr marL="2057400" indent="-228600" algn="l" defTabSz="914400" rtl="0" eaLnBrk="1" latinLnBrk="0" hangingPunct="1">
+              <a:lnSpc>
+                <a:spcPct val="90000"/>
+              </a:lnSpc>
+              <a:spcBef>
+                <a:spcPts val="500"/>
+              </a:spcBef>
+              <a:buFont typeface="Arial" panose="020B0604020202020204" pitchFamily="34" charset="0"/>
+              <a:buChar char="•"/>
+              <a:defRPr sz="1800" kern="1200">
+                <a:solidFill>
+                  <a:schemeClr val="tx1"/>
+                </a:solidFill>
+                <a:latin typeface="+mn-lt"/>
+                <a:ea typeface="+mn-ea"/>
+                <a:cs typeface="+mn-cs"/>
+              </a:defRPr>
+            </a:lvl5pPr>
+            <a:lvl6pPr marL="2514600" indent="-228600" algn="l" defTabSz="914400" rtl="0" eaLnBrk="1" latinLnBrk="0" hangingPunct="1">
+              <a:lnSpc>
+                <a:spcPct val="90000"/>
+              </a:lnSpc>
+              <a:spcBef>
+                <a:spcPts val="500"/>
+              </a:spcBef>
+              <a:buFont typeface="Arial" panose="020B0604020202020204" pitchFamily="34" charset="0"/>
+              <a:buChar char="•"/>
+              <a:defRPr sz="1800" kern="1200">
+                <a:solidFill>
+                  <a:schemeClr val="tx1"/>
+                </a:solidFill>
+                <a:latin typeface="+mn-lt"/>
+                <a:ea typeface="+mn-ea"/>
+                <a:cs typeface="+mn-cs"/>
+              </a:defRPr>
+            </a:lvl6pPr>
+            <a:lvl7pPr marL="2971800" indent="-228600" algn="l" defTabSz="914400" rtl="0" eaLnBrk="1" latinLnBrk="0" hangingPunct="1">
+              <a:lnSpc>
+                <a:spcPct val="90000"/>
+              </a:lnSpc>
+              <a:spcBef>
+                <a:spcPts val="500"/>
+              </a:spcBef>
+              <a:buFont typeface="Arial" panose="020B0604020202020204" pitchFamily="34" charset="0"/>
+              <a:buChar char="•"/>
+              <a:defRPr sz="1800" kern="1200">
+                <a:solidFill>
+                  <a:schemeClr val="tx1"/>
+                </a:solidFill>
+                <a:latin typeface="+mn-lt"/>
+                <a:ea typeface="+mn-ea"/>
+                <a:cs typeface="+mn-cs"/>
+              </a:defRPr>
+            </a:lvl7pPr>
+            <a:lvl8pPr marL="3429000" indent="-228600" algn="l" defTabSz="914400" rtl="0" eaLnBrk="1" latinLnBrk="0" hangingPunct="1">
+              <a:lnSpc>
+                <a:spcPct val="90000"/>
+              </a:lnSpc>
+              <a:spcBef>
+                <a:spcPts val="500"/>
+              </a:spcBef>
+              <a:buFont typeface="Arial" panose="020B0604020202020204" pitchFamily="34" charset="0"/>
+              <a:buChar char="•"/>
+              <a:defRPr sz="1800" kern="1200">
+                <a:solidFill>
+                  <a:schemeClr val="tx1"/>
+                </a:solidFill>
+                <a:latin typeface="+mn-lt"/>
+                <a:ea typeface="+mn-ea"/>
+                <a:cs typeface="+mn-cs"/>
+              </a:defRPr>
+            </a:lvl8pPr>
+            <a:lvl9pPr marL="3886200" indent="-228600" algn="l" defTabSz="914400" rtl="0" eaLnBrk="1" latinLnBrk="0" hangingPunct="1">
+              <a:lnSpc>
+                <a:spcPct val="90000"/>
+              </a:lnSpc>
+              <a:spcBef>
+                <a:spcPts val="500"/>
+              </a:spcBef>
+              <a:buFont typeface="Arial" panose="020B0604020202020204" pitchFamily="34" charset="0"/>
+              <a:buChar char="•"/>
+              <a:defRPr sz="1800" kern="1200">
+                <a:solidFill>
+                  <a:schemeClr val="tx1"/>
+                </a:solidFill>
+                <a:latin typeface="+mn-lt"/>
+                <a:ea typeface="+mn-ea"/>
+                <a:cs typeface="+mn-cs"/>
+              </a:defRPr>
+            </a:lvl9pPr>
+          </a:lstStyle>
+          <a:p>
+            <a:pPr marL="0" indent="0">
+              <a:buNone/>
+            </a:pPr>
+            <a:r>
+              <a:rPr lang="en-US" sz="2000" smtClean="0">
+                <a:latin typeface="Avenir Book" charset="0"/>
+                <a:ea typeface="Avenir Book" charset="0"/>
+                <a:cs typeface="Avenir Book" charset="0"/>
+              </a:rPr>
+              <a:t>(Vincent-</a:t>
+            </a:r>
+            <a:r>
+              <a:rPr lang="en-US" sz="2000" dirty="0" err="1" smtClean="0">
+                <a:latin typeface="Avenir Book" charset="0"/>
+                <a:ea typeface="Avenir Book" charset="0"/>
+                <a:cs typeface="Avenir Book" charset="0"/>
+              </a:rPr>
+              <a:t>Lamare</a:t>
+            </a:r>
+            <a:r>
+              <a:rPr lang="en-US" sz="2000" dirty="0" smtClean="0">
+                <a:latin typeface="Avenir Book" charset="0"/>
+                <a:ea typeface="Avenir Book" charset="0"/>
+                <a:cs typeface="Avenir Book" charset="0"/>
+              </a:rPr>
+              <a:t> et al., 2016)</a:t>
+            </a:r>
+          </a:p>
+          <a:p>
+            <a:pPr marL="0" indent="0">
+              <a:buNone/>
+            </a:pPr>
             <a:endParaRPr lang="en-US" dirty="0"/>
+          </a:p>
+        </p:txBody>
+      </p:sp>
+      <p:cxnSp>
+        <p:nvCxnSpPr>
+          <p:cNvPr id="9" name="Straight Arrow Connector 8"/>
+          <p:cNvCxnSpPr/>
+          <p:nvPr/>
+        </p:nvCxnSpPr>
+        <p:spPr>
+          <a:xfrm flipH="1">
+            <a:off x="5023814" y="3532963"/>
+            <a:ext cx="1344706" cy="654424"/>
+          </a:xfrm>
+          <a:prstGeom prst="straightConnector1">
+            <a:avLst/>
+          </a:prstGeom>
+          <a:ln w="57150">
+            <a:solidFill>
+              <a:srgbClr val="FF0000"/>
+            </a:solidFill>
+            <a:tailEnd type="triangle"/>
+          </a:ln>
+        </p:spPr>
+        <p:style>
+          <a:lnRef idx="1">
+            <a:schemeClr val="accent1"/>
+          </a:lnRef>
+          <a:fillRef idx="0">
+            <a:schemeClr val="accent1"/>
+          </a:fillRef>
+          <a:effectRef idx="0">
+            <a:schemeClr val="accent1"/>
+          </a:effectRef>
+          <a:fontRef idx="minor">
+            <a:schemeClr val="tx1"/>
+          </a:fontRef>
+        </p:style>
+      </p:cxnSp>
+      <p:sp>
+        <p:nvSpPr>
+          <p:cNvPr id="10" name="TextBox 9"/>
+          <p:cNvSpPr txBox="1"/>
+          <p:nvPr/>
+        </p:nvSpPr>
+        <p:spPr>
+          <a:xfrm>
+            <a:off x="6244746" y="4193443"/>
+            <a:ext cx="1843262" cy="646331"/>
+          </a:xfrm>
+          <a:prstGeom prst="rect">
+            <a:avLst/>
+          </a:prstGeom>
+          <a:noFill/>
+        </p:spPr>
+        <p:txBody>
+          <a:bodyPr wrap="none" rtlCol="0">
+            <a:spAutoFit/>
+          </a:bodyPr>
+          <a:lstStyle/>
+          <a:p>
+            <a:r>
+              <a:rPr lang="en-US" dirty="0" smtClean="0">
+                <a:solidFill>
+                  <a:srgbClr val="FF0000"/>
+                </a:solidFill>
+              </a:rPr>
+              <a:t>1 % - can define </a:t>
+            </a:r>
+          </a:p>
+          <a:p>
+            <a:r>
+              <a:rPr lang="en-US" dirty="0" smtClean="0">
+                <a:solidFill>
+                  <a:srgbClr val="FF0000"/>
+                </a:solidFill>
+              </a:rPr>
+              <a:t>rest of dictionary</a:t>
+            </a:r>
+            <a:endParaRPr lang="en-US" dirty="0">
+              <a:solidFill>
+                <a:srgbClr val="FF0000"/>
+              </a:solidFill>
+            </a:endParaRPr>
+          </a:p>
+        </p:txBody>
+      </p:sp>
+      <p:cxnSp>
+        <p:nvCxnSpPr>
+          <p:cNvPr id="11" name="Straight Arrow Connector 10"/>
+          <p:cNvCxnSpPr/>
+          <p:nvPr/>
+        </p:nvCxnSpPr>
+        <p:spPr>
+          <a:xfrm flipH="1">
+            <a:off x="5060389" y="4379664"/>
+            <a:ext cx="1216441" cy="448768"/>
+          </a:xfrm>
+          <a:prstGeom prst="straightConnector1">
+            <a:avLst/>
+          </a:prstGeom>
+          <a:ln w="57150">
+            <a:solidFill>
+              <a:srgbClr val="FF0000"/>
+            </a:solidFill>
+            <a:tailEnd type="triangle"/>
+          </a:ln>
+        </p:spPr>
+        <p:style>
+          <a:lnRef idx="1">
+            <a:schemeClr val="accent1"/>
+          </a:lnRef>
+          <a:fillRef idx="0">
+            <a:schemeClr val="accent1"/>
+          </a:fillRef>
+          <a:effectRef idx="0">
+            <a:schemeClr val="accent1"/>
+          </a:effectRef>
+          <a:fontRef idx="minor">
+            <a:schemeClr val="tx1"/>
+          </a:fontRef>
+        </p:style>
+      </p:cxnSp>
+      <p:sp>
+        <p:nvSpPr>
+          <p:cNvPr id="12" name="TextBox 11"/>
+          <p:cNvSpPr txBox="1"/>
+          <p:nvPr/>
+        </p:nvSpPr>
+        <p:spPr>
+          <a:xfrm>
+            <a:off x="6369120" y="3262314"/>
+            <a:ext cx="1843262" cy="646331"/>
+          </a:xfrm>
+          <a:prstGeom prst="rect">
+            <a:avLst/>
+          </a:prstGeom>
+          <a:noFill/>
+        </p:spPr>
+        <p:txBody>
+          <a:bodyPr wrap="none" rtlCol="0">
+            <a:spAutoFit/>
+          </a:bodyPr>
+          <a:lstStyle/>
+          <a:p>
+            <a:r>
+              <a:rPr lang="en-US" dirty="0" smtClean="0">
+                <a:solidFill>
+                  <a:srgbClr val="FF0000"/>
+                </a:solidFill>
+              </a:rPr>
+              <a:t>10 % - can define </a:t>
+            </a:r>
+          </a:p>
+          <a:p>
+            <a:r>
+              <a:rPr lang="en-US" dirty="0" smtClean="0">
+                <a:solidFill>
+                  <a:srgbClr val="FF0000"/>
+                </a:solidFill>
+              </a:rPr>
+              <a:t>rest of dictionary</a:t>
+            </a:r>
+            <a:endParaRPr lang="en-US" dirty="0">
+              <a:solidFill>
+                <a:srgbClr val="FF0000"/>
+              </a:solidFill>
+            </a:endParaRPr>
+          </a:p>
+        </p:txBody>
+      </p:sp>
+      <p:cxnSp>
+        <p:nvCxnSpPr>
+          <p:cNvPr id="13" name="Straight Arrow Connector 12"/>
+          <p:cNvCxnSpPr/>
+          <p:nvPr/>
+        </p:nvCxnSpPr>
+        <p:spPr>
+          <a:xfrm flipH="1">
+            <a:off x="4573458" y="5307757"/>
+            <a:ext cx="1513281" cy="331258"/>
+          </a:xfrm>
+          <a:prstGeom prst="straightConnector1">
+            <a:avLst/>
+          </a:prstGeom>
+          <a:ln w="57150">
+            <a:solidFill>
+              <a:srgbClr val="FF0000"/>
+            </a:solidFill>
+            <a:tailEnd type="triangle"/>
+          </a:ln>
+        </p:spPr>
+        <p:style>
+          <a:lnRef idx="1">
+            <a:schemeClr val="accent1"/>
+          </a:lnRef>
+          <a:fillRef idx="0">
+            <a:schemeClr val="accent1"/>
+          </a:fillRef>
+          <a:effectRef idx="0">
+            <a:schemeClr val="accent1"/>
+          </a:effectRef>
+          <a:fontRef idx="minor">
+            <a:schemeClr val="tx1"/>
+          </a:fontRef>
+        </p:style>
+      </p:cxnSp>
+      <p:sp>
+        <p:nvSpPr>
+          <p:cNvPr id="16" name="TextBox 15"/>
+          <p:cNvSpPr txBox="1"/>
+          <p:nvPr/>
+        </p:nvSpPr>
+        <p:spPr>
+          <a:xfrm>
+            <a:off x="6226707" y="5118516"/>
+            <a:ext cx="2045881" cy="646331"/>
+          </a:xfrm>
+          <a:prstGeom prst="rect">
+            <a:avLst/>
+          </a:prstGeom>
+          <a:noFill/>
+        </p:spPr>
+        <p:txBody>
+          <a:bodyPr wrap="none" rtlCol="0">
+            <a:spAutoFit/>
+          </a:bodyPr>
+          <a:lstStyle/>
+          <a:p>
+            <a:r>
+              <a:rPr lang="en-US" dirty="0" smtClean="0">
+                <a:solidFill>
+                  <a:srgbClr val="FF0000"/>
+                </a:solidFill>
+              </a:rPr>
+              <a:t>Strongly connected </a:t>
+            </a:r>
+          </a:p>
+          <a:p>
+            <a:r>
+              <a:rPr lang="en-US" dirty="0" smtClean="0">
+                <a:solidFill>
+                  <a:srgbClr val="FF0000"/>
+                </a:solidFill>
+              </a:rPr>
+              <a:t>subset</a:t>
+            </a:r>
+            <a:endParaRPr lang="en-US" dirty="0">
+              <a:solidFill>
+                <a:srgbClr val="FF0000"/>
+              </a:solidFill>
+            </a:endParaRPr>
           </a:p>
         </p:txBody>
       </p:sp>
     </p:spTree>
     <p:extLst>
       <p:ext uri="{BB962C8B-B14F-4D97-AF65-F5344CB8AC3E}">
-        <p14:creationId xmlns:p14="http://schemas.microsoft.com/office/powerpoint/2010/main" val="1934445661"/>
+        <p14:creationId xmlns:p14="http://schemas.microsoft.com/office/powerpoint/2010/main" val="1149614580"/>
       </p:ext>
     </p:extLst>
   </p:cSld>

--- a/talks/lupyan_lab_3_8_18.pptx
+++ b/talks/lupyan_lab_3_8_18.pptx
@@ -5,7 +5,7 @@
     <p:sldMasterId id="2147483660" r:id="rId1"/>
   </p:sldMasterIdLst>
   <p:notesMasterIdLst>
-    <p:notesMasterId r:id="rId22"/>
+    <p:notesMasterId r:id="rId23"/>
   </p:notesMasterIdLst>
   <p:sldIdLst>
     <p:sldId id="257" r:id="rId2"/>
@@ -25,9 +25,10 @@
     <p:sldId id="291" r:id="rId16"/>
     <p:sldId id="292" r:id="rId17"/>
     <p:sldId id="293" r:id="rId18"/>
-    <p:sldId id="278" r:id="rId19"/>
-    <p:sldId id="281" r:id="rId20"/>
-    <p:sldId id="282" r:id="rId21"/>
+    <p:sldId id="294" r:id="rId19"/>
+    <p:sldId id="278" r:id="rId20"/>
+    <p:sldId id="281" r:id="rId21"/>
+    <p:sldId id="282" r:id="rId22"/>
   </p:sldIdLst>
   <p:sldSz cx="9144000" cy="6858000" type="screen4x3"/>
   <p:notesSz cx="6858000" cy="9144000"/>
@@ -216,7 +217,7 @@
           <a:p>
             <a:fld id="{C83377CE-E564-3848-A190-DC1868881D47}" type="datetimeFigureOut">
               <a:rPr lang="en-US" smtClean="0"/>
-              <a:t>3/7/18</a:t>
+              <a:t>3/14/18</a:t>
             </a:fld>
             <a:endParaRPr lang="en-US"/>
           </a:p>
@@ -571,6 +572,190 @@
 </p:notes>
 </file>
 
+<file path=ppt/notesSlides/notesSlide10.xml><?xml version="1.0" encoding="utf-8"?>
+<p:notes xmlns:a="http://schemas.openxmlformats.org/drawingml/2006/main" xmlns:r="http://schemas.openxmlformats.org/officeDocument/2006/relationships" xmlns:p="http://schemas.openxmlformats.org/presentationml/2006/main">
+  <p:cSld>
+    <p:spTree>
+      <p:nvGrpSpPr>
+        <p:cNvPr id="1" name=""/>
+        <p:cNvGrpSpPr/>
+        <p:nvPr/>
+      </p:nvGrpSpPr>
+      <p:grpSpPr>
+        <a:xfrm>
+          <a:off x="0" y="0"/>
+          <a:ext cx="0" cy="0"/>
+          <a:chOff x="0" y="0"/>
+          <a:chExt cx="0" cy="0"/>
+        </a:xfrm>
+      </p:grpSpPr>
+      <p:sp>
+        <p:nvSpPr>
+          <p:cNvPr id="2" name="Slide Image Placeholder 1"/>
+          <p:cNvSpPr>
+            <a:spLocks noGrp="1" noRot="1" noChangeAspect="1"/>
+          </p:cNvSpPr>
+          <p:nvPr>
+            <p:ph type="sldImg"/>
+          </p:nvPr>
+        </p:nvSpPr>
+        <p:spPr/>
+      </p:sp>
+      <p:sp>
+        <p:nvSpPr>
+          <p:cNvPr id="3" name="Notes Placeholder 2"/>
+          <p:cNvSpPr>
+            <a:spLocks noGrp="1"/>
+          </p:cNvSpPr>
+          <p:nvPr>
+            <p:ph type="body" idx="1"/>
+          </p:nvPr>
+        </p:nvSpPr>
+        <p:spPr/>
+        <p:txBody>
+          <a:bodyPr/>
+          <a:lstStyle/>
+          <a:p>
+            <a:r>
+              <a:rPr lang="en-US" dirty="0" smtClean="0"/>
+              <a:t>-</a:t>
+            </a:r>
+            <a:r>
+              <a:rPr lang="en-US" baseline="0" dirty="0" smtClean="0"/>
+              <a:t> core words </a:t>
+            </a:r>
+            <a:r>
+              <a:rPr lang="en-US" baseline="0" dirty="0" err="1" smtClean="0"/>
+              <a:t>knolwege</a:t>
+            </a:r>
+            <a:r>
+              <a:rPr lang="en-US" baseline="0" dirty="0" smtClean="0"/>
+              <a:t> vs. non-core words`</a:t>
+            </a:r>
+            <a:endParaRPr lang="en-US" dirty="0"/>
+          </a:p>
+        </p:txBody>
+      </p:sp>
+      <p:sp>
+        <p:nvSpPr>
+          <p:cNvPr id="4" name="Slide Number Placeholder 3"/>
+          <p:cNvSpPr>
+            <a:spLocks noGrp="1"/>
+          </p:cNvSpPr>
+          <p:nvPr>
+            <p:ph type="sldNum" sz="quarter" idx="10"/>
+          </p:nvPr>
+        </p:nvSpPr>
+        <p:spPr/>
+        <p:txBody>
+          <a:bodyPr/>
+          <a:lstStyle/>
+          <a:p>
+            <a:fld id="{338C3D21-22B2-4149-A9C9-4B394D406695}" type="slidenum">
+              <a:rPr lang="en-US" smtClean="0"/>
+              <a:t>17</a:t>
+            </a:fld>
+            <a:endParaRPr lang="en-US"/>
+          </a:p>
+        </p:txBody>
+      </p:sp>
+    </p:spTree>
+    <p:extLst>
+      <p:ext uri="{BB962C8B-B14F-4D97-AF65-F5344CB8AC3E}">
+        <p14:creationId xmlns:p14="http://schemas.microsoft.com/office/powerpoint/2010/main" val="169468264"/>
+      </p:ext>
+    </p:extLst>
+  </p:cSld>
+  <p:clrMapOvr>
+    <a:masterClrMapping/>
+  </p:clrMapOvr>
+</p:notes>
+</file>
+
+<file path=ppt/notesSlides/notesSlide11.xml><?xml version="1.0" encoding="utf-8"?>
+<p:notes xmlns:a="http://schemas.openxmlformats.org/drawingml/2006/main" xmlns:r="http://schemas.openxmlformats.org/officeDocument/2006/relationships" xmlns:p="http://schemas.openxmlformats.org/presentationml/2006/main">
+  <p:cSld>
+    <p:spTree>
+      <p:nvGrpSpPr>
+        <p:cNvPr id="1" name=""/>
+        <p:cNvGrpSpPr/>
+        <p:nvPr/>
+      </p:nvGrpSpPr>
+      <p:grpSpPr>
+        <a:xfrm>
+          <a:off x="0" y="0"/>
+          <a:ext cx="0" cy="0"/>
+          <a:chOff x="0" y="0"/>
+          <a:chExt cx="0" cy="0"/>
+        </a:xfrm>
+      </p:grpSpPr>
+      <p:sp>
+        <p:nvSpPr>
+          <p:cNvPr id="2" name="Slide Image Placeholder 1"/>
+          <p:cNvSpPr>
+            <a:spLocks noGrp="1" noRot="1" noChangeAspect="1"/>
+          </p:cNvSpPr>
+          <p:nvPr>
+            <p:ph type="sldImg"/>
+          </p:nvPr>
+        </p:nvSpPr>
+        <p:spPr/>
+      </p:sp>
+      <p:sp>
+        <p:nvSpPr>
+          <p:cNvPr id="3" name="Notes Placeholder 2"/>
+          <p:cNvSpPr>
+            <a:spLocks noGrp="1"/>
+          </p:cNvSpPr>
+          <p:nvPr>
+            <p:ph type="body" idx="1"/>
+          </p:nvPr>
+        </p:nvSpPr>
+        <p:spPr/>
+        <p:txBody>
+          <a:bodyPr/>
+          <a:lstStyle/>
+          <a:p>
+            <a:endParaRPr lang="en-US" dirty="0"/>
+          </a:p>
+        </p:txBody>
+      </p:sp>
+      <p:sp>
+        <p:nvSpPr>
+          <p:cNvPr id="4" name="Slide Number Placeholder 3"/>
+          <p:cNvSpPr>
+            <a:spLocks noGrp="1"/>
+          </p:cNvSpPr>
+          <p:nvPr>
+            <p:ph type="sldNum" sz="quarter" idx="10"/>
+          </p:nvPr>
+        </p:nvSpPr>
+        <p:spPr/>
+        <p:txBody>
+          <a:bodyPr/>
+          <a:lstStyle/>
+          <a:p>
+            <a:fld id="{338C3D21-22B2-4149-A9C9-4B394D406695}" type="slidenum">
+              <a:rPr lang="en-US" smtClean="0"/>
+              <a:t>21</a:t>
+            </a:fld>
+            <a:endParaRPr lang="en-US"/>
+          </a:p>
+        </p:txBody>
+      </p:sp>
+    </p:spTree>
+    <p:extLst>
+      <p:ext uri="{BB962C8B-B14F-4D97-AF65-F5344CB8AC3E}">
+        <p14:creationId xmlns:p14="http://schemas.microsoft.com/office/powerpoint/2010/main" val="225075220"/>
+      </p:ext>
+    </p:extLst>
+  </p:cSld>
+  <p:clrMapOvr>
+    <a:masterClrMapping/>
+  </p:clrMapOvr>
+</p:notes>
+</file>
+
 <file path=ppt/notesSlides/notesSlide2.xml><?xml version="1.0" encoding="utf-8"?>
 <p:notes xmlns:a="http://schemas.openxmlformats.org/drawingml/2006/main" xmlns:r="http://schemas.openxmlformats.org/officeDocument/2006/relationships" xmlns:p="http://schemas.openxmlformats.org/presentationml/2006/main">
   <p:cSld>
@@ -1081,6 +1266,15 @@
               <a:rPr lang="en-US" u="sng" baseline="0" dirty="0" smtClean="0"/>
               <a:t> month age bin</a:t>
             </a:r>
+          </a:p>
+          <a:p>
+            <a:endParaRPr lang="en-US" u="sng" baseline="0" dirty="0" smtClean="0"/>
+          </a:p>
+          <a:p>
+            <a:r>
+              <a:rPr lang="en-US" u="sng" baseline="0" dirty="0" smtClean="0"/>
+              <a:t>variability in words- high variability   words as less predictive</a:t>
+            </a:r>
             <a:endParaRPr lang="en-US" dirty="0"/>
           </a:p>
         </p:txBody>
@@ -1253,6 +1447,16 @@
           <a:bodyPr/>
           <a:lstStyle/>
           <a:p>
+            <a:r>
+              <a:rPr lang="en-US" dirty="0" smtClean="0"/>
+              <a:t>normalize</a:t>
+            </a:r>
+            <a:r>
+              <a:rPr lang="en-US" baseline="0" dirty="0" smtClean="0"/>
+              <a:t> by number of words</a:t>
+            </a:r>
+          </a:p>
+          <a:p>
             <a:endParaRPr lang="en-US" dirty="0"/>
           </a:p>
         </p:txBody>
@@ -1274,7 +1478,7 @@
           <a:p>
             <a:fld id="{338C3D21-22B2-4149-A9C9-4B394D406695}" type="slidenum">
               <a:rPr lang="en-US" smtClean="0"/>
-              <a:t>20</a:t>
+              <a:t>13</a:t>
             </a:fld>
             <a:endParaRPr lang="en-US"/>
           </a:p>
@@ -1283,7 +1487,7 @@
     </p:spTree>
     <p:extLst>
       <p:ext uri="{BB962C8B-B14F-4D97-AF65-F5344CB8AC3E}">
-        <p14:creationId xmlns:p14="http://schemas.microsoft.com/office/powerpoint/2010/main" val="225075220"/>
+        <p14:creationId xmlns:p14="http://schemas.microsoft.com/office/powerpoint/2010/main" val="998279104"/>
       </p:ext>
     </p:extLst>
   </p:cSld>
@@ -1424,7 +1628,7 @@
           <a:p>
             <a:fld id="{00AC448F-706C-4C41-B386-F982DB8A4C12}" type="datetimeFigureOut">
               <a:rPr lang="en-US" smtClean="0"/>
-              <a:t>3/7/18</a:t>
+              <a:t>3/14/18</a:t>
             </a:fld>
             <a:endParaRPr lang="en-US"/>
           </a:p>
@@ -1589,7 +1793,7 @@
           <a:p>
             <a:fld id="{00AC448F-706C-4C41-B386-F982DB8A4C12}" type="datetimeFigureOut">
               <a:rPr lang="en-US" smtClean="0"/>
-              <a:t>3/7/18</a:t>
+              <a:t>3/14/18</a:t>
             </a:fld>
             <a:endParaRPr lang="en-US"/>
           </a:p>
@@ -1764,7 +1968,7 @@
           <a:p>
             <a:fld id="{00AC448F-706C-4C41-B386-F982DB8A4C12}" type="datetimeFigureOut">
               <a:rPr lang="en-US" smtClean="0"/>
-              <a:t>3/7/18</a:t>
+              <a:t>3/14/18</a:t>
             </a:fld>
             <a:endParaRPr lang="en-US"/>
           </a:p>
@@ -1929,7 +2133,7 @@
           <a:p>
             <a:fld id="{00AC448F-706C-4C41-B386-F982DB8A4C12}" type="datetimeFigureOut">
               <a:rPr lang="en-US" smtClean="0"/>
-              <a:t>3/7/18</a:t>
+              <a:t>3/14/18</a:t>
             </a:fld>
             <a:endParaRPr lang="en-US"/>
           </a:p>
@@ -2168,7 +2372,7 @@
           <a:p>
             <a:fld id="{00AC448F-706C-4C41-B386-F982DB8A4C12}" type="datetimeFigureOut">
               <a:rPr lang="en-US" smtClean="0"/>
-              <a:t>3/7/18</a:t>
+              <a:t>3/14/18</a:t>
             </a:fld>
             <a:endParaRPr lang="en-US"/>
           </a:p>
@@ -2395,7 +2599,7 @@
           <a:p>
             <a:fld id="{00AC448F-706C-4C41-B386-F982DB8A4C12}" type="datetimeFigureOut">
               <a:rPr lang="en-US" smtClean="0"/>
-              <a:t>3/7/18</a:t>
+              <a:t>3/14/18</a:t>
             </a:fld>
             <a:endParaRPr lang="en-US"/>
           </a:p>
@@ -2757,7 +2961,7 @@
           <a:p>
             <a:fld id="{00AC448F-706C-4C41-B386-F982DB8A4C12}" type="datetimeFigureOut">
               <a:rPr lang="en-US" smtClean="0"/>
-              <a:t>3/7/18</a:t>
+              <a:t>3/14/18</a:t>
             </a:fld>
             <a:endParaRPr lang="en-US"/>
           </a:p>
@@ -2870,7 +3074,7 @@
           <a:p>
             <a:fld id="{00AC448F-706C-4C41-B386-F982DB8A4C12}" type="datetimeFigureOut">
               <a:rPr lang="en-US" smtClean="0"/>
-              <a:t>3/7/18</a:t>
+              <a:t>3/14/18</a:t>
             </a:fld>
             <a:endParaRPr lang="en-US"/>
           </a:p>
@@ -2960,7 +3164,7 @@
           <a:p>
             <a:fld id="{00AC448F-706C-4C41-B386-F982DB8A4C12}" type="datetimeFigureOut">
               <a:rPr lang="en-US" smtClean="0"/>
-              <a:t>3/7/18</a:t>
+              <a:t>3/14/18</a:t>
             </a:fld>
             <a:endParaRPr lang="en-US"/>
           </a:p>
@@ -3232,7 +3436,7 @@
           <a:p>
             <a:fld id="{00AC448F-706C-4C41-B386-F982DB8A4C12}" type="datetimeFigureOut">
               <a:rPr lang="en-US" smtClean="0"/>
-              <a:t>3/7/18</a:t>
+              <a:t>3/14/18</a:t>
             </a:fld>
             <a:endParaRPr lang="en-US"/>
           </a:p>
@@ -3484,7 +3688,7 @@
           <a:p>
             <a:fld id="{00AC448F-706C-4C41-B386-F982DB8A4C12}" type="datetimeFigureOut">
               <a:rPr lang="en-US" smtClean="0"/>
-              <a:t>3/7/18</a:t>
+              <a:t>3/14/18</a:t>
             </a:fld>
             <a:endParaRPr lang="en-US"/>
           </a:p>
@@ -3692,7 +3896,7 @@
           <a:p>
             <a:fld id="{00AC448F-706C-4C41-B386-F982DB8A4C12}" type="datetimeFigureOut">
               <a:rPr lang="en-US" smtClean="0"/>
-              <a:t>3/7/18</a:t>
+              <a:t>3/14/18</a:t>
             </a:fld>
             <a:endParaRPr lang="en-US"/>
           </a:p>
@@ -4923,6 +5127,13 @@
   <p:clrMapOvr>
     <a:masterClrMapping/>
   </p:clrMapOvr>
+  <p:timing>
+    <p:tnLst>
+      <p:par>
+        <p:cTn id="1" dur="indefinite" restart="never" nodeType="tmRoot"/>
+      </p:par>
+    </p:tnLst>
+  </p:timing>
 </p:sld>
 </file>
 
@@ -5055,6 +5266,13 @@
   <p:clrMapOvr>
     <a:masterClrMapping/>
   </p:clrMapOvr>
+  <p:timing>
+    <p:tnLst>
+      <p:par>
+        <p:cTn id="1" dur="indefinite" restart="never" nodeType="tmRoot"/>
+      </p:par>
+    </p:tnLst>
+  </p:timing>
 </p:sld>
 </file>
 
@@ -5115,6 +5333,13 @@
   <p:clrMapOvr>
     <a:masterClrMapping/>
   </p:clrMapOvr>
+  <p:timing>
+    <p:tnLst>
+      <p:par>
+        <p:cTn id="1" dur="indefinite" restart="never" nodeType="tmRoot"/>
+      </p:par>
+    </p:tnLst>
+  </p:timing>
 </p:sld>
 </file>
 
@@ -5175,6 +5400,13 @@
   <p:clrMapOvr>
     <a:masterClrMapping/>
   </p:clrMapOvr>
+  <p:timing>
+    <p:tnLst>
+      <p:par>
+        <p:cTn id="1" dur="indefinite" restart="never" nodeType="tmRoot"/>
+      </p:par>
+    </p:tnLst>
+  </p:timing>
 </p:sld>
 </file>
 
@@ -5321,6 +5553,13 @@
   <p:clrMapOvr>
     <a:masterClrMapping/>
   </p:clrMapOvr>
+  <p:timing>
+    <p:tnLst>
+      <p:par>
+        <p:cTn id="1" dur="indefinite" restart="never" nodeType="tmRoot"/>
+      </p:par>
+    </p:tnLst>
+  </p:timing>
 </p:sld>
 </file>
 
@@ -5436,7 +5675,7 @@
           <p:nvPr/>
         </p:nvPicPr>
         <p:blipFill rotWithShape="1">
-          <a:blip r:embed="rId2">
+          <a:blip r:embed="rId3">
             <a:extLst>
               <a:ext uri="{28A0092B-C50C-407E-A947-70E740481C1C}">
                 <a14:useLocalDpi xmlns:a14="http://schemas.microsoft.com/office/drawing/2010/main" val="0"/>
@@ -5466,10 +5705,249 @@
   <p:clrMapOvr>
     <a:masterClrMapping/>
   </p:clrMapOvr>
+  <p:timing>
+    <p:tnLst>
+      <p:par>
+        <p:cTn id="1" dur="indefinite" restart="never" nodeType="tmRoot"/>
+      </p:par>
+    </p:tnLst>
+  </p:timing>
 </p:sld>
 </file>
 
 <file path=ppt/slides/slide18.xml><?xml version="1.0" encoding="utf-8"?>
+<p:sld xmlns:a="http://schemas.openxmlformats.org/drawingml/2006/main" xmlns:r="http://schemas.openxmlformats.org/officeDocument/2006/relationships" xmlns:p="http://schemas.openxmlformats.org/presentationml/2006/main">
+  <p:cSld>
+    <p:spTree>
+      <p:nvGrpSpPr>
+        <p:cNvPr id="1" name=""/>
+        <p:cNvGrpSpPr/>
+        <p:nvPr/>
+      </p:nvGrpSpPr>
+      <p:grpSpPr>
+        <a:xfrm>
+          <a:off x="0" y="0"/>
+          <a:ext cx="0" cy="0"/>
+          <a:chOff x="0" y="0"/>
+          <a:chExt cx="0" cy="0"/>
+        </a:xfrm>
+      </p:grpSpPr>
+      <p:sp>
+        <p:nvSpPr>
+          <p:cNvPr id="2" name="Title 1"/>
+          <p:cNvSpPr>
+            <a:spLocks noGrp="1"/>
+          </p:cNvSpPr>
+          <p:nvPr>
+            <p:ph type="title"/>
+          </p:nvPr>
+        </p:nvSpPr>
+        <p:spPr/>
+        <p:txBody>
+          <a:bodyPr/>
+          <a:lstStyle/>
+          <a:p>
+            <a:r>
+              <a:rPr lang="en-US" dirty="0" smtClean="0"/>
+              <a:t>Next step:</a:t>
+            </a:r>
+            <a:endParaRPr lang="en-US" dirty="0"/>
+          </a:p>
+        </p:txBody>
+      </p:sp>
+      <p:sp>
+        <p:nvSpPr>
+          <p:cNvPr id="3" name="Content Placeholder 2"/>
+          <p:cNvSpPr>
+            <a:spLocks noGrp="1"/>
+          </p:cNvSpPr>
+          <p:nvPr>
+            <p:ph idx="1"/>
+          </p:nvPr>
+        </p:nvSpPr>
+        <p:spPr/>
+        <p:txBody>
+          <a:bodyPr>
+            <a:normAutofit fontScale="70000" lnSpcReduction="20000"/>
+          </a:bodyPr>
+          <a:lstStyle/>
+          <a:p>
+            <a:r>
+              <a:rPr lang="en-US" dirty="0" smtClean="0"/>
+              <a:t>Regression for each word</a:t>
+            </a:r>
+            <a:endParaRPr lang="en-US" dirty="0"/>
+          </a:p>
+          <a:p>
+            <a:pPr marL="0" indent="0">
+              <a:buNone/>
+            </a:pPr>
+            <a:endParaRPr lang="en-US" dirty="0"/>
+          </a:p>
+          <a:p>
+            <a:r>
+              <a:rPr lang="en-US" dirty="0" err="1"/>
+              <a:t>R</a:t>
+            </a:r>
+            <a:r>
+              <a:rPr lang="en-US" dirty="0" err="1" smtClean="0"/>
+              <a:t>esidualized</a:t>
+            </a:r>
+            <a:r>
+              <a:rPr lang="en-US" dirty="0" smtClean="0"/>
+              <a:t> </a:t>
+            </a:r>
+            <a:r>
+              <a:rPr lang="en-US" dirty="0"/>
+              <a:t>number of words </a:t>
+            </a:r>
+            <a:r>
+              <a:rPr lang="en-US" dirty="0" smtClean="0"/>
+              <a:t>~ Age + age difference + </a:t>
+            </a:r>
+            <a:r>
+              <a:rPr lang="en-US" dirty="0" err="1" smtClean="0"/>
+              <a:t>residualized</a:t>
+            </a:r>
+            <a:r>
+              <a:rPr lang="en-US" dirty="0" smtClean="0"/>
+              <a:t> number of words +</a:t>
+            </a:r>
+            <a:r>
+              <a:rPr lang="en-US" dirty="0"/>
+              <a:t> </a:t>
+            </a:r>
+            <a:r>
+              <a:rPr lang="en-US" dirty="0" smtClean="0"/>
+              <a:t>know word + (1|kid)</a:t>
+            </a:r>
+          </a:p>
+          <a:p>
+            <a:pPr marL="0" indent="0">
+              <a:buNone/>
+            </a:pPr>
+            <a:endParaRPr lang="en-US" dirty="0"/>
+          </a:p>
+          <a:p>
+            <a:r>
+              <a:rPr lang="en-US" dirty="0" smtClean="0"/>
+              <a:t>Get coefficient for each word</a:t>
+            </a:r>
+            <a:r>
+              <a:rPr lang="en-US" dirty="0"/>
+              <a:t> </a:t>
+            </a:r>
+            <a:r>
+              <a:rPr lang="en-US" dirty="0" smtClean="0"/>
+              <a:t>and rank them</a:t>
+            </a:r>
+          </a:p>
+          <a:p>
+            <a:pPr marL="0" indent="0">
+              <a:buNone/>
+            </a:pPr>
+            <a:r>
+              <a:rPr lang="en-US" dirty="0" smtClean="0"/>
+              <a:t>Compare to prop number of kids who know a word (data sent Gary, to get at Nicole’s question)</a:t>
+            </a:r>
+          </a:p>
+          <a:p>
+            <a:pPr marL="0" indent="0">
+              <a:buNone/>
+            </a:pPr>
+            <a:endParaRPr lang="en-US" dirty="0"/>
+          </a:p>
+          <a:p>
+            <a:pPr marL="0" indent="0">
+              <a:buNone/>
+            </a:pPr>
+            <a:r>
+              <a:rPr lang="en-US" dirty="0" smtClean="0"/>
+              <a:t>ALSO:</a:t>
+            </a:r>
+          </a:p>
+          <a:p>
+            <a:pPr marL="0" indent="0">
+              <a:buNone/>
+            </a:pPr>
+            <a:r>
+              <a:rPr lang="en-US" dirty="0"/>
+              <a:t>NOTES: -&gt; core- periphery structure in networks - for each child-&gt; are </a:t>
+            </a:r>
+            <a:r>
+              <a:rPr lang="en-US" dirty="0" err="1"/>
+              <a:t>AoA</a:t>
+            </a:r>
+            <a:r>
+              <a:rPr lang="en-US" dirty="0"/>
+              <a:t> adult </a:t>
+            </a:r>
+            <a:r>
+              <a:rPr lang="en-US" dirty="0" err="1"/>
+              <a:t>judgemnts</a:t>
+            </a:r>
+            <a:r>
+              <a:rPr lang="en-US" dirty="0"/>
+              <a:t> about </a:t>
+            </a:r>
+            <a:r>
+              <a:rPr lang="en-US" dirty="0" err="1"/>
+              <a:t>corenesS</a:t>
+            </a:r>
+            <a:r>
+              <a:rPr lang="en-US" dirty="0"/>
+              <a:t>?  - childes network </a:t>
+            </a:r>
+            <a:r>
+              <a:rPr lang="en-US" dirty="0" err="1"/>
+              <a:t>vocabuly</a:t>
+            </a:r>
+            <a:r>
+              <a:rPr lang="en-US" dirty="0"/>
+              <a:t> (get </a:t>
+            </a:r>
+            <a:r>
+              <a:rPr lang="en-US" dirty="0" err="1"/>
+              <a:t>closesness</a:t>
+            </a:r>
+            <a:r>
+              <a:rPr lang="en-US" dirty="0"/>
+              <a:t>/</a:t>
+            </a:r>
+            <a:r>
+              <a:rPr lang="en-US" dirty="0" err="1"/>
+              <a:t>betweenweess</a:t>
+            </a:r>
+            <a:r>
+              <a:rPr lang="en-US" dirty="0"/>
+              <a:t> for each word) -&gt; compute with word in vs. out- </a:t>
+            </a:r>
+            <a:r>
+              <a:rPr lang="en-US" dirty="0" err="1"/>
+              <a:t>intesection</a:t>
+            </a:r>
+            <a:r>
+              <a:rPr lang="en-US"/>
+              <a:t> of vocabulary- what words, when removed, deviated most from normative in terms of their learning trajectory* Mahesh (PNAS)</a:t>
+            </a:r>
+            <a:endParaRPr lang="en-US" dirty="0" smtClean="0"/>
+          </a:p>
+        </p:txBody>
+      </p:sp>
+    </p:spTree>
+    <p:extLst>
+      <p:ext uri="{BB962C8B-B14F-4D97-AF65-F5344CB8AC3E}">
+        <p14:creationId xmlns:p14="http://schemas.microsoft.com/office/powerpoint/2010/main" val="373342574"/>
+      </p:ext>
+    </p:extLst>
+  </p:cSld>
+  <p:clrMapOvr>
+    <a:masterClrMapping/>
+  </p:clrMapOvr>
+</p:sld>
+</file>
+
+<file path=ppt/slides/slide19.xml><?xml version="1.0" encoding="utf-8"?>
 <p:sld xmlns:a="http://schemas.openxmlformats.org/drawingml/2006/main" xmlns:r="http://schemas.openxmlformats.org/officeDocument/2006/relationships" xmlns:p="http://schemas.openxmlformats.org/presentationml/2006/main">
   <p:cSld>
     <p:spTree>
@@ -6071,86 +6549,6 @@
 </p:sld>
 </file>
 
-<file path=ppt/slides/slide19.xml><?xml version="1.0" encoding="utf-8"?>
-<p:sld xmlns:a="http://schemas.openxmlformats.org/drawingml/2006/main" xmlns:r="http://schemas.openxmlformats.org/officeDocument/2006/relationships" xmlns:p="http://schemas.openxmlformats.org/presentationml/2006/main">
-  <p:cSld>
-    <p:spTree>
-      <p:nvGrpSpPr>
-        <p:cNvPr id="1" name=""/>
-        <p:cNvGrpSpPr/>
-        <p:nvPr/>
-      </p:nvGrpSpPr>
-      <p:grpSpPr>
-        <a:xfrm>
-          <a:off x="0" y="0"/>
-          <a:ext cx="0" cy="0"/>
-          <a:chOff x="0" y="0"/>
-          <a:chExt cx="0" cy="0"/>
-        </a:xfrm>
-      </p:grpSpPr>
-      <p:sp>
-        <p:nvSpPr>
-          <p:cNvPr id="2" name="Title 1"/>
-          <p:cNvSpPr>
-            <a:spLocks noGrp="1"/>
-          </p:cNvSpPr>
-          <p:nvPr>
-            <p:ph type="title"/>
-          </p:nvPr>
-        </p:nvSpPr>
-        <p:spPr/>
-        <p:txBody>
-          <a:bodyPr/>
-          <a:lstStyle/>
-          <a:p>
-            <a:r>
-              <a:rPr lang="en-US" dirty="0" smtClean="0"/>
-              <a:t>Here’s the </a:t>
-            </a:r>
-            <a:r>
-              <a:rPr lang="en-US" dirty="0" err="1" smtClean="0"/>
-              <a:t>lognitidunal</a:t>
-            </a:r>
-            <a:r>
-              <a:rPr lang="en-US" dirty="0" smtClean="0"/>
-              <a:t> data look like</a:t>
-            </a:r>
-            <a:endParaRPr lang="en-US" dirty="0"/>
-          </a:p>
-        </p:txBody>
-      </p:sp>
-      <p:sp>
-        <p:nvSpPr>
-          <p:cNvPr id="3" name="Content Placeholder 2"/>
-          <p:cNvSpPr>
-            <a:spLocks noGrp="1"/>
-          </p:cNvSpPr>
-          <p:nvPr>
-            <p:ph idx="1"/>
-          </p:nvPr>
-        </p:nvSpPr>
-        <p:spPr/>
-        <p:txBody>
-          <a:bodyPr/>
-          <a:lstStyle/>
-          <a:p>
-            <a:endParaRPr lang="en-US"/>
-          </a:p>
-        </p:txBody>
-      </p:sp>
-    </p:spTree>
-    <p:extLst>
-      <p:ext uri="{BB962C8B-B14F-4D97-AF65-F5344CB8AC3E}">
-        <p14:creationId xmlns:p14="http://schemas.microsoft.com/office/powerpoint/2010/main" val="953974572"/>
-      </p:ext>
-    </p:extLst>
-  </p:cSld>
-  <p:clrMapOvr>
-    <a:masterClrMapping/>
-  </p:clrMapOvr>
-</p:sld>
-</file>
-
 <file path=ppt/slides/slide2.xml><?xml version="1.0" encoding="utf-8"?>
 <p:sld xmlns:a="http://schemas.openxmlformats.org/drawingml/2006/main" xmlns:r="http://schemas.openxmlformats.org/officeDocument/2006/relationships" xmlns:p="http://schemas.openxmlformats.org/presentationml/2006/main">
   <p:cSld>
@@ -6353,10 +6751,168 @@
   <p:clrMapOvr>
     <a:masterClrMapping/>
   </p:clrMapOvr>
+  <p:timing>
+    <p:tnLst>
+      <p:par>
+        <p:cTn id="1" dur="indefinite" restart="never" nodeType="tmRoot">
+          <p:childTnLst>
+            <p:seq concurrent="1" nextAc="seek">
+              <p:cTn id="2" dur="indefinite" nodeType="mainSeq">
+                <p:childTnLst>
+                  <p:par>
+                    <p:cTn id="3" fill="hold">
+                      <p:stCondLst>
+                        <p:cond delay="indefinite"/>
+                      </p:stCondLst>
+                      <p:childTnLst>
+                        <p:par>
+                          <p:cTn id="4" fill="hold">
+                            <p:stCondLst>
+                              <p:cond delay="0"/>
+                            </p:stCondLst>
+                            <p:childTnLst>
+                              <p:par>
+                                <p:cTn id="5" presetID="1" presetClass="entr" presetSubtype="0" fill="hold" grpId="0" nodeType="clickEffect">
+                                  <p:stCondLst>
+                                    <p:cond delay="0"/>
+                                  </p:stCondLst>
+                                  <p:childTnLst>
+                                    <p:set>
+                                      <p:cBhvr>
+                                        <p:cTn id="6" dur="1" fill="hold">
+                                          <p:stCondLst>
+                                            <p:cond delay="0"/>
+                                          </p:stCondLst>
+                                        </p:cTn>
+                                        <p:tgtEl>
+                                          <p:spTgt spid="6"/>
+                                        </p:tgtEl>
+                                        <p:attrNameLst>
+                                          <p:attrName>style.visibility</p:attrName>
+                                        </p:attrNameLst>
+                                      </p:cBhvr>
+                                      <p:to>
+                                        <p:strVal val="visible"/>
+                                      </p:to>
+                                    </p:set>
+                                  </p:childTnLst>
+                                </p:cTn>
+                              </p:par>
+                            </p:childTnLst>
+                          </p:cTn>
+                        </p:par>
+                      </p:childTnLst>
+                    </p:cTn>
+                  </p:par>
+                </p:childTnLst>
+              </p:cTn>
+              <p:prevCondLst>
+                <p:cond evt="onPrev" delay="0">
+                  <p:tgtEl>
+                    <p:sldTgt/>
+                  </p:tgtEl>
+                </p:cond>
+              </p:prevCondLst>
+              <p:nextCondLst>
+                <p:cond evt="onNext" delay="0">
+                  <p:tgtEl>
+                    <p:sldTgt/>
+                  </p:tgtEl>
+                </p:cond>
+              </p:nextCondLst>
+            </p:seq>
+          </p:childTnLst>
+        </p:cTn>
+      </p:par>
+    </p:tnLst>
+    <p:bldLst>
+      <p:bldP spid="6" grpId="0"/>
+    </p:bldLst>
+  </p:timing>
 </p:sld>
 </file>
 
 <file path=ppt/slides/slide20.xml><?xml version="1.0" encoding="utf-8"?>
+<p:sld xmlns:a="http://schemas.openxmlformats.org/drawingml/2006/main" xmlns:r="http://schemas.openxmlformats.org/officeDocument/2006/relationships" xmlns:p="http://schemas.openxmlformats.org/presentationml/2006/main">
+  <p:cSld>
+    <p:spTree>
+      <p:nvGrpSpPr>
+        <p:cNvPr id="1" name=""/>
+        <p:cNvGrpSpPr/>
+        <p:nvPr/>
+      </p:nvGrpSpPr>
+      <p:grpSpPr>
+        <a:xfrm>
+          <a:off x="0" y="0"/>
+          <a:ext cx="0" cy="0"/>
+          <a:chOff x="0" y="0"/>
+          <a:chExt cx="0" cy="0"/>
+        </a:xfrm>
+      </p:grpSpPr>
+      <p:sp>
+        <p:nvSpPr>
+          <p:cNvPr id="2" name="Title 1"/>
+          <p:cNvSpPr>
+            <a:spLocks noGrp="1"/>
+          </p:cNvSpPr>
+          <p:nvPr>
+            <p:ph type="title"/>
+          </p:nvPr>
+        </p:nvSpPr>
+        <p:spPr/>
+        <p:txBody>
+          <a:bodyPr/>
+          <a:lstStyle/>
+          <a:p>
+            <a:r>
+              <a:rPr lang="en-US" dirty="0" smtClean="0"/>
+              <a:t>Here’s the </a:t>
+            </a:r>
+            <a:r>
+              <a:rPr lang="en-US" dirty="0" err="1" smtClean="0"/>
+              <a:t>lognitidunal</a:t>
+            </a:r>
+            <a:r>
+              <a:rPr lang="en-US" dirty="0" smtClean="0"/>
+              <a:t> data look like</a:t>
+            </a:r>
+            <a:endParaRPr lang="en-US" dirty="0"/>
+          </a:p>
+        </p:txBody>
+      </p:sp>
+      <p:sp>
+        <p:nvSpPr>
+          <p:cNvPr id="3" name="Content Placeholder 2"/>
+          <p:cNvSpPr>
+            <a:spLocks noGrp="1"/>
+          </p:cNvSpPr>
+          <p:nvPr>
+            <p:ph idx="1"/>
+          </p:nvPr>
+        </p:nvSpPr>
+        <p:spPr/>
+        <p:txBody>
+          <a:bodyPr/>
+          <a:lstStyle/>
+          <a:p>
+            <a:endParaRPr lang="en-US"/>
+          </a:p>
+        </p:txBody>
+      </p:sp>
+    </p:spTree>
+    <p:extLst>
+      <p:ext uri="{BB962C8B-B14F-4D97-AF65-F5344CB8AC3E}">
+        <p14:creationId xmlns:p14="http://schemas.microsoft.com/office/powerpoint/2010/main" val="953974572"/>
+      </p:ext>
+    </p:extLst>
+  </p:cSld>
+  <p:clrMapOvr>
+    <a:masterClrMapping/>
+  </p:clrMapOvr>
+</p:sld>
+</file>
+
+<file path=ppt/slides/slide21.xml><?xml version="1.0" encoding="utf-8"?>
 <p:sld xmlns:a="http://schemas.openxmlformats.org/drawingml/2006/main" xmlns:r="http://schemas.openxmlformats.org/officeDocument/2006/relationships" xmlns:p="http://schemas.openxmlformats.org/presentationml/2006/main">
   <p:cSld>
     <p:spTree>
@@ -6775,6 +7331,13 @@
   <p:clrMapOvr>
     <a:masterClrMapping/>
   </p:clrMapOvr>
+  <p:timing>
+    <p:tnLst>
+      <p:par>
+        <p:cTn id="1" dur="indefinite" restart="never" nodeType="tmRoot"/>
+      </p:par>
+    </p:tnLst>
+  </p:timing>
 </p:sld>
 </file>
 
@@ -6835,6 +7398,13 @@
   <p:clrMapOvr>
     <a:masterClrMapping/>
   </p:clrMapOvr>
+  <p:timing>
+    <p:tnLst>
+      <p:par>
+        <p:cTn id="1" dur="indefinite" restart="never" nodeType="tmRoot"/>
+      </p:par>
+    </p:tnLst>
+  </p:timing>
 </p:sld>
 </file>
 
@@ -6977,6 +7547,13 @@
   <p:clrMapOvr>
     <a:masterClrMapping/>
   </p:clrMapOvr>
+  <p:timing>
+    <p:tnLst>
+      <p:par>
+        <p:cTn id="1" dur="indefinite" restart="never" nodeType="tmRoot"/>
+      </p:par>
+    </p:tnLst>
+  </p:timing>
 </p:sld>
 </file>
 
@@ -7291,6 +7868,237 @@
   <p:clrMapOvr>
     <a:masterClrMapping/>
   </p:clrMapOvr>
+  <p:timing>
+    <p:tnLst>
+      <p:par>
+        <p:cTn id="1" dur="indefinite" restart="never" nodeType="tmRoot">
+          <p:childTnLst>
+            <p:seq concurrent="1" nextAc="seek">
+              <p:cTn id="2" dur="indefinite" nodeType="mainSeq">
+                <p:childTnLst>
+                  <p:par>
+                    <p:cTn id="3" fill="hold">
+                      <p:stCondLst>
+                        <p:cond delay="indefinite"/>
+                      </p:stCondLst>
+                      <p:childTnLst>
+                        <p:par>
+                          <p:cTn id="4" fill="hold">
+                            <p:stCondLst>
+                              <p:cond delay="0"/>
+                            </p:stCondLst>
+                            <p:childTnLst>
+                              <p:par>
+                                <p:cTn id="5" presetID="1" presetClass="entr" presetSubtype="0" fill="hold" nodeType="clickEffect">
+                                  <p:stCondLst>
+                                    <p:cond delay="0"/>
+                                  </p:stCondLst>
+                                  <p:childTnLst>
+                                    <p:set>
+                                      <p:cBhvr>
+                                        <p:cTn id="6" dur="1" fill="hold">
+                                          <p:stCondLst>
+                                            <p:cond delay="0"/>
+                                          </p:stCondLst>
+                                        </p:cTn>
+                                        <p:tgtEl>
+                                          <p:spTgt spid="3">
+                                            <p:txEl>
+                                              <p:pRg st="0" end="0"/>
+                                            </p:txEl>
+                                          </p:spTgt>
+                                        </p:tgtEl>
+                                        <p:attrNameLst>
+                                          <p:attrName>style.visibility</p:attrName>
+                                        </p:attrNameLst>
+                                      </p:cBhvr>
+                                      <p:to>
+                                        <p:strVal val="visible"/>
+                                      </p:to>
+                                    </p:set>
+                                  </p:childTnLst>
+                                </p:cTn>
+                              </p:par>
+                            </p:childTnLst>
+                          </p:cTn>
+                        </p:par>
+                      </p:childTnLst>
+                    </p:cTn>
+                  </p:par>
+                  <p:par>
+                    <p:cTn id="7" fill="hold">
+                      <p:stCondLst>
+                        <p:cond delay="indefinite"/>
+                      </p:stCondLst>
+                      <p:childTnLst>
+                        <p:par>
+                          <p:cTn id="8" fill="hold">
+                            <p:stCondLst>
+                              <p:cond delay="0"/>
+                            </p:stCondLst>
+                            <p:childTnLst>
+                              <p:par>
+                                <p:cTn id="9" presetID="1" presetClass="entr" presetSubtype="0" fill="hold" nodeType="clickEffect">
+                                  <p:stCondLst>
+                                    <p:cond delay="0"/>
+                                  </p:stCondLst>
+                                  <p:childTnLst>
+                                    <p:set>
+                                      <p:cBhvr>
+                                        <p:cTn id="10" dur="1" fill="hold">
+                                          <p:stCondLst>
+                                            <p:cond delay="0"/>
+                                          </p:stCondLst>
+                                        </p:cTn>
+                                        <p:tgtEl>
+                                          <p:spTgt spid="3">
+                                            <p:txEl>
+                                              <p:pRg st="1" end="1"/>
+                                            </p:txEl>
+                                          </p:spTgt>
+                                        </p:tgtEl>
+                                        <p:attrNameLst>
+                                          <p:attrName>style.visibility</p:attrName>
+                                        </p:attrNameLst>
+                                      </p:cBhvr>
+                                      <p:to>
+                                        <p:strVal val="visible"/>
+                                      </p:to>
+                                    </p:set>
+                                  </p:childTnLst>
+                                </p:cTn>
+                              </p:par>
+                            </p:childTnLst>
+                          </p:cTn>
+                        </p:par>
+                      </p:childTnLst>
+                    </p:cTn>
+                  </p:par>
+                  <p:par>
+                    <p:cTn id="11" fill="hold">
+                      <p:stCondLst>
+                        <p:cond delay="indefinite"/>
+                      </p:stCondLst>
+                      <p:childTnLst>
+                        <p:par>
+                          <p:cTn id="12" fill="hold">
+                            <p:stCondLst>
+                              <p:cond delay="0"/>
+                            </p:stCondLst>
+                            <p:childTnLst>
+                              <p:par>
+                                <p:cTn id="13" presetID="1" presetClass="entr" presetSubtype="0" fill="hold" grpId="0" nodeType="clickEffect">
+                                  <p:stCondLst>
+                                    <p:cond delay="0"/>
+                                  </p:stCondLst>
+                                  <p:childTnLst>
+                                    <p:set>
+                                      <p:cBhvr>
+                                        <p:cTn id="14" dur="1" fill="hold">
+                                          <p:stCondLst>
+                                            <p:cond delay="0"/>
+                                          </p:stCondLst>
+                                        </p:cTn>
+                                        <p:tgtEl>
+                                          <p:spTgt spid="10"/>
+                                        </p:tgtEl>
+                                        <p:attrNameLst>
+                                          <p:attrName>style.visibility</p:attrName>
+                                        </p:attrNameLst>
+                                      </p:cBhvr>
+                                      <p:to>
+                                        <p:strVal val="visible"/>
+                                      </p:to>
+                                    </p:set>
+                                  </p:childTnLst>
+                                </p:cTn>
+                              </p:par>
+                              <p:par>
+                                <p:cTn id="15" presetID="1" presetClass="entr" presetSubtype="0" fill="hold" nodeType="withEffect">
+                                  <p:stCondLst>
+                                    <p:cond delay="0"/>
+                                  </p:stCondLst>
+                                  <p:childTnLst>
+                                    <p:set>
+                                      <p:cBhvr>
+                                        <p:cTn id="16" dur="1" fill="hold">
+                                          <p:stCondLst>
+                                            <p:cond delay="0"/>
+                                          </p:stCondLst>
+                                        </p:cTn>
+                                        <p:tgtEl>
+                                          <p:spTgt spid="11"/>
+                                        </p:tgtEl>
+                                        <p:attrNameLst>
+                                          <p:attrName>style.visibility</p:attrName>
+                                        </p:attrNameLst>
+                                      </p:cBhvr>
+                                      <p:to>
+                                        <p:strVal val="visible"/>
+                                      </p:to>
+                                    </p:set>
+                                  </p:childTnLst>
+                                </p:cTn>
+                              </p:par>
+                              <p:par>
+                                <p:cTn id="17" presetID="1" presetClass="entr" presetSubtype="0" fill="hold" grpId="0" nodeType="withEffect">
+                                  <p:stCondLst>
+                                    <p:cond delay="0"/>
+                                  </p:stCondLst>
+                                  <p:childTnLst>
+                                    <p:set>
+                                      <p:cBhvr>
+                                        <p:cTn id="18" dur="1" fill="hold">
+                                          <p:stCondLst>
+                                            <p:cond delay="0"/>
+                                          </p:stCondLst>
+                                        </p:cTn>
+                                        <p:tgtEl>
+                                          <p:spTgt spid="7"/>
+                                        </p:tgtEl>
+                                        <p:attrNameLst>
+                                          <p:attrName>style.visibility</p:attrName>
+                                        </p:attrNameLst>
+                                      </p:cBhvr>
+                                      <p:to>
+                                        <p:strVal val="visible"/>
+                                      </p:to>
+                                    </p:set>
+                                  </p:childTnLst>
+                                </p:cTn>
+                              </p:par>
+                            </p:childTnLst>
+                          </p:cTn>
+                        </p:par>
+                      </p:childTnLst>
+                    </p:cTn>
+                  </p:par>
+                </p:childTnLst>
+              </p:cTn>
+              <p:prevCondLst>
+                <p:cond evt="onPrev" delay="0">
+                  <p:tgtEl>
+                    <p:sldTgt/>
+                  </p:tgtEl>
+                </p:cond>
+              </p:prevCondLst>
+              <p:nextCondLst>
+                <p:cond evt="onNext" delay="0">
+                  <p:tgtEl>
+                    <p:sldTgt/>
+                  </p:tgtEl>
+                </p:cond>
+              </p:nextCondLst>
+            </p:seq>
+          </p:childTnLst>
+        </p:cTn>
+      </p:par>
+    </p:tnLst>
+    <p:bldLst>
+      <p:bldP spid="7" grpId="0"/>
+      <p:bldP spid="10" grpId="0"/>
+    </p:bldLst>
+  </p:timing>
 </p:sld>
 </file>
 
@@ -7639,7 +8447,15 @@
                   <a:ea typeface="Avenir Book" charset="0"/>
                   <a:cs typeface="Avenir Book" charset="0"/>
                 </a:rPr>
-                <a:t>P(Jane knows “blue”|{”</a:t>
+                <a:t>P(Jane knows “</a:t>
+              </a:r>
+              <a:r>
+                <a:rPr lang="en-US" sz="2400" b="1" smtClean="0">
+                  <a:latin typeface="Avenir Book" charset="0"/>
+                  <a:ea typeface="Avenir Book" charset="0"/>
+                  <a:cs typeface="Avenir Book" charset="0"/>
+                </a:rPr>
+                <a:t>blue” | {”</a:t>
               </a:r>
               <a:r>
                 <a:rPr lang="en-US" sz="2400" b="1" dirty="0" err="1" smtClean="0">
@@ -7875,6 +8691,13 @@
   <p:clrMapOvr>
     <a:masterClrMapping/>
   </p:clrMapOvr>
+  <p:timing>
+    <p:tnLst>
+      <p:par>
+        <p:cTn id="1" dur="indefinite" restart="never" nodeType="tmRoot"/>
+      </p:par>
+    </p:tnLst>
+  </p:timing>
 </p:sld>
 </file>
 
@@ -7962,15 +8785,7 @@
                 <a:ea typeface="Avenir Book" charset="0"/>
                 <a:cs typeface="Avenir Book" charset="0"/>
               </a:rPr>
-              <a:t>What is the smallest set of words you need in order to define the meanings of all other words in a </a:t>
-            </a:r>
-            <a:r>
-              <a:rPr lang="en-US" dirty="0" smtClean="0">
-                <a:latin typeface="Avenir Book" charset="0"/>
-                <a:ea typeface="Avenir Book" charset="0"/>
-                <a:cs typeface="Avenir Book" charset="0"/>
-              </a:rPr>
-              <a:t>dictionary?</a:t>
+              <a:t>What is the smallest set of words you need in order to define the meanings of all other words in a dictionary?</a:t>
             </a:r>
             <a:endParaRPr lang="en-US" sz="2000" dirty="0" smtClean="0">
               <a:latin typeface="Avenir Book" charset="0"/>
@@ -8447,7 +9262,7 @@
         </p:nvSpPr>
         <p:spPr>
           <a:xfrm>
-            <a:off x="6226707" y="5118516"/>
+            <a:off x="6086739" y="5150220"/>
             <a:ext cx="2045881" cy="646331"/>
           </a:xfrm>
           <a:prstGeom prst="rect">
